--- a/Reports/졸업과제 네번째 발표 2조.pptx
+++ b/Reports/졸업과제 네번째 발표 2조.pptx
@@ -5,22 +5,24 @@
     <p:sldMasterId id="2147483840" r:id="rId4"/>
   </p:sldMasterIdLst>
   <p:notesMasterIdLst>
-    <p:notesMasterId r:id="rId18"/>
+    <p:notesMasterId r:id="rId20"/>
   </p:notesMasterIdLst>
   <p:sldIdLst>
     <p:sldId id="256" r:id="rId5"/>
-    <p:sldId id="268" r:id="rId6"/>
-    <p:sldId id="259" r:id="rId7"/>
+    <p:sldId id="259" r:id="rId6"/>
+    <p:sldId id="268" r:id="rId7"/>
     <p:sldId id="260" r:id="rId8"/>
     <p:sldId id="276" r:id="rId9"/>
     <p:sldId id="275" r:id="rId10"/>
     <p:sldId id="277" r:id="rId11"/>
-    <p:sldId id="278" r:id="rId12"/>
-    <p:sldId id="273" r:id="rId13"/>
-    <p:sldId id="279" r:id="rId14"/>
-    <p:sldId id="261" r:id="rId15"/>
-    <p:sldId id="262" r:id="rId16"/>
-    <p:sldId id="267" r:id="rId17"/>
+    <p:sldId id="281" r:id="rId12"/>
+    <p:sldId id="280" r:id="rId13"/>
+    <p:sldId id="273" r:id="rId14"/>
+    <p:sldId id="278" r:id="rId15"/>
+    <p:sldId id="279" r:id="rId16"/>
+    <p:sldId id="261" r:id="rId17"/>
+    <p:sldId id="262" r:id="rId18"/>
+    <p:sldId id="267" r:id="rId19"/>
   </p:sldIdLst>
   <p:sldSz cx="12192000" cy="6858000"/>
   <p:notesSz cx="6858000" cy="9144000"/>
@@ -246,7 +248,7 @@
           <a:p>
             <a:fld id="{084CC45B-20B2-4149-A3F7-4EED28680BCB}" type="datetimeFigureOut">
               <a:rPr lang="ko-KR" altLang="en-US" smtClean="0"/>
-              <a:t>2020-07-16</a:t>
+              <a:t>2020-07-17</a:t>
             </a:fld>
             <a:endParaRPr lang="ko-KR" altLang="en-US"/>
           </a:p>
@@ -559,36 +561,6 @@
           <a:p>
             <a:endParaRPr lang="en-US" altLang="ko-KR" dirty="0"/>
           </a:p>
-          <a:p>
-            <a:r>
-              <a:rPr lang="en-US" altLang="ko-KR" dirty="0"/>
-              <a:t>==========================================</a:t>
-            </a:r>
-          </a:p>
-          <a:p>
-            <a:r>
-              <a:rPr lang="en-US" altLang="ko-KR" dirty="0"/>
-              <a:t>1</a:t>
-            </a:r>
-            <a:r>
-              <a:rPr lang="ko-KR" altLang="en-US" dirty="0"/>
-              <a:t>차 </a:t>
-            </a:r>
-            <a:r>
-              <a:rPr lang="en-US" altLang="ko-KR" dirty="0"/>
-              <a:t>FEEDBACK</a:t>
-            </a:r>
-          </a:p>
-          <a:p>
-            <a:r>
-              <a:rPr lang="ko-KR" altLang="en-US" dirty="0"/>
-              <a:t>테마의 소제목 부분이 절반가까이 차지하여서 무엇을 중점으로 예기 하고 싶은지 알기 힘들었습니다</a:t>
-            </a:r>
-            <a:r>
-              <a:rPr lang="en-US" altLang="ko-KR" dirty="0"/>
-              <a:t>.</a:t>
-            </a:r>
-          </a:p>
         </p:txBody>
       </p:sp>
       <p:sp>
@@ -671,7 +643,7 @@
           <a:bodyPr/>
           <a:lstStyle/>
           <a:p>
-            <a:endParaRPr lang="ko-KR" altLang="en-US" dirty="0"/>
+            <a:endParaRPr lang="en-US" altLang="ko-KR" dirty="0"/>
           </a:p>
         </p:txBody>
       </p:sp>
@@ -682,7 +654,7 @@
             <a:spLocks noGrp="1"/>
           </p:cNvSpPr>
           <p:nvPr>
-            <p:ph type="sldNum" sz="quarter" idx="10"/>
+            <p:ph type="sldNum" sz="quarter" idx="5"/>
           </p:nvPr>
         </p:nvSpPr>
         <p:spPr/>
@@ -701,7 +673,7 @@
     </p:spTree>
     <p:extLst>
       <p:ext uri="{BB962C8B-B14F-4D97-AF65-F5344CB8AC3E}">
-        <p14:creationId xmlns:p14="http://schemas.microsoft.com/office/powerpoint/2010/main" val="2122846067"/>
+        <p14:creationId xmlns:p14="http://schemas.microsoft.com/office/powerpoint/2010/main" val="2758900858"/>
       </p:ext>
     </p:extLst>
   </p:cSld>
@@ -755,7 +727,7 @@
           <a:bodyPr/>
           <a:lstStyle/>
           <a:p>
-            <a:endParaRPr lang="en-US" altLang="ko-KR" dirty="0"/>
+            <a:endParaRPr lang="ko-KR" altLang="en-US" dirty="0"/>
           </a:p>
         </p:txBody>
       </p:sp>
@@ -766,7 +738,7 @@
             <a:spLocks noGrp="1"/>
           </p:cNvSpPr>
           <p:nvPr>
-            <p:ph type="sldNum" sz="quarter" idx="5"/>
+            <p:ph type="sldNum" sz="quarter" idx="10"/>
           </p:nvPr>
         </p:nvSpPr>
         <p:spPr/>
@@ -785,7 +757,7 @@
     </p:spTree>
     <p:extLst>
       <p:ext uri="{BB962C8B-B14F-4D97-AF65-F5344CB8AC3E}">
-        <p14:creationId xmlns:p14="http://schemas.microsoft.com/office/powerpoint/2010/main" val="577437897"/>
+        <p14:creationId xmlns:p14="http://schemas.microsoft.com/office/powerpoint/2010/main" val="2122846067"/>
       </p:ext>
     </p:extLst>
   </p:cSld>
@@ -839,6 +811,450 @@
           <a:bodyPr/>
           <a:lstStyle/>
           <a:p>
+            <a:r>
+              <a:rPr lang="en-US" altLang="ko-KR" dirty="0"/>
+              <a:t>T map</a:t>
+            </a:r>
+            <a:r>
+              <a:rPr lang="ko-KR" altLang="en-US" dirty="0"/>
+              <a:t>에서 </a:t>
+            </a:r>
+            <a:r>
+              <a:rPr lang="en-US" altLang="ko-KR" dirty="0"/>
+              <a:t>GPS</a:t>
+            </a:r>
+            <a:r>
+              <a:rPr lang="ko-KR" altLang="en-US" dirty="0"/>
+              <a:t>기반으로 제공중인 서비스 </a:t>
+            </a:r>
+            <a:endParaRPr lang="en-US" altLang="ko-KR" dirty="0"/>
+          </a:p>
+          <a:p>
+            <a:r>
+              <a:rPr lang="en-US" altLang="ko-KR" dirty="0"/>
+              <a:t>-&gt; </a:t>
+            </a:r>
+            <a:r>
+              <a:rPr lang="ko-KR" altLang="en-US" dirty="0"/>
+              <a:t>이를 </a:t>
+            </a:r>
+            <a:r>
+              <a:rPr lang="en-US" altLang="ko-KR" dirty="0"/>
+              <a:t>GPS </a:t>
+            </a:r>
+            <a:r>
+              <a:rPr lang="ko-KR" altLang="en-US" dirty="0"/>
+              <a:t>내장 휴대용 디바이스를 사용하고 블루투스 통신이 가능한 </a:t>
+            </a:r>
+            <a:r>
+              <a:rPr lang="en-US" altLang="ko-KR" dirty="0"/>
+              <a:t>OBD </a:t>
+            </a:r>
+            <a:r>
+              <a:rPr lang="ko-KR" altLang="en-US" dirty="0"/>
+              <a:t>스캐너를 통해</a:t>
+            </a:r>
+            <a:endParaRPr lang="en-US" altLang="ko-KR" dirty="0"/>
+          </a:p>
+          <a:p>
+            <a:r>
+              <a:rPr lang="en-US" altLang="ko-KR" dirty="0"/>
+              <a:t>GPS</a:t>
+            </a:r>
+            <a:r>
+              <a:rPr lang="ko-KR" altLang="en-US" dirty="0"/>
+              <a:t>로 부터는 과속</a:t>
+            </a:r>
+            <a:r>
+              <a:rPr lang="en-US" altLang="ko-KR" dirty="0"/>
+              <a:t>, </a:t>
+            </a:r>
+            <a:r>
+              <a:rPr lang="ko-KR" altLang="en-US" dirty="0"/>
+              <a:t>야간주행여부만 확인하고 학습 모델로 부터 차선 변경</a:t>
+            </a:r>
+            <a:r>
+              <a:rPr lang="en-US" altLang="ko-KR" dirty="0"/>
+              <a:t>, </a:t>
+            </a:r>
+            <a:r>
+              <a:rPr lang="ko-KR" altLang="en-US" dirty="0"/>
+              <a:t>좌</a:t>
+            </a:r>
+            <a:r>
+              <a:rPr lang="en-US" altLang="ko-KR" dirty="0"/>
+              <a:t>/</a:t>
+            </a:r>
+            <a:r>
+              <a:rPr lang="ko-KR" altLang="en-US" dirty="0"/>
+              <a:t>우회전시 </a:t>
+            </a:r>
+            <a:r>
+              <a:rPr lang="ko-KR" altLang="en-US" dirty="0" err="1"/>
+              <a:t>방향지시등</a:t>
+            </a:r>
+            <a:r>
+              <a:rPr lang="ko-KR" altLang="en-US" dirty="0"/>
+              <a:t> 사용여부</a:t>
+            </a:r>
+            <a:r>
+              <a:rPr lang="en-US" altLang="ko-KR" dirty="0"/>
+              <a:t>, </a:t>
+            </a:r>
+            <a:r>
+              <a:rPr lang="ko-KR" altLang="en-US" dirty="0" err="1"/>
+              <a:t>커브길</a:t>
+            </a:r>
+            <a:r>
+              <a:rPr lang="ko-KR" altLang="en-US" dirty="0"/>
+              <a:t> 주행 시 속도</a:t>
+            </a:r>
+            <a:r>
+              <a:rPr lang="en-US" altLang="ko-KR" dirty="0"/>
+              <a:t>,</a:t>
+            </a:r>
+          </a:p>
+          <a:p>
+            <a:r>
+              <a:rPr lang="ko-KR" altLang="en-US" dirty="0"/>
+              <a:t>급 가속</a:t>
+            </a:r>
+            <a:r>
+              <a:rPr lang="en-US" altLang="ko-KR" dirty="0"/>
+              <a:t>, </a:t>
+            </a:r>
+            <a:r>
+              <a:rPr lang="ko-KR" altLang="en-US" dirty="0"/>
+              <a:t>급 제동 여부를 파악하여 판단하게 되면 더 정확하지 않을까 하는 아이디어</a:t>
+            </a:r>
+            <a:r>
+              <a:rPr lang="en-US" altLang="ko-KR" dirty="0"/>
+              <a:t>.</a:t>
+            </a:r>
+          </a:p>
+          <a:p>
+            <a:pPr marL="171450" indent="-171450">
+              <a:buFont typeface="Symbol" panose="05050102010706020507" pitchFamily="18" charset="2"/>
+              <a:buChar char="Þ"/>
+            </a:pPr>
+            <a:r>
+              <a:rPr lang="ko-KR" altLang="en-US" dirty="0"/>
+              <a:t>이 부분에서 우리가 하고자 하는 것은 시뮬레이터 센서데이터로부터 </a:t>
+            </a:r>
+            <a:endParaRPr lang="en-US" altLang="ko-KR" dirty="0"/>
+          </a:p>
+          <a:p>
+            <a:pPr marL="171450" indent="-171450">
+              <a:buFont typeface="Symbol" panose="05050102010706020507" pitchFamily="18" charset="2"/>
+              <a:buChar char="Þ"/>
+            </a:pPr>
+            <a:r>
+              <a:rPr lang="ko-KR" altLang="en-US" dirty="0"/>
+              <a:t>위의 차선 변경</a:t>
+            </a:r>
+            <a:r>
+              <a:rPr lang="en-US" altLang="ko-KR" dirty="0"/>
+              <a:t>, </a:t>
+            </a:r>
+            <a:r>
+              <a:rPr lang="ko-KR" altLang="en-US" dirty="0"/>
+              <a:t>좌</a:t>
+            </a:r>
+            <a:r>
+              <a:rPr lang="en-US" altLang="ko-KR" dirty="0"/>
+              <a:t>/</a:t>
+            </a:r>
+            <a:r>
+              <a:rPr lang="ko-KR" altLang="en-US" dirty="0"/>
+              <a:t>우회전</a:t>
+            </a:r>
+            <a:r>
+              <a:rPr lang="en-US" altLang="ko-KR" dirty="0"/>
+              <a:t>, </a:t>
+            </a:r>
+            <a:r>
+              <a:rPr lang="ko-KR" altLang="en-US" dirty="0"/>
+              <a:t>커브 길 주행</a:t>
+            </a:r>
+            <a:r>
+              <a:rPr lang="en-US" altLang="ko-KR" dirty="0"/>
+              <a:t>, </a:t>
+            </a:r>
+            <a:r>
+              <a:rPr lang="ko-KR" altLang="en-US" dirty="0"/>
+              <a:t>직진</a:t>
+            </a:r>
+            <a:r>
+              <a:rPr lang="en-US" altLang="ko-KR" dirty="0"/>
+              <a:t>, </a:t>
+            </a:r>
+            <a:r>
+              <a:rPr lang="ko-KR" altLang="en-US" dirty="0"/>
+              <a:t>정지</a:t>
+            </a:r>
+            <a:r>
+              <a:rPr lang="en-US" altLang="ko-KR" dirty="0"/>
+              <a:t>, </a:t>
+            </a:r>
+            <a:r>
+              <a:rPr lang="ko-KR" altLang="en-US" dirty="0"/>
+              <a:t>급 가속</a:t>
+            </a:r>
+            <a:r>
+              <a:rPr lang="en-US" altLang="ko-KR" dirty="0"/>
+              <a:t>, </a:t>
+            </a:r>
+            <a:r>
+              <a:rPr lang="ko-KR" altLang="en-US" dirty="0"/>
+              <a:t>급 제동을 가려내는 모델을 </a:t>
+            </a:r>
+            <a:r>
+              <a:rPr lang="ko-KR" altLang="en-US" dirty="0" err="1"/>
+              <a:t>만듬</a:t>
+            </a:r>
+            <a:r>
+              <a:rPr lang="en-US" altLang="ko-KR" dirty="0"/>
+              <a:t>.</a:t>
+            </a:r>
+          </a:p>
+          <a:p>
+            <a:pPr marL="171450" indent="-171450">
+              <a:buFont typeface="Symbol" panose="05050102010706020507" pitchFamily="18" charset="2"/>
+              <a:buChar char="Þ"/>
+            </a:pPr>
+            <a:r>
+              <a:rPr lang="ko-KR" altLang="en-US" dirty="0"/>
+              <a:t>이 모델이 실제 차량 데이터로부터 최대한 정확하게</a:t>
+            </a:r>
+            <a:r>
+              <a:rPr lang="en-US" altLang="ko-KR" dirty="0"/>
+              <a:t>(</a:t>
+            </a:r>
+            <a:r>
+              <a:rPr lang="ko-KR" altLang="en-US" dirty="0"/>
+              <a:t>목표</a:t>
+            </a:r>
+            <a:r>
+              <a:rPr lang="en-US" altLang="ko-KR" dirty="0"/>
+              <a:t>: 90% </a:t>
+            </a:r>
+            <a:r>
+              <a:rPr lang="ko-KR" altLang="en-US" dirty="0"/>
+              <a:t>이상</a:t>
+            </a:r>
+            <a:r>
+              <a:rPr lang="en-US" altLang="ko-KR" dirty="0"/>
+              <a:t>) </a:t>
+            </a:r>
+            <a:r>
+              <a:rPr lang="ko-KR" altLang="en-US" dirty="0"/>
+              <a:t>구별할 수 있도록 하는 것이 목표</a:t>
+            </a:r>
+            <a:r>
+              <a:rPr lang="en-US" altLang="ko-KR" dirty="0"/>
+              <a:t>.</a:t>
+            </a:r>
+          </a:p>
+          <a:p>
+            <a:pPr marL="0" indent="0">
+              <a:buFont typeface="Symbol" panose="05050102010706020507" pitchFamily="18" charset="2"/>
+              <a:buNone/>
+            </a:pPr>
+            <a:r>
+              <a:rPr lang="en-US" altLang="ko-KR" dirty="0"/>
+              <a:t>-&gt; </a:t>
+            </a:r>
+            <a:r>
+              <a:rPr lang="ko-KR" altLang="en-US" dirty="0"/>
+              <a:t>차후 연구 방향으로 지도와 연계하고 디바이스를 통해 네비게이션</a:t>
+            </a:r>
+            <a:r>
+              <a:rPr lang="en-US" altLang="ko-KR" dirty="0"/>
+              <a:t>, </a:t>
+            </a:r>
+          </a:p>
+          <a:p>
+            <a:pPr marL="0" indent="0">
+              <a:buFont typeface="Symbol" panose="05050102010706020507" pitchFamily="18" charset="2"/>
+              <a:buNone/>
+            </a:pPr>
+            <a:r>
+              <a:rPr lang="ko-KR" altLang="en-US" dirty="0"/>
+              <a:t>스마트폰과 연동이 가능하게 해서 상용화를 하도록 연구를 할 수 있을 것 같다</a:t>
+            </a:r>
+            <a:r>
+              <a:rPr lang="en-US" altLang="ko-KR" dirty="0"/>
+              <a:t>.</a:t>
+            </a:r>
+          </a:p>
+          <a:p>
+            <a:r>
+              <a:rPr lang="en-US" altLang="ko-KR" dirty="0"/>
+              <a:t>&lt;</a:t>
+            </a:r>
+            <a:r>
+              <a:rPr lang="ko-KR" altLang="en-US" dirty="0"/>
+              <a:t>현재 </a:t>
+            </a:r>
+            <a:r>
+              <a:rPr lang="en-US" altLang="ko-KR" dirty="0"/>
+              <a:t>T map</a:t>
+            </a:r>
+            <a:r>
+              <a:rPr lang="ko-KR" altLang="en-US" dirty="0"/>
+              <a:t>의 기준</a:t>
+            </a:r>
+            <a:r>
+              <a:rPr lang="en-US" altLang="ko-KR" dirty="0"/>
+              <a:t>&gt;</a:t>
+            </a:r>
+          </a:p>
+          <a:p>
+            <a:r>
+              <a:rPr lang="ko-KR" altLang="en-US" dirty="0"/>
+              <a:t>과속</a:t>
+            </a:r>
+            <a:r>
+              <a:rPr lang="en-US" altLang="ko-KR" dirty="0"/>
+              <a:t>: </a:t>
+            </a:r>
+            <a:r>
+              <a:rPr lang="ko-KR" altLang="en-US" dirty="0"/>
+              <a:t>제한속도 </a:t>
+            </a:r>
+            <a:r>
+              <a:rPr lang="en-US" altLang="ko-KR" dirty="0"/>
+              <a:t>15km </a:t>
+            </a:r>
+            <a:r>
+              <a:rPr lang="ko-KR" altLang="en-US" dirty="0"/>
+              <a:t>이상 초과</a:t>
+            </a:r>
+            <a:endParaRPr lang="en-US" altLang="ko-KR" dirty="0"/>
+          </a:p>
+          <a:p>
+            <a:r>
+              <a:rPr lang="ko-KR" altLang="en-US" dirty="0" err="1"/>
+              <a:t>급가속</a:t>
+            </a:r>
+            <a:r>
+              <a:rPr lang="en-US" altLang="ko-KR" dirty="0"/>
+              <a:t>: 1</a:t>
+            </a:r>
+            <a:r>
+              <a:rPr lang="ko-KR" altLang="en-US" dirty="0"/>
+              <a:t>초 이내 </a:t>
+            </a:r>
+            <a:r>
+              <a:rPr lang="en-US" altLang="ko-KR" dirty="0"/>
+              <a:t>10km/h </a:t>
+            </a:r>
+            <a:r>
+              <a:rPr lang="ko-KR" altLang="en-US" dirty="0"/>
+              <a:t>이상 증가</a:t>
+            </a:r>
+            <a:endParaRPr lang="en-US" altLang="ko-KR" dirty="0"/>
+          </a:p>
+          <a:p>
+            <a:r>
+              <a:rPr lang="ko-KR" altLang="en-US" dirty="0" err="1"/>
+              <a:t>급감속</a:t>
+            </a:r>
+            <a:r>
+              <a:rPr lang="en-US" altLang="ko-KR" dirty="0"/>
+              <a:t>: 1</a:t>
+            </a:r>
+            <a:r>
+              <a:rPr lang="ko-KR" altLang="en-US" dirty="0"/>
+              <a:t>초 이내 </a:t>
+            </a:r>
+            <a:r>
+              <a:rPr lang="en-US" altLang="ko-KR" dirty="0"/>
+              <a:t>10km/h </a:t>
+            </a:r>
+            <a:r>
+              <a:rPr lang="ko-KR" altLang="en-US" dirty="0"/>
+              <a:t>이상 감소</a:t>
+            </a:r>
+            <a:endParaRPr lang="en-US" altLang="ko-KR" dirty="0"/>
+          </a:p>
+          <a:p>
+            <a:r>
+              <a:rPr lang="ko-KR" altLang="en-US" dirty="0"/>
+              <a:t>야간주행</a:t>
+            </a:r>
+            <a:r>
+              <a:rPr lang="en-US" altLang="ko-KR" dirty="0"/>
+              <a:t>: 19~</a:t>
+            </a:r>
+            <a:r>
+              <a:rPr lang="ko-KR" altLang="en-US" dirty="0"/>
+              <a:t>익일</a:t>
+            </a:r>
+            <a:r>
+              <a:rPr lang="en-US" altLang="ko-KR" dirty="0"/>
+              <a:t>05</a:t>
+            </a:r>
+            <a:r>
+              <a:rPr lang="ko-KR" altLang="en-US" dirty="0"/>
+              <a:t>시 사이에 주행</a:t>
+            </a:r>
+            <a:r>
+              <a:rPr lang="en-US" altLang="ko-KR" dirty="0"/>
+              <a:t>.</a:t>
+            </a:r>
+          </a:p>
+          <a:p>
+            <a:r>
+              <a:rPr lang="en-US" altLang="ko-KR" dirty="0"/>
+              <a:t>=&gt; </a:t>
+            </a:r>
+            <a:r>
+              <a:rPr lang="ko-KR" altLang="en-US" dirty="0"/>
+              <a:t>몇몇 보험사 </a:t>
+            </a:r>
+            <a:r>
+              <a:rPr lang="en-US" altLang="ko-KR" dirty="0"/>
+              <a:t>ex) KB: 65</a:t>
+            </a:r>
+            <a:r>
+              <a:rPr lang="ko-KR" altLang="en-US" dirty="0"/>
+              <a:t>점 이상 보험료 할인</a:t>
+            </a:r>
+            <a:r>
+              <a:rPr lang="en-US" altLang="ko-KR" dirty="0"/>
+              <a:t>. </a:t>
+            </a:r>
+            <a:r>
+              <a:rPr lang="ko-KR" altLang="en-US" dirty="0"/>
+              <a:t>을 시행하고 있다</a:t>
+            </a:r>
+            <a:r>
+              <a:rPr lang="en-US" altLang="ko-KR" dirty="0"/>
+              <a:t>.</a:t>
+            </a:r>
+          </a:p>
+          <a:p>
+            <a:r>
+              <a:rPr lang="ko-KR" altLang="en-US" dirty="0"/>
+              <a:t>발표를 통해서 이런 아이디어는 </a:t>
+            </a:r>
+            <a:r>
+              <a:rPr lang="ko-KR" altLang="en-US" dirty="0" err="1"/>
+              <a:t>어떤지</a:t>
+            </a:r>
+            <a:r>
+              <a:rPr lang="en-US" altLang="ko-KR" dirty="0"/>
+              <a:t>,</a:t>
+            </a:r>
+            <a:r>
+              <a:rPr lang="ko-KR" altLang="en-US" dirty="0"/>
+              <a:t> 만약 시행한다면 어떤 문제점이 예상될 지에 대한 의견을 여쭙고 싶어서 이렇게 추가하게 되었습니다</a:t>
+            </a:r>
+            <a:r>
+              <a:rPr lang="en-US" altLang="ko-KR" dirty="0"/>
+              <a:t>.</a:t>
+            </a:r>
             <a:endParaRPr lang="ko-KR" altLang="en-US" dirty="0"/>
           </a:p>
         </p:txBody>
@@ -869,7 +1285,7 @@
     </p:spTree>
     <p:extLst>
       <p:ext uri="{BB962C8B-B14F-4D97-AF65-F5344CB8AC3E}">
-        <p14:creationId xmlns:p14="http://schemas.microsoft.com/office/powerpoint/2010/main" val="1870616220"/>
+        <p14:creationId xmlns:p14="http://schemas.microsoft.com/office/powerpoint/2010/main" val="2122846067"/>
       </p:ext>
     </p:extLst>
   </p:cSld>
@@ -923,7 +1339,7 @@
           <a:bodyPr/>
           <a:lstStyle/>
           <a:p>
-            <a:endParaRPr lang="ko-KR" altLang="en-US" dirty="0"/>
+            <a:endParaRPr lang="en-US" altLang="ko-KR" dirty="0"/>
           </a:p>
         </p:txBody>
       </p:sp>
@@ -945,6 +1361,174 @@
             <a:fld id="{9E332759-395D-4AEC-8BED-41EB225C9866}" type="slidenum">
               <a:rPr lang="ko-KR" altLang="en-US" smtClean="0"/>
               <a:t>13</a:t>
+            </a:fld>
+            <a:endParaRPr lang="ko-KR" altLang="en-US"/>
+          </a:p>
+        </p:txBody>
+      </p:sp>
+    </p:spTree>
+    <p:extLst>
+      <p:ext uri="{BB962C8B-B14F-4D97-AF65-F5344CB8AC3E}">
+        <p14:creationId xmlns:p14="http://schemas.microsoft.com/office/powerpoint/2010/main" val="577437897"/>
+      </p:ext>
+    </p:extLst>
+  </p:cSld>
+  <p:clrMapOvr>
+    <a:masterClrMapping/>
+  </p:clrMapOvr>
+</p:notes>
+</file>
+
+<file path=ppt/notesSlides/notesSlide14.xml><?xml version="1.0" encoding="utf-8"?>
+<p:notes xmlns:a="http://schemas.openxmlformats.org/drawingml/2006/main" xmlns:r="http://schemas.openxmlformats.org/officeDocument/2006/relationships" xmlns:p="http://schemas.openxmlformats.org/presentationml/2006/main">
+  <p:cSld>
+    <p:spTree>
+      <p:nvGrpSpPr>
+        <p:cNvPr id="1" name=""/>
+        <p:cNvGrpSpPr/>
+        <p:nvPr/>
+      </p:nvGrpSpPr>
+      <p:grpSpPr>
+        <a:xfrm>
+          <a:off x="0" y="0"/>
+          <a:ext cx="0" cy="0"/>
+          <a:chOff x="0" y="0"/>
+          <a:chExt cx="0" cy="0"/>
+        </a:xfrm>
+      </p:grpSpPr>
+      <p:sp>
+        <p:nvSpPr>
+          <p:cNvPr id="2" name="슬라이드 이미지 개체 틀 1"/>
+          <p:cNvSpPr>
+            <a:spLocks noGrp="1" noRot="1" noChangeAspect="1"/>
+          </p:cNvSpPr>
+          <p:nvPr>
+            <p:ph type="sldImg"/>
+          </p:nvPr>
+        </p:nvSpPr>
+        <p:spPr/>
+      </p:sp>
+      <p:sp>
+        <p:nvSpPr>
+          <p:cNvPr id="3" name="슬라이드 노트 개체 틀 2"/>
+          <p:cNvSpPr>
+            <a:spLocks noGrp="1"/>
+          </p:cNvSpPr>
+          <p:nvPr>
+            <p:ph type="body" idx="1"/>
+          </p:nvPr>
+        </p:nvSpPr>
+        <p:spPr/>
+        <p:txBody>
+          <a:bodyPr/>
+          <a:lstStyle/>
+          <a:p>
+            <a:endParaRPr lang="ko-KR" altLang="en-US" dirty="0"/>
+          </a:p>
+        </p:txBody>
+      </p:sp>
+      <p:sp>
+        <p:nvSpPr>
+          <p:cNvPr id="4" name="슬라이드 번호 개체 틀 3"/>
+          <p:cNvSpPr>
+            <a:spLocks noGrp="1"/>
+          </p:cNvSpPr>
+          <p:nvPr>
+            <p:ph type="sldNum" sz="quarter" idx="10"/>
+          </p:nvPr>
+        </p:nvSpPr>
+        <p:spPr/>
+        <p:txBody>
+          <a:bodyPr/>
+          <a:lstStyle/>
+          <a:p>
+            <a:fld id="{9E332759-395D-4AEC-8BED-41EB225C9866}" type="slidenum">
+              <a:rPr lang="ko-KR" altLang="en-US" smtClean="0"/>
+              <a:t>14</a:t>
+            </a:fld>
+            <a:endParaRPr lang="ko-KR" altLang="en-US"/>
+          </a:p>
+        </p:txBody>
+      </p:sp>
+    </p:spTree>
+    <p:extLst>
+      <p:ext uri="{BB962C8B-B14F-4D97-AF65-F5344CB8AC3E}">
+        <p14:creationId xmlns:p14="http://schemas.microsoft.com/office/powerpoint/2010/main" val="1870616220"/>
+      </p:ext>
+    </p:extLst>
+  </p:cSld>
+  <p:clrMapOvr>
+    <a:masterClrMapping/>
+  </p:clrMapOvr>
+</p:notes>
+</file>
+
+<file path=ppt/notesSlides/notesSlide15.xml><?xml version="1.0" encoding="utf-8"?>
+<p:notes xmlns:a="http://schemas.openxmlformats.org/drawingml/2006/main" xmlns:r="http://schemas.openxmlformats.org/officeDocument/2006/relationships" xmlns:p="http://schemas.openxmlformats.org/presentationml/2006/main">
+  <p:cSld>
+    <p:spTree>
+      <p:nvGrpSpPr>
+        <p:cNvPr id="1" name=""/>
+        <p:cNvGrpSpPr/>
+        <p:nvPr/>
+      </p:nvGrpSpPr>
+      <p:grpSpPr>
+        <a:xfrm>
+          <a:off x="0" y="0"/>
+          <a:ext cx="0" cy="0"/>
+          <a:chOff x="0" y="0"/>
+          <a:chExt cx="0" cy="0"/>
+        </a:xfrm>
+      </p:grpSpPr>
+      <p:sp>
+        <p:nvSpPr>
+          <p:cNvPr id="2" name="슬라이드 이미지 개체 틀 1"/>
+          <p:cNvSpPr>
+            <a:spLocks noGrp="1" noRot="1" noChangeAspect="1"/>
+          </p:cNvSpPr>
+          <p:nvPr>
+            <p:ph type="sldImg"/>
+          </p:nvPr>
+        </p:nvSpPr>
+        <p:spPr/>
+      </p:sp>
+      <p:sp>
+        <p:nvSpPr>
+          <p:cNvPr id="3" name="슬라이드 노트 개체 틀 2"/>
+          <p:cNvSpPr>
+            <a:spLocks noGrp="1"/>
+          </p:cNvSpPr>
+          <p:nvPr>
+            <p:ph type="body" idx="1"/>
+          </p:nvPr>
+        </p:nvSpPr>
+        <p:spPr/>
+        <p:txBody>
+          <a:bodyPr/>
+          <a:lstStyle/>
+          <a:p>
+            <a:endParaRPr lang="ko-KR" altLang="en-US" dirty="0"/>
+          </a:p>
+        </p:txBody>
+      </p:sp>
+      <p:sp>
+        <p:nvSpPr>
+          <p:cNvPr id="4" name="슬라이드 번호 개체 틀 3"/>
+          <p:cNvSpPr>
+            <a:spLocks noGrp="1"/>
+          </p:cNvSpPr>
+          <p:nvPr>
+            <p:ph type="sldNum" sz="quarter" idx="5"/>
+          </p:nvPr>
+        </p:nvSpPr>
+        <p:spPr/>
+        <p:txBody>
+          <a:bodyPr/>
+          <a:lstStyle/>
+          <a:p>
+            <a:fld id="{9E332759-395D-4AEC-8BED-41EB225C9866}" type="slidenum">
+              <a:rPr lang="ko-KR" altLang="en-US" smtClean="0"/>
+              <a:t>15</a:t>
             </a:fld>
             <a:endParaRPr lang="ko-KR" altLang="en-US"/>
           </a:p>
@@ -1541,7 +2125,7 @@
     </p:spTree>
     <p:extLst>
       <p:ext uri="{BB962C8B-B14F-4D97-AF65-F5344CB8AC3E}">
-        <p14:creationId xmlns:p14="http://schemas.microsoft.com/office/powerpoint/2010/main" val="2122846067"/>
+        <p14:creationId xmlns:p14="http://schemas.microsoft.com/office/powerpoint/2010/main" val="3762225479"/>
       </p:ext>
     </p:extLst>
   </p:cSld>
@@ -1625,7 +2209,7 @@
     </p:spTree>
     <p:extLst>
       <p:ext uri="{BB962C8B-B14F-4D97-AF65-F5344CB8AC3E}">
-        <p14:creationId xmlns:p14="http://schemas.microsoft.com/office/powerpoint/2010/main" val="2758900858"/>
+        <p14:creationId xmlns:p14="http://schemas.microsoft.com/office/powerpoint/2010/main" val="4100247203"/>
       </p:ext>
     </p:extLst>
   </p:cSld>
@@ -1862,7 +2446,7 @@
           <a:p>
             <a:fld id="{0F58FC38-7BE5-437F-8241-FE77880D90FD}" type="datetime1">
               <a:rPr lang="ko-KR" altLang="en-US" smtClean="0"/>
-              <a:t>2020-07-16</a:t>
+              <a:t>2020-07-17</a:t>
             </a:fld>
             <a:endParaRPr lang="en-US" dirty="0"/>
           </a:p>
@@ -2017,7 +2601,7 @@
           <a:p>
             <a:fld id="{E63F51D9-A09F-4002-ACB1-C497D3C9483C}" type="datetime1">
               <a:rPr lang="ko-KR" altLang="en-US" smtClean="0"/>
-              <a:t>2020-07-16</a:t>
+              <a:t>2020-07-17</a:t>
             </a:fld>
             <a:endParaRPr lang="en-US" dirty="0"/>
           </a:p>
@@ -2196,7 +2780,7 @@
           <a:p>
             <a:fld id="{DDFDDE85-B6B6-4975-BA0D-F54F60FF0ECE}" type="datetime1">
               <a:rPr lang="ko-KR" altLang="en-US" smtClean="0"/>
-              <a:t>2020-07-16</a:t>
+              <a:t>2020-07-17</a:t>
             </a:fld>
             <a:endParaRPr lang="en-US" dirty="0"/>
           </a:p>
@@ -2376,7 +2960,7 @@
           <a:p>
             <a:fld id="{FCF1A352-F403-4DB9-A328-4556D7939B4D}" type="datetime1">
               <a:rPr lang="ko-KR" altLang="en-US" smtClean="0"/>
-              <a:t>2020-07-16</a:t>
+              <a:t>2020-07-17</a:t>
             </a:fld>
             <a:endParaRPr lang="en-US" dirty="0"/>
           </a:p>
@@ -2639,7 +3223,7 @@
           <a:p>
             <a:fld id="{7B7E4805-4CCE-472E-ADE4-F0E290887413}" type="datetime1">
               <a:rPr lang="ko-KR" altLang="en-US" smtClean="0"/>
-              <a:t>2020-07-16</a:t>
+              <a:t>2020-07-17</a:t>
             </a:fld>
             <a:endParaRPr lang="en-US" dirty="0"/>
           </a:p>
@@ -2937,7 +3521,7 @@
           <a:p>
             <a:fld id="{036055D7-1E70-443C-A648-0D635A7F384A}" type="datetime1">
               <a:rPr lang="ko-KR" altLang="en-US" smtClean="0"/>
-              <a:t>2020-07-16</a:t>
+              <a:t>2020-07-17</a:t>
             </a:fld>
             <a:endParaRPr lang="en-US" dirty="0"/>
           </a:p>
@@ -3389,7 +3973,7 @@
           <a:p>
             <a:fld id="{C3ECECBE-4479-4298-83F6-4A9C47D5F3B2}" type="datetime1">
               <a:rPr lang="ko-KR" altLang="en-US" smtClean="0"/>
-              <a:t>2020-07-16</a:t>
+              <a:t>2020-07-17</a:t>
             </a:fld>
             <a:endParaRPr lang="en-US" dirty="0"/>
           </a:p>
@@ -3517,7 +4101,7 @@
           <a:p>
             <a:fld id="{30EF5FB9-0D60-4430-A361-377FEA5726D5}" type="datetime1">
               <a:rPr lang="ko-KR" altLang="en-US" smtClean="0"/>
-              <a:t>2020-07-16</a:t>
+              <a:t>2020-07-17</a:t>
             </a:fld>
             <a:endParaRPr lang="en-US" dirty="0"/>
           </a:p>
@@ -3608,7 +4192,7 @@
           <a:p>
             <a:fld id="{656F2C6D-FC37-47FB-B402-A12520905120}" type="datetime1">
               <a:rPr lang="ko-KR" altLang="en-US" smtClean="0"/>
-              <a:t>2020-07-16</a:t>
+              <a:t>2020-07-17</a:t>
             </a:fld>
             <a:endParaRPr lang="en-US" dirty="0"/>
           </a:p>
@@ -3895,7 +4479,7 @@
           <a:p>
             <a:fld id="{015153FF-8FFB-4E75-A16B-25F1A7463DEA}" type="datetime1">
               <a:rPr lang="ko-KR" altLang="en-US" smtClean="0"/>
-              <a:t>2020-07-16</a:t>
+              <a:t>2020-07-17</a:t>
             </a:fld>
             <a:endParaRPr lang="en-US" dirty="0"/>
           </a:p>
@@ -4167,7 +4751,7 @@
           <a:p>
             <a:fld id="{12C47210-FAC3-4736-8D59-AA451CFF2A28}" type="datetime1">
               <a:rPr lang="ko-KR" altLang="en-US" smtClean="0"/>
-              <a:t>2020-07-16</a:t>
+              <a:t>2020-07-17</a:t>
             </a:fld>
             <a:endParaRPr lang="en-US" dirty="0"/>
           </a:p>
@@ -4427,7 +5011,7 @@
           <a:p>
             <a:fld id="{2AC242A7-4D2C-47B3-9BF6-8CA1B0F288E2}" type="datetime1">
               <a:rPr lang="ko-KR" altLang="en-US" smtClean="0"/>
-              <a:t>2020-07-16</a:t>
+              <a:t>2020-07-17</a:t>
             </a:fld>
             <a:endParaRPr lang="en-US" dirty="0"/>
           </a:p>
@@ -5248,7 +5832,7 @@
           <a:p>
             <a:fld id="{31CB442F-44B4-4C18-BCAD-5D1C59424957}" type="datetime1">
               <a:rPr lang="ko-KR" altLang="en-US" smtClean="0"/>
-              <a:t>2020-07-16</a:t>
+              <a:t>2020-07-17</a:t>
             </a:fld>
             <a:endParaRPr lang="en-US" dirty="0"/>
           </a:p>
@@ -5289,7 +5873,7 @@
           <p:cNvPr id="2" name="제목 1">
             <a:extLst>
               <a:ext uri="{FF2B5EF4-FFF2-40B4-BE49-F238E27FC236}">
-                <a16:creationId xmlns:a16="http://schemas.microsoft.com/office/drawing/2014/main" id="{DCF95126-78F4-44B0-AA86-107F55589E24}"/>
+                <a16:creationId xmlns:a16="http://schemas.microsoft.com/office/drawing/2014/main" id="{F527D3A4-2476-4C9D-B594-1FA1ED3CFA2B}"/>
               </a:ext>
             </a:extLst>
           </p:cNvPr>
@@ -5298,37 +5882,6 @@
           </p:cNvSpPr>
           <p:nvPr>
             <p:ph type="title"/>
-          </p:nvPr>
-        </p:nvSpPr>
-        <p:spPr/>
-        <p:txBody>
-          <a:bodyPr>
-            <a:noAutofit/>
-          </a:bodyPr>
-          <a:lstStyle/>
-          <a:p>
-            <a:pPr algn="ctr"/>
-            <a:r>
-              <a:rPr lang="ko-KR" altLang="en-US" sz="3200" b="1" dirty="0"/>
-              <a:t>현재 진행 상황</a:t>
-            </a:r>
-          </a:p>
-        </p:txBody>
-      </p:sp>
-      <p:sp>
-        <p:nvSpPr>
-          <p:cNvPr id="3" name="내용 개체 틀 2">
-            <a:extLst>
-              <a:ext uri="{FF2B5EF4-FFF2-40B4-BE49-F238E27FC236}">
-                <a16:creationId xmlns:a16="http://schemas.microsoft.com/office/drawing/2014/main" id="{F77CE3EF-26CF-4C89-A463-B0CE7D91F570}"/>
-              </a:ext>
-            </a:extLst>
-          </p:cNvPr>
-          <p:cNvSpPr>
-            <a:spLocks noGrp="1"/>
-          </p:cNvSpPr>
-          <p:nvPr>
-            <p:ph idx="1"/>
           </p:nvPr>
         </p:nvSpPr>
         <p:spPr/>
@@ -5338,84 +5891,11 @@
           </a:bodyPr>
           <a:lstStyle/>
           <a:p>
-            <a:pPr>
-              <a:spcBef>
-                <a:spcPts val="2400"/>
-              </a:spcBef>
-            </a:pPr>
-            <a:r>
-              <a:rPr lang="ko-KR" altLang="en-US" sz="3200" dirty="0"/>
-              <a:t>안전 운전 점수 측정</a:t>
-            </a:r>
-            <a:endParaRPr lang="en-US" altLang="ko-KR" sz="3200" dirty="0"/>
-          </a:p>
-          <a:p>
-            <a:pPr>
-              <a:spcBef>
-                <a:spcPts val="2400"/>
-              </a:spcBef>
-            </a:pPr>
-            <a:r>
-              <a:rPr lang="en-US" altLang="ko-KR" sz="3200" dirty="0"/>
-              <a:t>T map</a:t>
-            </a:r>
-            <a:r>
-              <a:rPr lang="ko-KR" altLang="en-US" sz="3200" dirty="0"/>
-              <a:t>에서 현재 제공중인 서비스</a:t>
-            </a:r>
-            <a:endParaRPr lang="en-US" altLang="ko-KR" sz="3200" dirty="0"/>
-          </a:p>
-          <a:p>
-            <a:pPr>
-              <a:spcBef>
-                <a:spcPts val="2400"/>
-              </a:spcBef>
-            </a:pPr>
-            <a:r>
-              <a:rPr lang="ko-KR" altLang="en-US" sz="3200" dirty="0"/>
-              <a:t>현재는 차량의 </a:t>
-            </a:r>
-            <a:r>
-              <a:rPr lang="en-US" altLang="ko-KR" sz="3200" dirty="0"/>
-              <a:t>GPS </a:t>
-            </a:r>
-            <a:r>
-              <a:rPr lang="ko-KR" altLang="en-US" sz="3200" dirty="0"/>
-              <a:t>정보를 받아서 사용</a:t>
-            </a:r>
-            <a:endParaRPr lang="en-US" altLang="ko-KR" sz="3200" dirty="0"/>
-          </a:p>
-          <a:p>
-            <a:pPr>
-              <a:spcBef>
-                <a:spcPts val="2400"/>
-              </a:spcBef>
-            </a:pPr>
-            <a:r>
-              <a:rPr lang="ko-KR" altLang="en-US" sz="3200" dirty="0"/>
-              <a:t>차량의 센서데이터를 사용하여 차선변경</a:t>
-            </a:r>
-            <a:r>
-              <a:rPr lang="en-US" altLang="ko-KR" sz="3200" dirty="0"/>
-              <a:t>, </a:t>
-            </a:r>
-            <a:r>
-              <a:rPr lang="ko-KR" altLang="en-US" sz="3200" dirty="0" err="1"/>
-              <a:t>급가속</a:t>
-            </a:r>
-            <a:r>
-              <a:rPr lang="en-US" altLang="ko-KR" sz="3200" dirty="0"/>
-              <a:t>, </a:t>
-            </a:r>
-            <a:r>
-              <a:rPr lang="ko-KR" altLang="en-US" sz="3200" dirty="0"/>
-              <a:t>급제동 등을 </a:t>
-            </a:r>
-            <a:r>
-              <a:rPr lang="ko-KR" altLang="en-US" sz="3200"/>
-              <a:t>파악 가능</a:t>
-            </a:r>
-            <a:endParaRPr lang="en-US" altLang="ko-KR" sz="3200"/>
+            <a:r>
+              <a:rPr lang="ko-KR" altLang="en-US" sz="3600" b="1" dirty="0"/>
+              <a:t>현재 진행 상황</a:t>
+            </a:r>
+            <a:endParaRPr lang="ko-KR" altLang="en-US" sz="3500" b="1" dirty="0"/>
           </a:p>
         </p:txBody>
       </p:sp>
@@ -5424,7 +5904,7 @@
           <p:cNvPr id="5" name="슬라이드 번호 개체 틀 4">
             <a:extLst>
               <a:ext uri="{FF2B5EF4-FFF2-40B4-BE49-F238E27FC236}">
-                <a16:creationId xmlns:a16="http://schemas.microsoft.com/office/drawing/2014/main" id="{697479EF-A19F-4427-84A0-1ED090411FD0}"/>
+                <a16:creationId xmlns:a16="http://schemas.microsoft.com/office/drawing/2014/main" id="{B94218F4-8846-4E3F-853A-5F8555B0F85A}"/>
               </a:ext>
             </a:extLst>
           </p:cNvPr>
@@ -5454,7 +5934,7 @@
           <p:cNvPr id="4" name="날짜 개체 틀 3">
             <a:extLst>
               <a:ext uri="{FF2B5EF4-FFF2-40B4-BE49-F238E27FC236}">
-                <a16:creationId xmlns:a16="http://schemas.microsoft.com/office/drawing/2014/main" id="{97905E41-4DA2-442F-8CC2-64E7A53076B1}"/>
+                <a16:creationId xmlns:a16="http://schemas.microsoft.com/office/drawing/2014/main" id="{4BB7EE5D-927A-4CCF-A1D8-4B1D0DBF2832}"/>
               </a:ext>
             </a:extLst>
           </p:cNvPr>
@@ -5475,9 +5955,9 @@
           <a:bodyPr/>
           <a:lstStyle/>
           <a:p>
-            <a:fld id="{793FA439-1AF0-4114-85D0-94817C2CD7F4}" type="datetime1">
+            <a:fld id="{835A3A55-8703-4404-B685-585B47BF8635}" type="datetime1">
               <a:rPr lang="ko-KR" altLang="en-US" smtClean="0"/>
-              <a:t>2020-07-16</a:t>
+              <a:t>2020-07-17</a:t>
             </a:fld>
             <a:endParaRPr lang="en-US" dirty="0"/>
           </a:p>
@@ -5488,7 +5968,7 @@
           <p:cNvPr id="6" name="바닥글 개체 틀 3">
             <a:extLst>
               <a:ext uri="{FF2B5EF4-FFF2-40B4-BE49-F238E27FC236}">
-                <a16:creationId xmlns:a16="http://schemas.microsoft.com/office/drawing/2014/main" id="{29675F6E-AB95-42A8-B21F-DF220282D235}"/>
+                <a16:creationId xmlns:a16="http://schemas.microsoft.com/office/drawing/2014/main" id="{A60952EA-DD37-49FE-B649-1749C242F52B}"/>
               </a:ext>
             </a:extLst>
           </p:cNvPr>
@@ -5652,7 +6132,7 @@
           <p:cNvPr id="7" name="TextBox 6">
             <a:extLst>
               <a:ext uri="{FF2B5EF4-FFF2-40B4-BE49-F238E27FC236}">
-                <a16:creationId xmlns:a16="http://schemas.microsoft.com/office/drawing/2014/main" id="{DF921F7D-E495-4662-8CA2-B81784899F14}"/>
+                <a16:creationId xmlns:a16="http://schemas.microsoft.com/office/drawing/2014/main" id="{363584E5-9A0C-434C-BB6F-A44FDBA3DBBC}"/>
               </a:ext>
             </a:extLst>
           </p:cNvPr>
@@ -5661,8 +6141,8 @@
         </p:nvSpPr>
         <p:spPr>
           <a:xfrm>
-            <a:off x="1321141" y="949884"/>
-            <a:ext cx="9312994" cy="707886"/>
+            <a:off x="1118223" y="729025"/>
+            <a:ext cx="5558076" cy="553998"/>
           </a:xfrm>
           <a:prstGeom prst="rect">
             <a:avLst/>
@@ -5676,20 +6156,211 @@
           <a:lstStyle/>
           <a:p>
             <a:r>
-              <a:rPr lang="ko-KR" altLang="en-US" sz="4000" dirty="0" err="1"/>
-              <a:t>목표구체화</a:t>
-            </a:r>
-            <a:r>
-              <a:rPr lang="ko-KR" altLang="en-US" sz="4000" dirty="0"/>
-              <a:t> </a:t>
-            </a:r>
-          </a:p>
-        </p:txBody>
-      </p:sp>
+              <a:rPr lang="ko-KR" altLang="en-US" sz="3000" dirty="0"/>
+              <a:t>데이터 예측 결과</a:t>
+            </a:r>
+          </a:p>
+        </p:txBody>
+      </p:sp>
+      <p:sp>
+        <p:nvSpPr>
+          <p:cNvPr id="15" name="TextBox 14">
+            <a:extLst>
+              <a:ext uri="{FF2B5EF4-FFF2-40B4-BE49-F238E27FC236}">
+                <a16:creationId xmlns:a16="http://schemas.microsoft.com/office/drawing/2014/main" id="{0E112199-EF7E-4BC3-BA6D-7BC4EB7D57C7}"/>
+              </a:ext>
+            </a:extLst>
+          </p:cNvPr>
+          <p:cNvSpPr txBox="1"/>
+          <p:nvPr/>
+        </p:nvSpPr>
+        <p:spPr>
+          <a:xfrm>
+            <a:off x="1118223" y="2527989"/>
+            <a:ext cx="6830716" cy="3046988"/>
+          </a:xfrm>
+          <a:prstGeom prst="rect">
+            <a:avLst/>
+          </a:prstGeom>
+          <a:noFill/>
+        </p:spPr>
+        <p:txBody>
+          <a:bodyPr wrap="none" rtlCol="0">
+            <a:spAutoFit/>
+          </a:bodyPr>
+          <a:lstStyle/>
+          <a:p>
+            <a:r>
+              <a:rPr lang="ko-KR" altLang="en-US" sz="3200" dirty="0"/>
+              <a:t>테스트 데이터에 대해 </a:t>
+            </a:r>
+            <a:r>
+              <a:rPr lang="en-US" altLang="ko-KR" sz="3200" b="1" dirty="0">
+                <a:solidFill>
+                  <a:srgbClr val="FF0000"/>
+                </a:solidFill>
+              </a:rPr>
+              <a:t>78%</a:t>
+            </a:r>
+            <a:r>
+              <a:rPr lang="ko-KR" altLang="en-US" sz="3200" dirty="0"/>
+              <a:t>의 정확도</a:t>
+            </a:r>
+            <a:endParaRPr lang="en-US" altLang="ko-KR" sz="3200" dirty="0"/>
+          </a:p>
+          <a:p>
+            <a:endParaRPr lang="en-US" altLang="ko-KR" sz="3200" dirty="0"/>
+          </a:p>
+          <a:p>
+            <a:r>
+              <a:rPr lang="en-US" altLang="ko-KR" sz="3200" dirty="0"/>
+              <a:t>=&gt; </a:t>
+            </a:r>
+            <a:r>
+              <a:rPr lang="ko-KR" altLang="en-US" sz="3200" dirty="0"/>
+              <a:t>학습 데이터에 대해 </a:t>
+            </a:r>
+            <a:r>
+              <a:rPr lang="en-US" altLang="ko-KR" sz="3200" dirty="0"/>
+              <a:t>86%</a:t>
+            </a:r>
+            <a:r>
+              <a:rPr lang="ko-KR" altLang="en-US" sz="3200" dirty="0"/>
+              <a:t>의 정확도</a:t>
+            </a:r>
+            <a:endParaRPr lang="en-US" altLang="ko-KR" sz="3200" dirty="0"/>
+          </a:p>
+          <a:p>
+            <a:r>
+              <a:rPr lang="ko-KR" altLang="en-US" sz="3200" dirty="0" err="1"/>
+              <a:t>를</a:t>
+            </a:r>
+            <a:r>
+              <a:rPr lang="ko-KR" altLang="en-US" sz="3200" dirty="0"/>
+              <a:t> 보이는 것으로 보아 더 많고 정확한</a:t>
+            </a:r>
+            <a:endParaRPr lang="en-US" altLang="ko-KR" sz="3200" dirty="0"/>
+          </a:p>
+          <a:p>
+            <a:r>
+              <a:rPr lang="ko-KR" altLang="en-US" sz="3200" dirty="0"/>
+              <a:t>데이터 수집과 </a:t>
+            </a:r>
+            <a:r>
+              <a:rPr lang="en-US" altLang="ko-KR" sz="3200" dirty="0"/>
+              <a:t>labeling</a:t>
+            </a:r>
+            <a:r>
+              <a:rPr lang="ko-KR" altLang="en-US" sz="3200" dirty="0"/>
+              <a:t>이 필요</a:t>
+            </a:r>
+            <a:endParaRPr lang="en-US" altLang="ko-KR" sz="3200" dirty="0"/>
+          </a:p>
+          <a:p>
+            <a:r>
+              <a:rPr lang="en-US" altLang="ko-KR" sz="3200" dirty="0"/>
+              <a:t>=&gt; </a:t>
+            </a:r>
+            <a:r>
+              <a:rPr lang="ko-KR" altLang="en-US" sz="3200" dirty="0"/>
+              <a:t>새로운 모델을 구축 시도가 필요 </a:t>
+            </a:r>
+            <a:endParaRPr lang="en-US" altLang="ko-KR" sz="3200" dirty="0"/>
+          </a:p>
+        </p:txBody>
+      </p:sp>
+      <p:pic>
+        <p:nvPicPr>
+          <p:cNvPr id="9" name="그림 8" descr="스크린샷이(가) 표시된 사진&#10;&#10;자동 생성된 설명">
+            <a:extLst>
+              <a:ext uri="{FF2B5EF4-FFF2-40B4-BE49-F238E27FC236}">
+                <a16:creationId xmlns:a16="http://schemas.microsoft.com/office/drawing/2014/main" id="{7EF792A7-88BB-45A5-A817-FA12E448B987}"/>
+              </a:ext>
+            </a:extLst>
+          </p:cNvPr>
+          <p:cNvPicPr>
+            <a:picLocks noChangeAspect="1"/>
+          </p:cNvPicPr>
+          <p:nvPr/>
+        </p:nvPicPr>
+        <p:blipFill rotWithShape="1">
+          <a:blip r:embed="rId3"/>
+          <a:srcRect b="90879"/>
+          <a:stretch/>
+        </p:blipFill>
+        <p:spPr>
+          <a:xfrm>
+            <a:off x="1118223" y="1283023"/>
+            <a:ext cx="4336156" cy="553998"/>
+          </a:xfrm>
+          <a:prstGeom prst="rect">
+            <a:avLst/>
+          </a:prstGeom>
+        </p:spPr>
+      </p:pic>
+      <p:pic>
+        <p:nvPicPr>
+          <p:cNvPr id="12" name="그림 11" descr="스크린샷이(가) 표시된 사진&#10;&#10;자동 생성된 설명">
+            <a:extLst>
+              <a:ext uri="{FF2B5EF4-FFF2-40B4-BE49-F238E27FC236}">
+                <a16:creationId xmlns:a16="http://schemas.microsoft.com/office/drawing/2014/main" id="{A9692FE3-3C27-4B61-A590-A3A4ABE91C38}"/>
+              </a:ext>
+            </a:extLst>
+          </p:cNvPr>
+          <p:cNvPicPr>
+            <a:picLocks noChangeAspect="1"/>
+          </p:cNvPicPr>
+          <p:nvPr/>
+        </p:nvPicPr>
+        <p:blipFill rotWithShape="1">
+          <a:blip r:embed="rId3"/>
+          <a:srcRect t="94454"/>
+          <a:stretch/>
+        </p:blipFill>
+        <p:spPr>
+          <a:xfrm>
+            <a:off x="1118223" y="1892570"/>
+            <a:ext cx="4336156" cy="336858"/>
+          </a:xfrm>
+          <a:prstGeom prst="rect">
+            <a:avLst/>
+          </a:prstGeom>
+        </p:spPr>
+      </p:pic>
+      <p:pic>
+        <p:nvPicPr>
+          <p:cNvPr id="16" name="그림 15">
+            <a:extLst>
+              <a:ext uri="{FF2B5EF4-FFF2-40B4-BE49-F238E27FC236}">
+                <a16:creationId xmlns:a16="http://schemas.microsoft.com/office/drawing/2014/main" id="{4A9C144E-9098-4D05-8BC8-938CD06A3336}"/>
+              </a:ext>
+            </a:extLst>
+          </p:cNvPr>
+          <p:cNvPicPr>
+            <a:picLocks noChangeAspect="1"/>
+          </p:cNvPicPr>
+          <p:nvPr/>
+        </p:nvPicPr>
+        <p:blipFill>
+          <a:blip r:embed="rId4"/>
+          <a:stretch>
+            <a:fillRect/>
+          </a:stretch>
+        </p:blipFill>
+        <p:spPr>
+          <a:xfrm>
+            <a:off x="7756922" y="729025"/>
+            <a:ext cx="3642676" cy="5197290"/>
+          </a:xfrm>
+          <a:prstGeom prst="rect">
+            <a:avLst/>
+          </a:prstGeom>
+        </p:spPr>
+      </p:pic>
     </p:spTree>
     <p:extLst>
       <p:ext uri="{BB962C8B-B14F-4D97-AF65-F5344CB8AC3E}">
-        <p14:creationId xmlns:p14="http://schemas.microsoft.com/office/powerpoint/2010/main" val="2867194897"/>
+        <p14:creationId xmlns:p14="http://schemas.microsoft.com/office/powerpoint/2010/main" val="1024922132"/>
       </p:ext>
     </p:extLst>
   </p:cSld>
@@ -5721,6 +6392,889 @@
           <p:cNvPr id="2" name="제목 1">
             <a:extLst>
               <a:ext uri="{FF2B5EF4-FFF2-40B4-BE49-F238E27FC236}">
+                <a16:creationId xmlns:a16="http://schemas.microsoft.com/office/drawing/2014/main" id="{DCF95126-78F4-44B0-AA86-107F55589E24}"/>
+              </a:ext>
+            </a:extLst>
+          </p:cNvPr>
+          <p:cNvSpPr>
+            <a:spLocks noGrp="1"/>
+          </p:cNvSpPr>
+          <p:nvPr>
+            <p:ph type="title"/>
+          </p:nvPr>
+        </p:nvSpPr>
+        <p:spPr/>
+        <p:txBody>
+          <a:bodyPr>
+            <a:noAutofit/>
+          </a:bodyPr>
+          <a:lstStyle/>
+          <a:p>
+            <a:pPr algn="ctr"/>
+            <a:r>
+              <a:rPr lang="ko-KR" altLang="en-US" sz="3200" b="1" dirty="0"/>
+              <a:t>현재 진행 상황</a:t>
+            </a:r>
+          </a:p>
+        </p:txBody>
+      </p:sp>
+      <p:sp>
+        <p:nvSpPr>
+          <p:cNvPr id="3" name="내용 개체 틀 2">
+            <a:extLst>
+              <a:ext uri="{FF2B5EF4-FFF2-40B4-BE49-F238E27FC236}">
+                <a16:creationId xmlns:a16="http://schemas.microsoft.com/office/drawing/2014/main" id="{F77CE3EF-26CF-4C89-A463-B0CE7D91F570}"/>
+              </a:ext>
+            </a:extLst>
+          </p:cNvPr>
+          <p:cNvSpPr>
+            <a:spLocks noGrp="1"/>
+          </p:cNvSpPr>
+          <p:nvPr>
+            <p:ph idx="1"/>
+          </p:nvPr>
+        </p:nvSpPr>
+        <p:spPr>
+          <a:xfrm>
+            <a:off x="1085221" y="864108"/>
+            <a:ext cx="10721591" cy="5120640"/>
+          </a:xfrm>
+        </p:spPr>
+        <p:txBody>
+          <a:bodyPr>
+            <a:normAutofit/>
+          </a:bodyPr>
+          <a:lstStyle/>
+          <a:p>
+            <a:pPr>
+              <a:spcBef>
+                <a:spcPts val="2400"/>
+              </a:spcBef>
+            </a:pPr>
+            <a:r>
+              <a:rPr lang="ko-KR" altLang="en-US" sz="3200" dirty="0"/>
+              <a:t>실제 차량의 센서 데이터 습득</a:t>
+            </a:r>
+            <a:endParaRPr lang="en-US" altLang="ko-KR" sz="3200" dirty="0"/>
+          </a:p>
+          <a:p>
+            <a:pPr>
+              <a:spcBef>
+                <a:spcPts val="2400"/>
+              </a:spcBef>
+            </a:pPr>
+            <a:r>
+              <a:rPr lang="ko-KR" altLang="en-US" sz="3200" dirty="0"/>
+              <a:t>시뮬레이션 데이터와의 차이점 확인</a:t>
+            </a:r>
+            <a:endParaRPr lang="en-US" altLang="ko-KR" sz="3200" dirty="0"/>
+          </a:p>
+          <a:p>
+            <a:pPr>
+              <a:spcBef>
+                <a:spcPts val="2400"/>
+              </a:spcBef>
+            </a:pPr>
+            <a:r>
+              <a:rPr lang="ko-KR" altLang="en-US" sz="3200" dirty="0"/>
+              <a:t>시뮬레이션 데이터를 실제 차량 데이터와 비슷하게 정규화</a:t>
+            </a:r>
+            <a:endParaRPr lang="en-US" altLang="ko-KR" sz="3200" dirty="0"/>
+          </a:p>
+          <a:p>
+            <a:pPr>
+              <a:spcBef>
+                <a:spcPts val="2400"/>
+              </a:spcBef>
+            </a:pPr>
+            <a:r>
+              <a:rPr lang="ko-KR" altLang="en-US" sz="3200" dirty="0"/>
+              <a:t>정규화 된 데이터에 맞게 모델 재설계</a:t>
+            </a:r>
+            <a:endParaRPr lang="en-US" altLang="ko-KR" sz="3200" dirty="0"/>
+          </a:p>
+        </p:txBody>
+      </p:sp>
+      <p:sp>
+        <p:nvSpPr>
+          <p:cNvPr id="5" name="슬라이드 번호 개체 틀 4">
+            <a:extLst>
+              <a:ext uri="{FF2B5EF4-FFF2-40B4-BE49-F238E27FC236}">
+                <a16:creationId xmlns:a16="http://schemas.microsoft.com/office/drawing/2014/main" id="{697479EF-A19F-4427-84A0-1ED090411FD0}"/>
+              </a:ext>
+            </a:extLst>
+          </p:cNvPr>
+          <p:cNvSpPr>
+            <a:spLocks noGrp="1"/>
+          </p:cNvSpPr>
+          <p:nvPr>
+            <p:ph type="sldNum" sz="quarter" idx="12"/>
+          </p:nvPr>
+        </p:nvSpPr>
+        <p:spPr/>
+        <p:txBody>
+          <a:bodyPr/>
+          <a:lstStyle/>
+          <a:p>
+            <a:fld id="{4FAB73BC-B049-4115-A692-8D63A059BFB8}" type="slidenum">
+              <a:rPr lang="en-US" smtClean="0"/>
+              <a:pPr/>
+              <a:t>11</a:t>
+            </a:fld>
+            <a:endParaRPr lang="en-US" dirty="0"/>
+          </a:p>
+        </p:txBody>
+      </p:sp>
+      <p:sp>
+        <p:nvSpPr>
+          <p:cNvPr id="4" name="날짜 개체 틀 3">
+            <a:extLst>
+              <a:ext uri="{FF2B5EF4-FFF2-40B4-BE49-F238E27FC236}">
+                <a16:creationId xmlns:a16="http://schemas.microsoft.com/office/drawing/2014/main" id="{97905E41-4DA2-442F-8CC2-64E7A53076B1}"/>
+              </a:ext>
+            </a:extLst>
+          </p:cNvPr>
+          <p:cNvSpPr>
+            <a:spLocks noGrp="1"/>
+          </p:cNvSpPr>
+          <p:nvPr>
+            <p:ph type="dt" sz="half" idx="10"/>
+          </p:nvPr>
+        </p:nvSpPr>
+        <p:spPr>
+          <a:xfrm>
+            <a:off x="0" y="6492875"/>
+            <a:ext cx="2743200" cy="365125"/>
+          </a:xfrm>
+        </p:spPr>
+        <p:txBody>
+          <a:bodyPr/>
+          <a:lstStyle/>
+          <a:p>
+            <a:fld id="{793FA439-1AF0-4114-85D0-94817C2CD7F4}" type="datetime1">
+              <a:rPr lang="ko-KR" altLang="en-US" smtClean="0"/>
+              <a:t>2020-07-17</a:t>
+            </a:fld>
+            <a:endParaRPr lang="en-US" dirty="0"/>
+          </a:p>
+        </p:txBody>
+      </p:sp>
+      <p:sp>
+        <p:nvSpPr>
+          <p:cNvPr id="6" name="바닥글 개체 틀 3">
+            <a:extLst>
+              <a:ext uri="{FF2B5EF4-FFF2-40B4-BE49-F238E27FC236}">
+                <a16:creationId xmlns:a16="http://schemas.microsoft.com/office/drawing/2014/main" id="{29675F6E-AB95-42A8-B21F-DF220282D235}"/>
+              </a:ext>
+            </a:extLst>
+          </p:cNvPr>
+          <p:cNvSpPr txBox="1">
+            <a:spLocks/>
+          </p:cNvSpPr>
+          <p:nvPr/>
+        </p:nvSpPr>
+        <p:spPr>
+          <a:xfrm>
+            <a:off x="3140241" y="150043"/>
+            <a:ext cx="5911517" cy="365125"/>
+          </a:xfrm>
+          <a:prstGeom prst="rect">
+            <a:avLst/>
+          </a:prstGeom>
+        </p:spPr>
+        <p:txBody>
+          <a:bodyPr vert="horz" lIns="91440" tIns="45720" rIns="91440" bIns="45720" rtlCol="0" anchor="ctr"/>
+          <a:lstStyle>
+            <a:defPPr>
+              <a:defRPr lang="en-US"/>
+            </a:defPPr>
+            <a:lvl1pPr marL="0" algn="l" defTabSz="457200" rtl="0" eaLnBrk="1" latinLnBrk="0" hangingPunct="1">
+              <a:defRPr sz="1100" kern="1200">
+                <a:solidFill>
+                  <a:schemeClr val="tx1">
+                    <a:lumMod val="50000"/>
+                    <a:lumOff val="50000"/>
+                  </a:schemeClr>
+                </a:solidFill>
+                <a:latin typeface="+mn-lt"/>
+                <a:ea typeface="+mn-ea"/>
+                <a:cs typeface="+mn-cs"/>
+              </a:defRPr>
+            </a:lvl1pPr>
+            <a:lvl2pPr marL="457200" algn="l" defTabSz="457200" rtl="0" eaLnBrk="1" latinLnBrk="0" hangingPunct="1">
+              <a:defRPr sz="1800" kern="1200">
+                <a:solidFill>
+                  <a:schemeClr val="tx1"/>
+                </a:solidFill>
+                <a:latin typeface="+mn-lt"/>
+                <a:ea typeface="+mn-ea"/>
+                <a:cs typeface="+mn-cs"/>
+              </a:defRPr>
+            </a:lvl2pPr>
+            <a:lvl3pPr marL="914400" algn="l" defTabSz="457200" rtl="0" eaLnBrk="1" latinLnBrk="0" hangingPunct="1">
+              <a:defRPr sz="1800" kern="1200">
+                <a:solidFill>
+                  <a:schemeClr val="tx1"/>
+                </a:solidFill>
+                <a:latin typeface="+mn-lt"/>
+                <a:ea typeface="+mn-ea"/>
+                <a:cs typeface="+mn-cs"/>
+              </a:defRPr>
+            </a:lvl3pPr>
+            <a:lvl4pPr marL="1371600" algn="l" defTabSz="457200" rtl="0" eaLnBrk="1" latinLnBrk="0" hangingPunct="1">
+              <a:defRPr sz="1800" kern="1200">
+                <a:solidFill>
+                  <a:schemeClr val="tx1"/>
+                </a:solidFill>
+                <a:latin typeface="+mn-lt"/>
+                <a:ea typeface="+mn-ea"/>
+                <a:cs typeface="+mn-cs"/>
+              </a:defRPr>
+            </a:lvl4pPr>
+            <a:lvl5pPr marL="1828800" algn="l" defTabSz="457200" rtl="0" eaLnBrk="1" latinLnBrk="0" hangingPunct="1">
+              <a:defRPr sz="1800" kern="1200">
+                <a:solidFill>
+                  <a:schemeClr val="tx1"/>
+                </a:solidFill>
+                <a:latin typeface="+mn-lt"/>
+                <a:ea typeface="+mn-ea"/>
+                <a:cs typeface="+mn-cs"/>
+              </a:defRPr>
+            </a:lvl5pPr>
+            <a:lvl6pPr marL="2286000" algn="l" defTabSz="457200" rtl="0" eaLnBrk="1" latinLnBrk="0" hangingPunct="1">
+              <a:defRPr sz="1800" kern="1200">
+                <a:solidFill>
+                  <a:schemeClr val="tx1"/>
+                </a:solidFill>
+                <a:latin typeface="+mn-lt"/>
+                <a:ea typeface="+mn-ea"/>
+                <a:cs typeface="+mn-cs"/>
+              </a:defRPr>
+            </a:lvl6pPr>
+            <a:lvl7pPr marL="2743200" algn="l" defTabSz="457200" rtl="0" eaLnBrk="1" latinLnBrk="0" hangingPunct="1">
+              <a:defRPr sz="1800" kern="1200">
+                <a:solidFill>
+                  <a:schemeClr val="tx1"/>
+                </a:solidFill>
+                <a:latin typeface="+mn-lt"/>
+                <a:ea typeface="+mn-ea"/>
+                <a:cs typeface="+mn-cs"/>
+              </a:defRPr>
+            </a:lvl7pPr>
+            <a:lvl8pPr marL="3200400" algn="l" defTabSz="457200" rtl="0" eaLnBrk="1" latinLnBrk="0" hangingPunct="1">
+              <a:defRPr sz="1800" kern="1200">
+                <a:solidFill>
+                  <a:schemeClr val="tx1"/>
+                </a:solidFill>
+                <a:latin typeface="+mn-lt"/>
+                <a:ea typeface="+mn-ea"/>
+                <a:cs typeface="+mn-cs"/>
+              </a:defRPr>
+            </a:lvl8pPr>
+            <a:lvl9pPr marL="3657600" algn="l" defTabSz="457200" rtl="0" eaLnBrk="1" latinLnBrk="0" hangingPunct="1">
+              <a:defRPr sz="1800" kern="1200">
+                <a:solidFill>
+                  <a:schemeClr val="tx1"/>
+                </a:solidFill>
+                <a:latin typeface="+mn-lt"/>
+                <a:ea typeface="+mn-ea"/>
+                <a:cs typeface="+mn-cs"/>
+              </a:defRPr>
+            </a:lvl9pPr>
+          </a:lstStyle>
+          <a:p>
+            <a:pPr algn="ctr"/>
+            <a:r>
+              <a:rPr lang="en-US" altLang="ko-KR" dirty="0"/>
+              <a:t>2020 </a:t>
+            </a:r>
+            <a:r>
+              <a:rPr lang="ko-KR" altLang="en-US" dirty="0"/>
+              <a:t>전기 졸업과제 팀 </a:t>
+            </a:r>
+            <a:r>
+              <a:rPr lang="en-US" altLang="ko-KR" dirty="0"/>
+              <a:t>38(ESLAB 2</a:t>
+            </a:r>
+            <a:r>
+              <a:rPr lang="ko-KR" altLang="en-US" dirty="0"/>
+              <a:t>조</a:t>
+            </a:r>
+            <a:r>
+              <a:rPr lang="en-US" altLang="ko-KR" dirty="0"/>
+              <a:t>)</a:t>
+            </a:r>
+          </a:p>
+          <a:p>
+            <a:pPr algn="ctr"/>
+            <a:r>
+              <a:rPr lang="en-US" altLang="ko-KR" dirty="0"/>
+              <a:t>[</a:t>
+            </a:r>
+            <a:r>
+              <a:rPr lang="ko-KR" altLang="en-US" dirty="0"/>
+              <a:t>여기에 팀 이름 입력</a:t>
+            </a:r>
+            <a:r>
+              <a:rPr lang="en-US" altLang="ko-KR" dirty="0"/>
+              <a:t>]</a:t>
+            </a:r>
+            <a:endParaRPr lang="en-US" dirty="0"/>
+          </a:p>
+        </p:txBody>
+      </p:sp>
+      <p:sp>
+        <p:nvSpPr>
+          <p:cNvPr id="7" name="TextBox 6">
+            <a:extLst>
+              <a:ext uri="{FF2B5EF4-FFF2-40B4-BE49-F238E27FC236}">
+                <a16:creationId xmlns:a16="http://schemas.microsoft.com/office/drawing/2014/main" id="{DF921F7D-E495-4662-8CA2-B81784899F14}"/>
+              </a:ext>
+            </a:extLst>
+          </p:cNvPr>
+          <p:cNvSpPr txBox="1"/>
+          <p:nvPr/>
+        </p:nvSpPr>
+        <p:spPr>
+          <a:xfrm>
+            <a:off x="1321141" y="949884"/>
+            <a:ext cx="9312994" cy="707886"/>
+          </a:xfrm>
+          <a:prstGeom prst="rect">
+            <a:avLst/>
+          </a:prstGeom>
+          <a:noFill/>
+        </p:spPr>
+        <p:txBody>
+          <a:bodyPr wrap="square" rtlCol="0">
+            <a:spAutoFit/>
+          </a:bodyPr>
+          <a:lstStyle/>
+          <a:p>
+            <a:r>
+              <a:rPr lang="ko-KR" altLang="en-US" sz="4000" dirty="0"/>
+              <a:t>실제 차량 센서 </a:t>
+            </a:r>
+            <a:r>
+              <a:rPr lang="ko-KR" altLang="en-US" sz="4000"/>
+              <a:t>데이터 획득 및 분석 시작 </a:t>
+            </a:r>
+            <a:endParaRPr lang="ko-KR" altLang="en-US" sz="4000" dirty="0"/>
+          </a:p>
+        </p:txBody>
+      </p:sp>
+    </p:spTree>
+    <p:extLst>
+      <p:ext uri="{BB962C8B-B14F-4D97-AF65-F5344CB8AC3E}">
+        <p14:creationId xmlns:p14="http://schemas.microsoft.com/office/powerpoint/2010/main" val="1834372175"/>
+      </p:ext>
+    </p:extLst>
+  </p:cSld>
+  <p:clrMapOvr>
+    <a:masterClrMapping/>
+  </p:clrMapOvr>
+</p:sld>
+</file>
+
+<file path=ppt/slides/slide12.xml><?xml version="1.0" encoding="utf-8"?>
+<p:sld xmlns:a="http://schemas.openxmlformats.org/drawingml/2006/main" xmlns:r="http://schemas.openxmlformats.org/officeDocument/2006/relationships" xmlns:p="http://schemas.openxmlformats.org/presentationml/2006/main">
+  <p:cSld>
+    <p:spTree>
+      <p:nvGrpSpPr>
+        <p:cNvPr id="1" name=""/>
+        <p:cNvGrpSpPr/>
+        <p:nvPr/>
+      </p:nvGrpSpPr>
+      <p:grpSpPr>
+        <a:xfrm>
+          <a:off x="0" y="0"/>
+          <a:ext cx="0" cy="0"/>
+          <a:chOff x="0" y="0"/>
+          <a:chExt cx="0" cy="0"/>
+        </a:xfrm>
+      </p:grpSpPr>
+      <p:sp>
+        <p:nvSpPr>
+          <p:cNvPr id="2" name="제목 1">
+            <a:extLst>
+              <a:ext uri="{FF2B5EF4-FFF2-40B4-BE49-F238E27FC236}">
+                <a16:creationId xmlns:a16="http://schemas.microsoft.com/office/drawing/2014/main" id="{DCF95126-78F4-44B0-AA86-107F55589E24}"/>
+              </a:ext>
+            </a:extLst>
+          </p:cNvPr>
+          <p:cNvSpPr>
+            <a:spLocks noGrp="1"/>
+          </p:cNvSpPr>
+          <p:nvPr>
+            <p:ph type="title"/>
+          </p:nvPr>
+        </p:nvSpPr>
+        <p:spPr/>
+        <p:txBody>
+          <a:bodyPr>
+            <a:noAutofit/>
+          </a:bodyPr>
+          <a:lstStyle/>
+          <a:p>
+            <a:pPr algn="ctr"/>
+            <a:r>
+              <a:rPr lang="ko-KR" altLang="en-US" sz="3200" b="1" dirty="0"/>
+              <a:t>현재 진행 상황</a:t>
+            </a:r>
+          </a:p>
+        </p:txBody>
+      </p:sp>
+      <p:sp>
+        <p:nvSpPr>
+          <p:cNvPr id="3" name="내용 개체 틀 2">
+            <a:extLst>
+              <a:ext uri="{FF2B5EF4-FFF2-40B4-BE49-F238E27FC236}">
+                <a16:creationId xmlns:a16="http://schemas.microsoft.com/office/drawing/2014/main" id="{F77CE3EF-26CF-4C89-A463-B0CE7D91F570}"/>
+              </a:ext>
+            </a:extLst>
+          </p:cNvPr>
+          <p:cNvSpPr>
+            <a:spLocks noGrp="1"/>
+          </p:cNvSpPr>
+          <p:nvPr>
+            <p:ph idx="1"/>
+          </p:nvPr>
+        </p:nvSpPr>
+        <p:spPr/>
+        <p:txBody>
+          <a:bodyPr>
+            <a:normAutofit/>
+          </a:bodyPr>
+          <a:lstStyle/>
+          <a:p>
+            <a:pPr>
+              <a:spcBef>
+                <a:spcPts val="2400"/>
+              </a:spcBef>
+            </a:pPr>
+            <a:r>
+              <a:rPr lang="ko-KR" altLang="en-US" sz="3200" dirty="0"/>
+              <a:t>안전 운전 점수 측정</a:t>
+            </a:r>
+            <a:endParaRPr lang="en-US" altLang="ko-KR" sz="3200" dirty="0"/>
+          </a:p>
+          <a:p>
+            <a:pPr>
+              <a:spcBef>
+                <a:spcPts val="2400"/>
+              </a:spcBef>
+            </a:pPr>
+            <a:r>
+              <a:rPr lang="en-US" altLang="ko-KR" sz="3200" dirty="0"/>
+              <a:t>T map</a:t>
+            </a:r>
+            <a:r>
+              <a:rPr lang="ko-KR" altLang="en-US" sz="3200" dirty="0"/>
+              <a:t>에서 현재 </a:t>
+            </a:r>
+            <a:r>
+              <a:rPr lang="en-US" altLang="ko-KR" sz="3200" dirty="0"/>
+              <a:t>GPS</a:t>
+            </a:r>
+            <a:r>
+              <a:rPr lang="ko-KR" altLang="en-US" sz="3200" dirty="0"/>
+              <a:t>기반으로 제공중인 서비스</a:t>
+            </a:r>
+            <a:endParaRPr lang="en-US" altLang="ko-KR" sz="3200" dirty="0"/>
+          </a:p>
+          <a:p>
+            <a:pPr>
+              <a:spcBef>
+                <a:spcPts val="2400"/>
+              </a:spcBef>
+            </a:pPr>
+            <a:r>
+              <a:rPr lang="ko-KR" altLang="en-US" sz="3200" dirty="0"/>
+              <a:t>현재는 과속</a:t>
+            </a:r>
+            <a:r>
+              <a:rPr lang="en-US" altLang="ko-KR" sz="3200" dirty="0"/>
+              <a:t>, </a:t>
+            </a:r>
+            <a:r>
+              <a:rPr lang="ko-KR" altLang="en-US" sz="3200" dirty="0"/>
+              <a:t>급 가속</a:t>
+            </a:r>
+            <a:r>
+              <a:rPr lang="en-US" altLang="ko-KR" sz="3200" dirty="0"/>
+              <a:t>, </a:t>
+            </a:r>
+            <a:r>
+              <a:rPr lang="ko-KR" altLang="en-US" sz="3200" dirty="0"/>
+              <a:t>급 정거</a:t>
+            </a:r>
+            <a:r>
+              <a:rPr lang="en-US" altLang="ko-KR" sz="3200" dirty="0"/>
+              <a:t>, </a:t>
+            </a:r>
+            <a:r>
+              <a:rPr lang="ko-KR" altLang="en-US" sz="3200" dirty="0"/>
+              <a:t>야간주행 여부로 판단</a:t>
+            </a:r>
+            <a:endParaRPr lang="en-US" altLang="ko-KR" sz="3200" dirty="0"/>
+          </a:p>
+          <a:p>
+            <a:pPr>
+              <a:spcBef>
+                <a:spcPts val="2400"/>
+              </a:spcBef>
+            </a:pPr>
+            <a:r>
+              <a:rPr lang="ko-KR" altLang="en-US" sz="3200" dirty="0"/>
+              <a:t>차량의 센서데이터를 사용하여 차선 변경 빈도</a:t>
+            </a:r>
+            <a:r>
+              <a:rPr lang="en-US" altLang="ko-KR" sz="3200" dirty="0"/>
+              <a:t>, </a:t>
+            </a:r>
+            <a:r>
+              <a:rPr lang="ko-KR" altLang="en-US" sz="3200" dirty="0"/>
+              <a:t>급 가속</a:t>
+            </a:r>
+            <a:r>
+              <a:rPr lang="en-US" altLang="ko-KR" sz="3200" dirty="0"/>
+              <a:t>, </a:t>
+            </a:r>
+            <a:r>
+              <a:rPr lang="ko-KR" altLang="en-US" sz="3200" dirty="0"/>
+              <a:t>급 제동</a:t>
+            </a:r>
+            <a:r>
+              <a:rPr lang="en-US" altLang="ko-KR" sz="3200" dirty="0"/>
+              <a:t>, </a:t>
+            </a:r>
+            <a:r>
+              <a:rPr lang="ko-KR" altLang="en-US" sz="3200" dirty="0"/>
+              <a:t>방향 </a:t>
+            </a:r>
+            <a:r>
+              <a:rPr lang="ko-KR" altLang="en-US" sz="3200" dirty="0" err="1"/>
+              <a:t>지시등</a:t>
+            </a:r>
+            <a:r>
+              <a:rPr lang="ko-KR" altLang="en-US" sz="3200" dirty="0"/>
+              <a:t> 사용 여부 등을 파악 가능</a:t>
+            </a:r>
+            <a:endParaRPr lang="en-US" altLang="ko-KR" sz="3200" dirty="0"/>
+          </a:p>
+        </p:txBody>
+      </p:sp>
+      <p:sp>
+        <p:nvSpPr>
+          <p:cNvPr id="5" name="슬라이드 번호 개체 틀 4">
+            <a:extLst>
+              <a:ext uri="{FF2B5EF4-FFF2-40B4-BE49-F238E27FC236}">
+                <a16:creationId xmlns:a16="http://schemas.microsoft.com/office/drawing/2014/main" id="{697479EF-A19F-4427-84A0-1ED090411FD0}"/>
+              </a:ext>
+            </a:extLst>
+          </p:cNvPr>
+          <p:cNvSpPr>
+            <a:spLocks noGrp="1"/>
+          </p:cNvSpPr>
+          <p:nvPr>
+            <p:ph type="sldNum" sz="quarter" idx="12"/>
+          </p:nvPr>
+        </p:nvSpPr>
+        <p:spPr/>
+        <p:txBody>
+          <a:bodyPr/>
+          <a:lstStyle/>
+          <a:p>
+            <a:fld id="{4FAB73BC-B049-4115-A692-8D63A059BFB8}" type="slidenum">
+              <a:rPr lang="en-US" smtClean="0"/>
+              <a:pPr/>
+              <a:t>12</a:t>
+            </a:fld>
+            <a:endParaRPr lang="en-US" dirty="0"/>
+          </a:p>
+        </p:txBody>
+      </p:sp>
+      <p:sp>
+        <p:nvSpPr>
+          <p:cNvPr id="4" name="날짜 개체 틀 3">
+            <a:extLst>
+              <a:ext uri="{FF2B5EF4-FFF2-40B4-BE49-F238E27FC236}">
+                <a16:creationId xmlns:a16="http://schemas.microsoft.com/office/drawing/2014/main" id="{97905E41-4DA2-442F-8CC2-64E7A53076B1}"/>
+              </a:ext>
+            </a:extLst>
+          </p:cNvPr>
+          <p:cNvSpPr>
+            <a:spLocks noGrp="1"/>
+          </p:cNvSpPr>
+          <p:nvPr>
+            <p:ph type="dt" sz="half" idx="10"/>
+          </p:nvPr>
+        </p:nvSpPr>
+        <p:spPr>
+          <a:xfrm>
+            <a:off x="0" y="6492875"/>
+            <a:ext cx="2743200" cy="365125"/>
+          </a:xfrm>
+        </p:spPr>
+        <p:txBody>
+          <a:bodyPr/>
+          <a:lstStyle/>
+          <a:p>
+            <a:fld id="{793FA439-1AF0-4114-85D0-94817C2CD7F4}" type="datetime1">
+              <a:rPr lang="ko-KR" altLang="en-US" smtClean="0"/>
+              <a:t>2020-07-17</a:t>
+            </a:fld>
+            <a:endParaRPr lang="en-US" dirty="0"/>
+          </a:p>
+        </p:txBody>
+      </p:sp>
+      <p:sp>
+        <p:nvSpPr>
+          <p:cNvPr id="6" name="바닥글 개체 틀 3">
+            <a:extLst>
+              <a:ext uri="{FF2B5EF4-FFF2-40B4-BE49-F238E27FC236}">
+                <a16:creationId xmlns:a16="http://schemas.microsoft.com/office/drawing/2014/main" id="{29675F6E-AB95-42A8-B21F-DF220282D235}"/>
+              </a:ext>
+            </a:extLst>
+          </p:cNvPr>
+          <p:cNvSpPr txBox="1">
+            <a:spLocks/>
+          </p:cNvSpPr>
+          <p:nvPr/>
+        </p:nvSpPr>
+        <p:spPr>
+          <a:xfrm>
+            <a:off x="3140241" y="150043"/>
+            <a:ext cx="5911517" cy="365125"/>
+          </a:xfrm>
+          <a:prstGeom prst="rect">
+            <a:avLst/>
+          </a:prstGeom>
+        </p:spPr>
+        <p:txBody>
+          <a:bodyPr vert="horz" lIns="91440" tIns="45720" rIns="91440" bIns="45720" rtlCol="0" anchor="ctr"/>
+          <a:lstStyle>
+            <a:defPPr>
+              <a:defRPr lang="en-US"/>
+            </a:defPPr>
+            <a:lvl1pPr marL="0" algn="l" defTabSz="457200" rtl="0" eaLnBrk="1" latinLnBrk="0" hangingPunct="1">
+              <a:defRPr sz="1100" kern="1200">
+                <a:solidFill>
+                  <a:schemeClr val="tx1">
+                    <a:lumMod val="50000"/>
+                    <a:lumOff val="50000"/>
+                  </a:schemeClr>
+                </a:solidFill>
+                <a:latin typeface="+mn-lt"/>
+                <a:ea typeface="+mn-ea"/>
+                <a:cs typeface="+mn-cs"/>
+              </a:defRPr>
+            </a:lvl1pPr>
+            <a:lvl2pPr marL="457200" algn="l" defTabSz="457200" rtl="0" eaLnBrk="1" latinLnBrk="0" hangingPunct="1">
+              <a:defRPr sz="1800" kern="1200">
+                <a:solidFill>
+                  <a:schemeClr val="tx1"/>
+                </a:solidFill>
+                <a:latin typeface="+mn-lt"/>
+                <a:ea typeface="+mn-ea"/>
+                <a:cs typeface="+mn-cs"/>
+              </a:defRPr>
+            </a:lvl2pPr>
+            <a:lvl3pPr marL="914400" algn="l" defTabSz="457200" rtl="0" eaLnBrk="1" latinLnBrk="0" hangingPunct="1">
+              <a:defRPr sz="1800" kern="1200">
+                <a:solidFill>
+                  <a:schemeClr val="tx1"/>
+                </a:solidFill>
+                <a:latin typeface="+mn-lt"/>
+                <a:ea typeface="+mn-ea"/>
+                <a:cs typeface="+mn-cs"/>
+              </a:defRPr>
+            </a:lvl3pPr>
+            <a:lvl4pPr marL="1371600" algn="l" defTabSz="457200" rtl="0" eaLnBrk="1" latinLnBrk="0" hangingPunct="1">
+              <a:defRPr sz="1800" kern="1200">
+                <a:solidFill>
+                  <a:schemeClr val="tx1"/>
+                </a:solidFill>
+                <a:latin typeface="+mn-lt"/>
+                <a:ea typeface="+mn-ea"/>
+                <a:cs typeface="+mn-cs"/>
+              </a:defRPr>
+            </a:lvl4pPr>
+            <a:lvl5pPr marL="1828800" algn="l" defTabSz="457200" rtl="0" eaLnBrk="1" latinLnBrk="0" hangingPunct="1">
+              <a:defRPr sz="1800" kern="1200">
+                <a:solidFill>
+                  <a:schemeClr val="tx1"/>
+                </a:solidFill>
+                <a:latin typeface="+mn-lt"/>
+                <a:ea typeface="+mn-ea"/>
+                <a:cs typeface="+mn-cs"/>
+              </a:defRPr>
+            </a:lvl5pPr>
+            <a:lvl6pPr marL="2286000" algn="l" defTabSz="457200" rtl="0" eaLnBrk="1" latinLnBrk="0" hangingPunct="1">
+              <a:defRPr sz="1800" kern="1200">
+                <a:solidFill>
+                  <a:schemeClr val="tx1"/>
+                </a:solidFill>
+                <a:latin typeface="+mn-lt"/>
+                <a:ea typeface="+mn-ea"/>
+                <a:cs typeface="+mn-cs"/>
+              </a:defRPr>
+            </a:lvl6pPr>
+            <a:lvl7pPr marL="2743200" algn="l" defTabSz="457200" rtl="0" eaLnBrk="1" latinLnBrk="0" hangingPunct="1">
+              <a:defRPr sz="1800" kern="1200">
+                <a:solidFill>
+                  <a:schemeClr val="tx1"/>
+                </a:solidFill>
+                <a:latin typeface="+mn-lt"/>
+                <a:ea typeface="+mn-ea"/>
+                <a:cs typeface="+mn-cs"/>
+              </a:defRPr>
+            </a:lvl7pPr>
+            <a:lvl8pPr marL="3200400" algn="l" defTabSz="457200" rtl="0" eaLnBrk="1" latinLnBrk="0" hangingPunct="1">
+              <a:defRPr sz="1800" kern="1200">
+                <a:solidFill>
+                  <a:schemeClr val="tx1"/>
+                </a:solidFill>
+                <a:latin typeface="+mn-lt"/>
+                <a:ea typeface="+mn-ea"/>
+                <a:cs typeface="+mn-cs"/>
+              </a:defRPr>
+            </a:lvl8pPr>
+            <a:lvl9pPr marL="3657600" algn="l" defTabSz="457200" rtl="0" eaLnBrk="1" latinLnBrk="0" hangingPunct="1">
+              <a:defRPr sz="1800" kern="1200">
+                <a:solidFill>
+                  <a:schemeClr val="tx1"/>
+                </a:solidFill>
+                <a:latin typeface="+mn-lt"/>
+                <a:ea typeface="+mn-ea"/>
+                <a:cs typeface="+mn-cs"/>
+              </a:defRPr>
+            </a:lvl9pPr>
+          </a:lstStyle>
+          <a:p>
+            <a:pPr algn="ctr"/>
+            <a:r>
+              <a:rPr lang="en-US" altLang="ko-KR" dirty="0"/>
+              <a:t>2020 </a:t>
+            </a:r>
+            <a:r>
+              <a:rPr lang="ko-KR" altLang="en-US" dirty="0"/>
+              <a:t>전기 졸업과제 팀 </a:t>
+            </a:r>
+            <a:r>
+              <a:rPr lang="en-US" altLang="ko-KR" dirty="0"/>
+              <a:t>38(ESLAB 2</a:t>
+            </a:r>
+            <a:r>
+              <a:rPr lang="ko-KR" altLang="en-US" dirty="0"/>
+              <a:t>조</a:t>
+            </a:r>
+            <a:r>
+              <a:rPr lang="en-US" altLang="ko-KR" dirty="0"/>
+              <a:t>)</a:t>
+            </a:r>
+          </a:p>
+          <a:p>
+            <a:pPr algn="ctr"/>
+            <a:r>
+              <a:rPr lang="en-US" altLang="ko-KR" dirty="0"/>
+              <a:t>[</a:t>
+            </a:r>
+            <a:r>
+              <a:rPr lang="ko-KR" altLang="en-US" dirty="0"/>
+              <a:t>여기에 팀 이름 입력</a:t>
+            </a:r>
+            <a:r>
+              <a:rPr lang="en-US" altLang="ko-KR" dirty="0"/>
+              <a:t>]</a:t>
+            </a:r>
+            <a:endParaRPr lang="en-US" dirty="0"/>
+          </a:p>
+        </p:txBody>
+      </p:sp>
+      <p:sp>
+        <p:nvSpPr>
+          <p:cNvPr id="7" name="TextBox 6">
+            <a:extLst>
+              <a:ext uri="{FF2B5EF4-FFF2-40B4-BE49-F238E27FC236}">
+                <a16:creationId xmlns:a16="http://schemas.microsoft.com/office/drawing/2014/main" id="{DF921F7D-E495-4662-8CA2-B81784899F14}"/>
+              </a:ext>
+            </a:extLst>
+          </p:cNvPr>
+          <p:cNvSpPr txBox="1"/>
+          <p:nvPr/>
+        </p:nvSpPr>
+        <p:spPr>
+          <a:xfrm>
+            <a:off x="1321141" y="949884"/>
+            <a:ext cx="9312994" cy="707886"/>
+          </a:xfrm>
+          <a:prstGeom prst="rect">
+            <a:avLst/>
+          </a:prstGeom>
+          <a:noFill/>
+        </p:spPr>
+        <p:txBody>
+          <a:bodyPr wrap="square" rtlCol="0">
+            <a:spAutoFit/>
+          </a:bodyPr>
+          <a:lstStyle/>
+          <a:p>
+            <a:r>
+              <a:rPr lang="ko-KR" altLang="en-US" sz="4000" dirty="0"/>
+              <a:t>목표 제안</a:t>
+            </a:r>
+            <a:r>
+              <a:rPr lang="en-US" altLang="ko-KR" sz="4000" dirty="0"/>
+              <a:t> </a:t>
+            </a:r>
+            <a:r>
+              <a:rPr lang="ko-KR" altLang="en-US" sz="4000" dirty="0"/>
+              <a:t>아이디어 </a:t>
+            </a:r>
+            <a:r>
+              <a:rPr lang="en-US" altLang="ko-KR" sz="4000" dirty="0"/>
+              <a:t>1</a:t>
+            </a:r>
+            <a:endParaRPr lang="ko-KR" altLang="en-US" sz="4000" dirty="0"/>
+          </a:p>
+        </p:txBody>
+      </p:sp>
+    </p:spTree>
+    <p:extLst>
+      <p:ext uri="{BB962C8B-B14F-4D97-AF65-F5344CB8AC3E}">
+        <p14:creationId xmlns:p14="http://schemas.microsoft.com/office/powerpoint/2010/main" val="2867194897"/>
+      </p:ext>
+    </p:extLst>
+  </p:cSld>
+  <p:clrMapOvr>
+    <a:masterClrMapping/>
+  </p:clrMapOvr>
+</p:sld>
+</file>
+
+<file path=ppt/slides/slide13.xml><?xml version="1.0" encoding="utf-8"?>
+<p:sld xmlns:a="http://schemas.openxmlformats.org/drawingml/2006/main" xmlns:r="http://schemas.openxmlformats.org/officeDocument/2006/relationships" xmlns:p="http://schemas.openxmlformats.org/presentationml/2006/main">
+  <p:cSld>
+    <p:spTree>
+      <p:nvGrpSpPr>
+        <p:cNvPr id="1" name=""/>
+        <p:cNvGrpSpPr/>
+        <p:nvPr/>
+      </p:nvGrpSpPr>
+      <p:grpSpPr>
+        <a:xfrm>
+          <a:off x="0" y="0"/>
+          <a:ext cx="0" cy="0"/>
+          <a:chOff x="0" y="0"/>
+          <a:chExt cx="0" cy="0"/>
+        </a:xfrm>
+      </p:grpSpPr>
+      <p:sp>
+        <p:nvSpPr>
+          <p:cNvPr id="2" name="제목 1">
+            <a:extLst>
+              <a:ext uri="{FF2B5EF4-FFF2-40B4-BE49-F238E27FC236}">
                 <a16:creationId xmlns:a16="http://schemas.microsoft.com/office/drawing/2014/main" id="{F527D3A4-2476-4C9D-B594-1FA1ED3CFA2B}"/>
               </a:ext>
             </a:extLst>
@@ -5763,7 +7317,12 @@
             <p:ph idx="1"/>
           </p:nvPr>
         </p:nvSpPr>
-        <p:spPr/>
+        <p:spPr>
+          <a:xfrm>
+            <a:off x="1321142" y="843280"/>
+            <a:ext cx="10263986" cy="5141468"/>
+          </a:xfrm>
+        </p:spPr>
         <p:txBody>
           <a:bodyPr>
             <a:normAutofit/>
@@ -5777,15 +7336,7 @@
             </a:pPr>
             <a:r>
               <a:rPr lang="ko-KR" altLang="en-US" sz="2400" dirty="0"/>
-              <a:t>착수 보고서</a:t>
-            </a:r>
-            <a:r>
-              <a:rPr lang="en-US" altLang="ko-KR" sz="2400" dirty="0"/>
-              <a:t> </a:t>
-            </a:r>
-            <a:r>
-              <a:rPr lang="ko-KR" altLang="en-US" sz="2400" dirty="0"/>
-              <a:t>검수 및 제출</a:t>
+              <a:t>센서 데이터 수집</a:t>
             </a:r>
             <a:endParaRPr lang="en-US" altLang="ko-KR" sz="2400" dirty="0"/>
           </a:p>
@@ -5797,7 +7348,7 @@
             </a:pPr>
             <a:r>
               <a:rPr lang="ko-KR" altLang="en-US" sz="2400" dirty="0"/>
-              <a:t>교수님 지시 사항 수행</a:t>
+              <a:t>센서 데이터 분석</a:t>
             </a:r>
             <a:endParaRPr lang="en-US" altLang="ko-KR" sz="2400" dirty="0"/>
           </a:p>
@@ -5809,7 +7360,15 @@
             </a:pPr>
             <a:r>
               <a:rPr lang="ko-KR" altLang="en-US" sz="2400" dirty="0"/>
-              <a:t>센서 데이터 수집</a:t>
+              <a:t>중간 보고서</a:t>
+            </a:r>
+            <a:r>
+              <a:rPr lang="en-US" altLang="ko-KR" sz="2400" dirty="0"/>
+              <a:t> </a:t>
+            </a:r>
+            <a:r>
+              <a:rPr lang="ko-KR" altLang="en-US" sz="2400" dirty="0"/>
+              <a:t>작성 및 검수</a:t>
             </a:r>
             <a:endParaRPr lang="en-US" altLang="ko-KR" sz="2400" dirty="0"/>
           </a:p>
@@ -5821,7 +7380,7 @@
             </a:pPr>
             <a:r>
               <a:rPr lang="ko-KR" altLang="en-US" sz="2400" dirty="0"/>
-              <a:t>센서 데이터 분석</a:t>
+              <a:t>중간 평가표 작성</a:t>
             </a:r>
             <a:endParaRPr lang="en-US" altLang="ko-KR" sz="2400" dirty="0"/>
           </a:p>
@@ -5832,12 +7391,8 @@
               </a:spcBef>
             </a:pPr>
             <a:r>
-              <a:rPr lang="en-US" altLang="ko-KR" sz="2400" dirty="0"/>
-              <a:t>CNN</a:t>
-            </a:r>
-            <a:r>
               <a:rPr lang="ko-KR" altLang="en-US" sz="2400" dirty="0"/>
-              <a:t>기반 모델 구현으로 예측 모델의 정확도 높이기</a:t>
+              <a:t>교수님 지시 사항 수행</a:t>
             </a:r>
             <a:endParaRPr lang="en-US" altLang="ko-KR" sz="2400" dirty="0"/>
           </a:p>
@@ -5849,39 +7404,7 @@
             </a:pPr>
             <a:r>
               <a:rPr lang="ko-KR" altLang="en-US" sz="2400" dirty="0"/>
-              <a:t>가속</a:t>
-            </a:r>
-            <a:r>
-              <a:rPr lang="en-US" altLang="ko-KR" sz="2400" dirty="0"/>
-              <a:t>, </a:t>
-            </a:r>
-            <a:r>
-              <a:rPr lang="ko-KR" altLang="en-US" sz="2400" dirty="0"/>
-              <a:t>감속</a:t>
-            </a:r>
-            <a:r>
-              <a:rPr lang="en-US" altLang="ko-KR" sz="2400" dirty="0"/>
-              <a:t>, </a:t>
-            </a:r>
-            <a:r>
-              <a:rPr lang="ko-KR" altLang="en-US" sz="2400" dirty="0"/>
-              <a:t>급 가속</a:t>
-            </a:r>
-            <a:r>
-              <a:rPr lang="en-US" altLang="ko-KR" sz="2400" dirty="0"/>
-              <a:t>, </a:t>
-            </a:r>
-            <a:r>
-              <a:rPr lang="ko-KR" altLang="en-US" sz="2400" dirty="0"/>
-              <a:t>급 정지</a:t>
-            </a:r>
-            <a:r>
-              <a:rPr lang="en-US" altLang="ko-KR" sz="2400" dirty="0"/>
-              <a:t>, </a:t>
-            </a:r>
-            <a:r>
-              <a:rPr lang="ko-KR" altLang="en-US" sz="2400" dirty="0"/>
-              <a:t>차선 변경에 대해 모델 구현</a:t>
+              <a:t>예측 모델의 정확도 높이기</a:t>
             </a:r>
             <a:endParaRPr lang="en-US" altLang="ko-KR" sz="2400" dirty="0"/>
           </a:p>
@@ -5893,15 +7416,15 @@
             </a:pPr>
             <a:r>
               <a:rPr lang="ko-KR" altLang="en-US" sz="2400" dirty="0"/>
-              <a:t>실제 차량 </a:t>
+              <a:t>좌</a:t>
             </a:r>
             <a:r>
               <a:rPr lang="en-US" altLang="ko-KR" sz="2400" dirty="0"/>
-              <a:t>OBD</a:t>
+              <a:t>,</a:t>
             </a:r>
             <a:r>
               <a:rPr lang="ko-KR" altLang="en-US" sz="2400" dirty="0"/>
-              <a:t>데이터 분석</a:t>
+              <a:t>우측 커브에 대해 구별 가능한 모델 구현</a:t>
             </a:r>
             <a:endParaRPr lang="en-US" altLang="ko-KR" sz="2400" dirty="0"/>
           </a:p>
@@ -5911,6 +7434,18 @@
                 <a:spcPts val="2400"/>
               </a:spcBef>
             </a:pPr>
+            <a:r>
+              <a:rPr lang="ko-KR" altLang="en-US" sz="2400" dirty="0"/>
+              <a:t>실제 차량 </a:t>
+            </a:r>
+            <a:r>
+              <a:rPr lang="en-US" altLang="ko-KR" sz="2400" dirty="0"/>
+              <a:t>OBD</a:t>
+            </a:r>
+            <a:r>
+              <a:rPr lang="ko-KR" altLang="en-US" sz="2400" dirty="0"/>
+              <a:t>데이터 분석 및 모델에 넣어서 정확도 확인</a:t>
+            </a:r>
             <a:endParaRPr lang="en-US" altLang="ko-KR" sz="2400" dirty="0"/>
           </a:p>
         </p:txBody>
@@ -5939,7 +7474,7 @@
             <a:fld id="{4FAB73BC-B049-4115-A692-8D63A059BFB8}" type="slidenum">
               <a:rPr lang="en-US" smtClean="0"/>
               <a:pPr/>
-              <a:t>11</a:t>
+              <a:t>13</a:t>
             </a:fld>
             <a:endParaRPr lang="en-US" dirty="0"/>
           </a:p>
@@ -5973,7 +7508,7 @@
           <a:p>
             <a:fld id="{835A3A55-8703-4404-B685-585B47BF8635}" type="datetime1">
               <a:rPr lang="ko-KR" altLang="en-US" smtClean="0"/>
-              <a:t>2020-07-16</a:t>
+              <a:t>2020-07-17</a:t>
             </a:fld>
             <a:endParaRPr lang="en-US" dirty="0"/>
           </a:p>
@@ -6156,7 +7691,7 @@
 </p:sld>
 </file>
 
-<file path=ppt/slides/slide12.xml><?xml version="1.0" encoding="utf-8"?>
+<file path=ppt/slides/slide14.xml><?xml version="1.0" encoding="utf-8"?>
 <p:sld xmlns:a="http://schemas.openxmlformats.org/drawingml/2006/main" xmlns:r="http://schemas.openxmlformats.org/officeDocument/2006/relationships" xmlns:p="http://schemas.openxmlformats.org/presentationml/2006/main">
   <p:cSld>
     <p:spTree>
@@ -6189,7 +7724,7 @@
             <p:ph idx="1"/>
             <p:extLst>
               <p:ext uri="{D42A27DB-BD31-4B8C-83A1-F6EECF244321}">
-                <p14:modId xmlns:p14="http://schemas.microsoft.com/office/powerpoint/2010/main" val="3419448719"/>
+                <p14:modId xmlns:p14="http://schemas.microsoft.com/office/powerpoint/2010/main" val="2830227316"/>
               </p:ext>
             </p:extLst>
           </p:nvPr>
@@ -7081,7 +8616,7 @@
                   </a:txBody>
                   <a:tcPr>
                     <a:solidFill>
-                      <a:schemeClr val="accent2"/>
+                      <a:srgbClr val="00B050"/>
                     </a:solidFill>
                   </a:tcPr>
                 </a:tc>
@@ -7126,7 +8661,7 @@
                   </a:txBody>
                   <a:tcPr>
                     <a:solidFill>
-                      <a:schemeClr val="bg2"/>
+                      <a:schemeClr val="accent2"/>
                     </a:solidFill>
                   </a:tcPr>
                 </a:tc>
@@ -7154,40 +8689,56 @@
                       <a:endParaRPr lang="ko-KR" altLang="en-US" dirty="0"/>
                     </a:p>
                   </a:txBody>
-                  <a:tcPr/>
-                </a:tc>
-                <a:tc>
-                  <a:txBody>
-                    <a:bodyPr/>
-                    <a:lstStyle/>
-                    <a:p>
-                      <a:pPr algn="ctr" latinLnBrk="1"/>
-                      <a:endParaRPr lang="ko-KR" altLang="en-US"/>
-                    </a:p>
-                  </a:txBody>
-                  <a:tcPr/>
-                </a:tc>
-                <a:tc>
-                  <a:txBody>
-                    <a:bodyPr/>
-                    <a:lstStyle/>
-                    <a:p>
-                      <a:pPr algn="ctr" latinLnBrk="1"/>
-                      <a:endParaRPr lang="ko-KR" altLang="en-US"/>
-                    </a:p>
-                  </a:txBody>
-                  <a:tcPr/>
-                </a:tc>
-                <a:tc>
-                  <a:txBody>
-                    <a:bodyPr/>
-                    <a:lstStyle/>
-                    <a:p>
-                      <a:pPr algn="ctr" latinLnBrk="1"/>
-                      <a:endParaRPr lang="ko-KR" altLang="en-US" dirty="0"/>
-                    </a:p>
-                  </a:txBody>
-                  <a:tcPr/>
+                  <a:tcPr>
+                    <a:solidFill>
+                      <a:srgbClr val="BFBFBF"/>
+                    </a:solidFill>
+                  </a:tcPr>
+                </a:tc>
+                <a:tc>
+                  <a:txBody>
+                    <a:bodyPr/>
+                    <a:lstStyle/>
+                    <a:p>
+                      <a:pPr algn="ctr" latinLnBrk="1"/>
+                      <a:endParaRPr lang="ko-KR" altLang="en-US" dirty="0"/>
+                    </a:p>
+                  </a:txBody>
+                  <a:tcPr>
+                    <a:solidFill>
+                      <a:srgbClr val="BFBFBF"/>
+                    </a:solidFill>
+                  </a:tcPr>
+                </a:tc>
+                <a:tc>
+                  <a:txBody>
+                    <a:bodyPr/>
+                    <a:lstStyle/>
+                    <a:p>
+                      <a:pPr algn="ctr" latinLnBrk="1"/>
+                      <a:endParaRPr lang="ko-KR" altLang="en-US" dirty="0"/>
+                    </a:p>
+                  </a:txBody>
+                  <a:tcPr>
+                    <a:solidFill>
+                      <a:srgbClr val="BFBFBF"/>
+                    </a:solidFill>
+                  </a:tcPr>
+                </a:tc>
+                <a:tc>
+                  <a:txBody>
+                    <a:bodyPr/>
+                    <a:lstStyle/>
+                    <a:p>
+                      <a:pPr algn="ctr" latinLnBrk="1"/>
+                      <a:endParaRPr lang="ko-KR" altLang="en-US" dirty="0"/>
+                    </a:p>
+                  </a:txBody>
+                  <a:tcPr>
+                    <a:solidFill>
+                      <a:srgbClr val="BFBFBF"/>
+                    </a:solidFill>
+                  </a:tcPr>
                 </a:tc>
                 <a:tc>
                   <a:txBody>
@@ -7322,7 +8873,7 @@
                   </a:txBody>
                   <a:tcPr>
                     <a:solidFill>
-                      <a:schemeClr val="accent2"/>
+                      <a:srgbClr val="00B050"/>
                     </a:solidFill>
                   </a:tcPr>
                 </a:tc>
@@ -7536,7 +9087,7 @@
                   </a:txBody>
                   <a:tcPr>
                     <a:solidFill>
-                      <a:schemeClr val="accent2"/>
+                      <a:srgbClr val="00B050"/>
                     </a:solidFill>
                   </a:tcPr>
                 </a:tc>
@@ -7581,7 +9132,7 @@
                   </a:txBody>
                   <a:tcPr>
                     <a:solidFill>
-                      <a:srgbClr val="BFBFBF"/>
+                      <a:srgbClr val="CEE7EE"/>
                     </a:solidFill>
                   </a:tcPr>
                 </a:tc>
@@ -7774,7 +9325,7 @@
                   </a:txBody>
                   <a:tcPr>
                     <a:solidFill>
-                      <a:schemeClr val="accent2"/>
+                      <a:srgbClr val="00B050"/>
                     </a:solidFill>
                   </a:tcPr>
                 </a:tc>
@@ -7945,7 +9496,7 @@
                       </a:pPr>
                       <a:r>
                         <a:rPr lang="ko-KR" altLang="en-US" sz="1400" dirty="0"/>
-                        <a:t>센서 데이터 처리 모델링</a:t>
+                        <a:t>센서 데이터 처리 및 정규화</a:t>
                       </a:r>
                     </a:p>
                   </a:txBody>
@@ -7983,6 +9534,51 @@
                     </a:p>
                   </a:txBody>
                   <a:tcPr/>
+                </a:tc>
+                <a:tc>
+                  <a:txBody>
+                    <a:bodyPr/>
+                    <a:lstStyle/>
+                    <a:p>
+                      <a:pPr algn="ctr" latinLnBrk="1"/>
+                      <a:endParaRPr lang="ko-KR" altLang="en-US" dirty="0"/>
+                    </a:p>
+                  </a:txBody>
+                  <a:tcPr>
+                    <a:solidFill>
+                      <a:srgbClr val="00B050"/>
+                    </a:solidFill>
+                  </a:tcPr>
+                </a:tc>
+                <a:tc>
+                  <a:txBody>
+                    <a:bodyPr/>
+                    <a:lstStyle/>
+                    <a:p>
+                      <a:pPr algn="ctr" latinLnBrk="1"/>
+                      <a:endParaRPr lang="ko-KR" altLang="en-US" dirty="0"/>
+                    </a:p>
+                  </a:txBody>
+                  <a:tcPr>
+                    <a:solidFill>
+                      <a:srgbClr val="00B050"/>
+                    </a:solidFill>
+                  </a:tcPr>
+                </a:tc>
+                <a:tc>
+                  <a:txBody>
+                    <a:bodyPr/>
+                    <a:lstStyle/>
+                    <a:p>
+                      <a:pPr algn="ctr" latinLnBrk="1"/>
+                      <a:endParaRPr lang="ko-KR" altLang="en-US" dirty="0"/>
+                    </a:p>
+                  </a:txBody>
+                  <a:tcPr>
+                    <a:solidFill>
+                      <a:srgbClr val="00B050"/>
+                    </a:solidFill>
+                  </a:tcPr>
                 </a:tc>
                 <a:tc>
                   <a:txBody>
@@ -8010,52 +9606,7 @@
                   </a:txBody>
                   <a:tcPr>
                     <a:solidFill>
-                      <a:srgbClr val="00B050"/>
-                    </a:solidFill>
-                  </a:tcPr>
-                </a:tc>
-                <a:tc>
-                  <a:txBody>
-                    <a:bodyPr/>
-                    <a:lstStyle/>
-                    <a:p>
-                      <a:pPr algn="ctr" latinLnBrk="1"/>
-                      <a:endParaRPr lang="ko-KR" altLang="en-US" dirty="0"/>
-                    </a:p>
-                  </a:txBody>
-                  <a:tcPr>
-                    <a:solidFill>
-                      <a:srgbClr val="00B050"/>
-                    </a:solidFill>
-                  </a:tcPr>
-                </a:tc>
-                <a:tc>
-                  <a:txBody>
-                    <a:bodyPr/>
-                    <a:lstStyle/>
-                    <a:p>
-                      <a:pPr algn="ctr" latinLnBrk="1"/>
-                      <a:endParaRPr lang="ko-KR" altLang="en-US" dirty="0"/>
-                    </a:p>
-                  </a:txBody>
-                  <a:tcPr>
-                    <a:solidFill>
-                      <a:schemeClr val="bg2"/>
-                    </a:solidFill>
-                  </a:tcPr>
-                </a:tc>
-                <a:tc>
-                  <a:txBody>
-                    <a:bodyPr/>
-                    <a:lstStyle/>
-                    <a:p>
-                      <a:pPr algn="ctr" latinLnBrk="1"/>
-                      <a:endParaRPr lang="ko-KR" altLang="en-US" dirty="0"/>
-                    </a:p>
-                  </a:txBody>
-                  <a:tcPr>
-                    <a:solidFill>
-                      <a:schemeClr val="bg2"/>
+                      <a:srgbClr val="CEE7EE"/>
                     </a:solidFill>
                   </a:tcPr>
                 </a:tc>
@@ -8253,7 +9804,7 @@
                   </a:txBody>
                   <a:tcPr>
                     <a:solidFill>
-                      <a:schemeClr val="bg2"/>
+                      <a:schemeClr val="accent2"/>
                     </a:solidFill>
                   </a:tcPr>
                 </a:tc>
@@ -8391,7 +9942,7 @@
                       </a:pPr>
                       <a:r>
                         <a:rPr lang="ko-KR" altLang="en-US" sz="1400" dirty="0"/>
-                        <a:t>데이터 처리 프로그램 작성</a:t>
+                        <a:t>분류 학습 모델 작성 및 수정 </a:t>
                       </a:r>
                     </a:p>
                   </a:txBody>
@@ -8482,7 +10033,7 @@
                   </a:txBody>
                   <a:tcPr>
                     <a:solidFill>
-                      <a:schemeClr val="bg2"/>
+                      <a:schemeClr val="accent2"/>
                     </a:solidFill>
                   </a:tcPr>
                 </a:tc>
@@ -8510,29 +10061,41 @@
                       <a:endParaRPr lang="ko-KR" altLang="en-US" dirty="0"/>
                     </a:p>
                   </a:txBody>
-                  <a:tcPr/>
-                </a:tc>
-                <a:tc>
-                  <a:txBody>
-                    <a:bodyPr/>
-                    <a:lstStyle/>
-                    <a:p>
-                      <a:pPr algn="ctr" latinLnBrk="1"/>
-                      <a:endParaRPr lang="ko-KR" altLang="en-US" dirty="0"/>
-                    </a:p>
-                  </a:txBody>
-                  <a:tcPr/>
-                </a:tc>
-                <a:tc>
-                  <a:txBody>
-                    <a:bodyPr/>
-                    <a:lstStyle/>
-                    <a:p>
-                      <a:pPr algn="ctr" latinLnBrk="1"/>
-                      <a:endParaRPr lang="ko-KR" altLang="en-US" dirty="0"/>
-                    </a:p>
-                  </a:txBody>
-                  <a:tcPr/>
+                  <a:tcPr>
+                    <a:solidFill>
+                      <a:srgbClr val="BFBFBF"/>
+                    </a:solidFill>
+                  </a:tcPr>
+                </a:tc>
+                <a:tc>
+                  <a:txBody>
+                    <a:bodyPr/>
+                    <a:lstStyle/>
+                    <a:p>
+                      <a:pPr algn="ctr" latinLnBrk="1"/>
+                      <a:endParaRPr lang="ko-KR" altLang="en-US" dirty="0"/>
+                    </a:p>
+                  </a:txBody>
+                  <a:tcPr>
+                    <a:solidFill>
+                      <a:srgbClr val="BFBFBF"/>
+                    </a:solidFill>
+                  </a:tcPr>
+                </a:tc>
+                <a:tc>
+                  <a:txBody>
+                    <a:bodyPr/>
+                    <a:lstStyle/>
+                    <a:p>
+                      <a:pPr algn="ctr" latinLnBrk="1"/>
+                      <a:endParaRPr lang="ko-KR" altLang="en-US" dirty="0"/>
+                    </a:p>
+                  </a:txBody>
+                  <a:tcPr>
+                    <a:solidFill>
+                      <a:srgbClr val="BFBFBF"/>
+                    </a:solidFill>
+                  </a:tcPr>
                 </a:tc>
                 <a:tc>
                   <a:txBody>
@@ -8604,7 +10167,7 @@
                       <a:pPr algn="r" latinLnBrk="1"/>
                       <a:r>
                         <a:rPr lang="ko-KR" altLang="en-US" sz="1400" dirty="0"/>
-                        <a:t>모델 성능 테스트 및 수정</a:t>
+                        <a:t>학습 모델 성능 테스트 및 수정</a:t>
                       </a:r>
                     </a:p>
                   </a:txBody>
@@ -8691,7 +10254,7 @@
                   </a:txBody>
                   <a:tcPr>
                     <a:solidFill>
-                      <a:schemeClr val="bg2"/>
+                      <a:schemeClr val="accent2"/>
                     </a:solidFill>
                   </a:tcPr>
                 </a:tc>
@@ -8749,7 +10312,11 @@
                       <a:endParaRPr lang="ko-KR" altLang="en-US" dirty="0"/>
                     </a:p>
                   </a:txBody>
-                  <a:tcPr/>
+                  <a:tcPr>
+                    <a:solidFill>
+                      <a:srgbClr val="BFBFBF"/>
+                    </a:solidFill>
+                  </a:tcPr>
                 </a:tc>
                 <a:tc>
                   <a:txBody>
@@ -8821,7 +10388,7 @@
                       <a:pPr algn="r" latinLnBrk="1"/>
                       <a:r>
                         <a:rPr lang="ko-KR" altLang="en-US" sz="1400" dirty="0"/>
-                        <a:t>자동차 상태 분석 프로그램 작성</a:t>
+                        <a:t>실제 데이터 모델 테스트</a:t>
                       </a:r>
                     </a:p>
                   </a:txBody>
@@ -9129,7 +10696,7 @@
                   </a:txBody>
                   <a:tcPr>
                     <a:solidFill>
-                      <a:schemeClr val="bg2"/>
+                      <a:srgbClr val="E8F3F7"/>
                     </a:solidFill>
                   </a:tcPr>
                 </a:tc>
@@ -9535,7 +11102,7 @@
             <a:fld id="{4FAB73BC-B049-4115-A692-8D63A059BFB8}" type="slidenum">
               <a:rPr lang="en-US" smtClean="0"/>
               <a:pPr/>
-              <a:t>12</a:t>
+              <a:t>14</a:t>
             </a:fld>
             <a:endParaRPr lang="en-US" dirty="0"/>
           </a:p>
@@ -9593,7 +11160,7 @@
           <a:p>
             <a:fld id="{948573EF-FFD8-44FC-977C-B25B66D94CEE}" type="datetime1">
               <a:rPr lang="ko-KR" altLang="en-US" smtClean="0"/>
-              <a:t>2020-07-16</a:t>
+              <a:t>2020-07-17</a:t>
             </a:fld>
             <a:endParaRPr lang="en-US" dirty="0"/>
           </a:p>
@@ -9776,7 +11343,7 @@
 </p:sld>
 </file>
 
-<file path=ppt/slides/slide13.xml><?xml version="1.0" encoding="utf-8"?>
+<file path=ppt/slides/slide15.xml><?xml version="1.0" encoding="utf-8"?>
 <p:sld xmlns:a="http://schemas.openxmlformats.org/drawingml/2006/main" xmlns:r="http://schemas.openxmlformats.org/officeDocument/2006/relationships" xmlns:p="http://schemas.openxmlformats.org/presentationml/2006/main">
   <p:cSld>
     <p:spTree>
@@ -9979,7 +11546,7 @@
             <a:fld id="{4FAB73BC-B049-4115-A692-8D63A059BFB8}" type="slidenum">
               <a:rPr lang="en-US" smtClean="0"/>
               <a:pPr/>
-              <a:t>13</a:t>
+              <a:t>15</a:t>
             </a:fld>
             <a:endParaRPr lang="en-US" dirty="0"/>
           </a:p>
@@ -10013,7 +11580,7 @@
           <a:p>
             <a:fld id="{8F64EEAD-4984-41D6-8E70-B8D3C85660B7}" type="datetime1">
               <a:rPr lang="ko-KR" altLang="en-US" smtClean="0"/>
-              <a:t>2020-07-16</a:t>
+              <a:t>2020-07-17</a:t>
             </a:fld>
             <a:endParaRPr lang="en-US" dirty="0"/>
           </a:p>
@@ -10074,7 +11641,7 @@
           <a:p>
             <a:r>
               <a:rPr lang="ko-KR" altLang="en-US" sz="3600" b="1" dirty="0"/>
-              <a:t>개요</a:t>
+              <a:t>목차</a:t>
             </a:r>
           </a:p>
         </p:txBody>
@@ -10109,25 +11676,44 @@
             </a:pPr>
             <a:r>
               <a:rPr lang="ko-KR" altLang="en-US" sz="3600" b="1" dirty="0"/>
-              <a:t>시뮬레이션을 통해 얻어낸 자동차 센서데이터를 사용</a:t>
-            </a:r>
-            <a:r>
-              <a:rPr lang="en-US" altLang="ko-KR" sz="3600" b="1" dirty="0"/>
-              <a:t>, </a:t>
-            </a:r>
+              <a:t>현재 진행 상황</a:t>
+            </a:r>
+            <a:endParaRPr lang="en-US" altLang="ko-KR" sz="3600" b="1" dirty="0"/>
+          </a:p>
+          <a:p>
+            <a:pPr>
+              <a:spcBef>
+                <a:spcPts val="2400"/>
+              </a:spcBef>
+            </a:pPr>
             <a:r>
               <a:rPr lang="ko-KR" altLang="en-US" sz="3600" b="1" dirty="0"/>
-              <a:t>차량의 현재 상태 정보 측정 모델 제작</a:t>
-            </a:r>
-            <a:r>
-              <a:rPr lang="en-US" altLang="ko-KR" sz="3600" b="1" dirty="0"/>
-              <a:t>, Sim2Real </a:t>
-            </a:r>
+              <a:t>실제 진행 과정 </a:t>
+            </a:r>
+            <a:endParaRPr lang="en-US" altLang="ko-KR" sz="3600" b="1" dirty="0"/>
+          </a:p>
+          <a:p>
+            <a:pPr>
+              <a:spcBef>
+                <a:spcPts val="2400"/>
+              </a:spcBef>
+            </a:pPr>
             <a:r>
               <a:rPr lang="ko-KR" altLang="en-US" sz="3600" b="1" dirty="0"/>
-              <a:t>기술을 사용하여 실제 차량의 센서데이터에도 적용 가능하도록 모델 개량</a:t>
+              <a:t>이후 진행 예정 사항</a:t>
             </a:r>
             <a:endParaRPr lang="en-US" altLang="ko-KR" sz="3600" b="1" dirty="0"/>
+          </a:p>
+          <a:p>
+            <a:pPr>
+              <a:spcBef>
+                <a:spcPts val="2400"/>
+              </a:spcBef>
+            </a:pPr>
+            <a:r>
+              <a:rPr lang="ko-KR" altLang="en-US" sz="3600" b="1" dirty="0"/>
+              <a:t>진행 일정 계획</a:t>
+            </a:r>
           </a:p>
         </p:txBody>
       </p:sp>
@@ -10189,7 +11775,7 @@
           <a:p>
             <a:fld id="{CF754B2A-8525-4AF4-B3B6-5B4AA9E148D5}" type="datetime1">
               <a:rPr lang="ko-KR" altLang="en-US" smtClean="0"/>
-              <a:t>2020-07-16</a:t>
+              <a:t>2020-07-17</a:t>
             </a:fld>
             <a:endParaRPr lang="en-US" dirty="0"/>
           </a:p>
@@ -10362,7 +11948,7 @@
     </p:spTree>
     <p:extLst>
       <p:ext uri="{BB962C8B-B14F-4D97-AF65-F5344CB8AC3E}">
-        <p14:creationId xmlns:p14="http://schemas.microsoft.com/office/powerpoint/2010/main" val="3163959706"/>
+        <p14:creationId xmlns:p14="http://schemas.microsoft.com/office/powerpoint/2010/main" val="3783079265"/>
       </p:ext>
     </p:extLst>
   </p:cSld>
@@ -10414,7 +12000,7 @@
           <a:p>
             <a:r>
               <a:rPr lang="ko-KR" altLang="en-US" sz="3600" b="1" dirty="0"/>
-              <a:t>목차</a:t>
+              <a:t>개요</a:t>
             </a:r>
           </a:p>
         </p:txBody>
@@ -10448,10 +12034,42 @@
               </a:spcBef>
             </a:pPr>
             <a:r>
-              <a:rPr lang="ko-KR" altLang="en-US" sz="3600" b="1" dirty="0"/>
-              <a:t>현재 진행 상황</a:t>
-            </a:r>
-            <a:endParaRPr lang="en-US" altLang="ko-KR" sz="3600" b="1" dirty="0"/>
+              <a:rPr lang="ko-KR" altLang="en-US" sz="3600" b="1" dirty="0">
+                <a:solidFill>
+                  <a:schemeClr val="bg2">
+                    <a:lumMod val="50000"/>
+                  </a:schemeClr>
+                </a:solidFill>
+              </a:rPr>
+              <a:t>시뮬레이션을 통해 얻어낸 자동차 센서데이터를 사용</a:t>
+            </a:r>
+            <a:r>
+              <a:rPr lang="en-US" altLang="ko-KR" sz="3600" b="1" dirty="0">
+                <a:solidFill>
+                  <a:schemeClr val="bg2">
+                    <a:lumMod val="50000"/>
+                  </a:schemeClr>
+                </a:solidFill>
+              </a:rPr>
+              <a:t>, </a:t>
+            </a:r>
+            <a:r>
+              <a:rPr lang="ko-KR" altLang="en-US" sz="3600" b="1" dirty="0">
+                <a:solidFill>
+                  <a:schemeClr val="bg2">
+                    <a:lumMod val="50000"/>
+                  </a:schemeClr>
+                </a:solidFill>
+              </a:rPr>
+              <a:t>차량의 현재 상태 정보 측정 모델 제작</a:t>
+            </a:r>
+            <a:endParaRPr lang="en-US" altLang="ko-KR" sz="3600" b="1" dirty="0">
+              <a:solidFill>
+                <a:schemeClr val="bg2">
+                  <a:lumMod val="50000"/>
+                </a:schemeClr>
+              </a:solidFill>
+            </a:endParaRPr>
           </a:p>
           <a:p>
             <a:pPr>
@@ -10460,33 +12078,32 @@
               </a:spcBef>
             </a:pPr>
             <a:r>
-              <a:rPr lang="ko-KR" altLang="en-US" sz="3600" b="1" dirty="0"/>
-              <a:t>실제 진행 과정 </a:t>
-            </a:r>
-            <a:endParaRPr lang="en-US" altLang="ko-KR" sz="3600" b="1" dirty="0"/>
-          </a:p>
-          <a:p>
-            <a:pPr>
-              <a:spcBef>
-                <a:spcPts val="2400"/>
-              </a:spcBef>
-            </a:pPr>
-            <a:r>
-              <a:rPr lang="ko-KR" altLang="en-US" sz="3600" b="1" dirty="0"/>
-              <a:t>이후 진행 예정 사항</a:t>
-            </a:r>
-            <a:endParaRPr lang="en-US" altLang="ko-KR" sz="3600" b="1" dirty="0"/>
-          </a:p>
-          <a:p>
-            <a:pPr>
-              <a:spcBef>
-                <a:spcPts val="2400"/>
-              </a:spcBef>
-            </a:pPr>
-            <a:r>
-              <a:rPr lang="ko-KR" altLang="en-US" sz="3600" b="1" dirty="0"/>
-              <a:t>진행 일정 계획</a:t>
-            </a:r>
+              <a:rPr lang="en-US" altLang="ko-KR" sz="3600" b="1" dirty="0">
+                <a:solidFill>
+                  <a:schemeClr val="bg2">
+                    <a:lumMod val="50000"/>
+                  </a:schemeClr>
+                </a:solidFill>
+              </a:rPr>
+              <a:t> Sim2Real </a:t>
+            </a:r>
+            <a:r>
+              <a:rPr lang="ko-KR" altLang="en-US" sz="3600" b="1" dirty="0">
+                <a:solidFill>
+                  <a:schemeClr val="bg2">
+                    <a:lumMod val="50000"/>
+                  </a:schemeClr>
+                </a:solidFill>
+              </a:rPr>
+              <a:t>기술을 구현하여 실제 차량의 센서데이터에도 적용 가능하도록 모델 개량</a:t>
+            </a:r>
+            <a:endParaRPr lang="en-US" altLang="ko-KR" sz="3600" b="1" dirty="0">
+              <a:solidFill>
+                <a:schemeClr val="bg2">
+                  <a:lumMod val="50000"/>
+                </a:schemeClr>
+              </a:solidFill>
+            </a:endParaRPr>
           </a:p>
         </p:txBody>
       </p:sp>
@@ -10548,7 +12165,7 @@
           <a:p>
             <a:fld id="{CF754B2A-8525-4AF4-B3B6-5B4AA9E148D5}" type="datetime1">
               <a:rPr lang="ko-KR" altLang="en-US" smtClean="0"/>
-              <a:t>2020-07-16</a:t>
+              <a:t>2020-07-17</a:t>
             </a:fld>
             <a:endParaRPr lang="en-US" dirty="0"/>
           </a:p>
@@ -10721,7 +12338,7 @@
     </p:spTree>
     <p:extLst>
       <p:ext uri="{BB962C8B-B14F-4D97-AF65-F5344CB8AC3E}">
-        <p14:creationId xmlns:p14="http://schemas.microsoft.com/office/powerpoint/2010/main" val="3783079265"/>
+        <p14:creationId xmlns:p14="http://schemas.microsoft.com/office/powerpoint/2010/main" val="3163959706"/>
       </p:ext>
     </p:extLst>
   </p:cSld>
@@ -10861,7 +12478,7 @@
             </a:pPr>
             <a:r>
               <a:rPr lang="ko-KR" altLang="en-US" sz="3200" dirty="0"/>
-              <a:t>실제 차량 데이터 획득 및 분석 시작</a:t>
+              <a:t>실제 차량 데이터 획득 및 분석</a:t>
             </a:r>
             <a:endParaRPr lang="en-US" altLang="ko-KR" sz="3200" dirty="0"/>
           </a:p>
@@ -10948,7 +12565,7 @@
           <a:p>
             <a:fld id="{793FA439-1AF0-4114-85D0-94817C2CD7F4}" type="datetime1">
               <a:rPr lang="ko-KR" altLang="en-US" smtClean="0"/>
-              <a:t>2020-07-16</a:t>
+              <a:t>2020-07-17</a:t>
             </a:fld>
             <a:endParaRPr lang="en-US" dirty="0"/>
           </a:p>
@@ -11237,23 +12854,15 @@
             </a:pPr>
             <a:r>
               <a:rPr lang="ko-KR" altLang="en-US" sz="3200" dirty="0"/>
-              <a:t>차량 회전 상태 측정용 </a:t>
+              <a:t>차량 가속 상태 측정용 종축</a:t>
             </a:r>
             <a:r>
               <a:rPr lang="en-US" altLang="ko-KR" sz="3200" dirty="0"/>
-              <a:t>X</a:t>
+              <a:t>, </a:t>
             </a:r>
             <a:r>
               <a:rPr lang="ko-KR" altLang="en-US" sz="3200" dirty="0"/>
-              <a:t>축</a:t>
-            </a:r>
-            <a:r>
-              <a:rPr lang="en-US" altLang="ko-KR" sz="3200" dirty="0"/>
-              <a:t>, Z</a:t>
-            </a:r>
-            <a:r>
-              <a:rPr lang="ko-KR" altLang="en-US" sz="3200" dirty="0"/>
-              <a:t>축 회전 변화량 추가</a:t>
+              <a:t>횡축 가속 변화량 추가</a:t>
             </a:r>
             <a:endParaRPr lang="en-US" altLang="ko-KR" sz="3200" dirty="0"/>
           </a:p>
@@ -11317,7 +12926,7 @@
           <a:p>
             <a:fld id="{793FA439-1AF0-4114-85D0-94817C2CD7F4}" type="datetime1">
               <a:rPr lang="ko-KR" altLang="en-US" smtClean="0"/>
-              <a:t>2020-07-16</a:t>
+              <a:t>2020-07-17</a:t>
             </a:fld>
             <a:endParaRPr lang="en-US" dirty="0"/>
           </a:p>
@@ -11526,6 +13135,36 @@
           </a:p>
         </p:txBody>
       </p:sp>
+      <p:pic>
+        <p:nvPicPr>
+          <p:cNvPr id="9" name="그림 8">
+            <a:extLst>
+              <a:ext uri="{FF2B5EF4-FFF2-40B4-BE49-F238E27FC236}">
+                <a16:creationId xmlns:a16="http://schemas.microsoft.com/office/drawing/2014/main" id="{BD111F9A-E348-4A01-AF58-0B40961BC4FD}"/>
+              </a:ext>
+            </a:extLst>
+          </p:cNvPr>
+          <p:cNvPicPr>
+            <a:picLocks noChangeAspect="1"/>
+          </p:cNvPicPr>
+          <p:nvPr/>
+        </p:nvPicPr>
+        <p:blipFill>
+          <a:blip r:embed="rId3"/>
+          <a:stretch>
+            <a:fillRect/>
+          </a:stretch>
+        </p:blipFill>
+        <p:spPr>
+          <a:xfrm>
+            <a:off x="1262727" y="5025840"/>
+            <a:ext cx="9801171" cy="629943"/>
+          </a:xfrm>
+          <a:prstGeom prst="rect">
+            <a:avLst/>
+          </a:prstGeom>
+        </p:spPr>
+      </p:pic>
     </p:spTree>
     <p:extLst>
       <p:ext uri="{BB962C8B-B14F-4D97-AF65-F5344CB8AC3E}">
@@ -11603,7 +13242,12 @@
             <p:ph idx="1"/>
           </p:nvPr>
         </p:nvSpPr>
-        <p:spPr/>
+        <p:spPr>
+          <a:xfrm>
+            <a:off x="1321142" y="1123837"/>
+            <a:ext cx="10263986" cy="5120640"/>
+          </a:xfrm>
+        </p:spPr>
         <p:txBody>
           <a:bodyPr>
             <a:normAutofit/>
@@ -11633,7 +13277,7 @@
             </a:r>
             <a:r>
               <a:rPr lang="ko-KR" altLang="en-US" sz="3200" dirty="0"/>
-              <a:t>의 데이터</a:t>
+              <a:t>의 데이터를 묶어서 학습</a:t>
             </a:r>
             <a:endParaRPr lang="en-US" altLang="ko-KR" sz="3200" dirty="0"/>
           </a:p>
@@ -11651,25 +13295,25 @@
                 <a:spcPts val="2400"/>
               </a:spcBef>
             </a:pPr>
+            <a:endParaRPr lang="en-US" altLang="ko-KR" sz="3200" dirty="0"/>
+          </a:p>
+          <a:p>
+            <a:pPr>
+              <a:spcBef>
+                <a:spcPts val="2400"/>
+              </a:spcBef>
+            </a:pPr>
+            <a:endParaRPr lang="en-US" altLang="ko-KR" sz="3200" dirty="0"/>
+          </a:p>
+          <a:p>
+            <a:pPr>
+              <a:spcBef>
+                <a:spcPts val="2400"/>
+              </a:spcBef>
+            </a:pPr>
             <a:r>
               <a:rPr lang="ko-KR" altLang="en-US" sz="3200" dirty="0"/>
-              <a:t>실제 테스트 용으로 비교적 긴 시간</a:t>
-            </a:r>
-            <a:r>
-              <a:rPr lang="en-US" altLang="ko-KR" sz="3200" dirty="0"/>
-              <a:t>(10~20</a:t>
-            </a:r>
-            <a:r>
-              <a:rPr lang="ko-KR" altLang="en-US" sz="3200" dirty="0"/>
-              <a:t>분</a:t>
-            </a:r>
-            <a:r>
-              <a:rPr lang="en-US" altLang="ko-KR" sz="3200" dirty="0"/>
-              <a:t>)</a:t>
-            </a:r>
-            <a:r>
-              <a:rPr lang="ko-KR" altLang="en-US" sz="3200" dirty="0"/>
-              <a:t>의 데이터</a:t>
+              <a:t>실제 테스트 용으로 연속된 주행의 데이터</a:t>
             </a:r>
             <a:endParaRPr lang="en-US" altLang="ko-KR" sz="3200" dirty="0"/>
           </a:p>
@@ -11733,7 +13377,7 @@
           <a:p>
             <a:fld id="{793FA439-1AF0-4114-85D0-94817C2CD7F4}" type="datetime1">
               <a:rPr lang="ko-KR" altLang="en-US" smtClean="0"/>
-              <a:t>2020-07-16</a:t>
+              <a:t>2020-07-17</a:t>
             </a:fld>
             <a:endParaRPr lang="en-US" dirty="0"/>
           </a:p>
@@ -11935,6 +13579,88 @@
               <a:rPr lang="ko-KR" altLang="en-US" sz="4000" dirty="0"/>
               <a:t>반복적인 주행 데이터 수집</a:t>
             </a:r>
+          </a:p>
+        </p:txBody>
+      </p:sp>
+      <p:pic>
+        <p:nvPicPr>
+          <p:cNvPr id="9" name="그림 8">
+            <a:extLst>
+              <a:ext uri="{FF2B5EF4-FFF2-40B4-BE49-F238E27FC236}">
+                <a16:creationId xmlns:a16="http://schemas.microsoft.com/office/drawing/2014/main" id="{40557DC3-04AD-4A74-AC8A-56B275CC69F8}"/>
+              </a:ext>
+            </a:extLst>
+          </p:cNvPr>
+          <p:cNvPicPr>
+            <a:picLocks noChangeAspect="1"/>
+          </p:cNvPicPr>
+          <p:nvPr/>
+        </p:nvPicPr>
+        <p:blipFill>
+          <a:blip r:embed="rId3"/>
+          <a:stretch>
+            <a:fillRect/>
+          </a:stretch>
+        </p:blipFill>
+        <p:spPr>
+          <a:xfrm>
+            <a:off x="3881043" y="2266438"/>
+            <a:ext cx="3667837" cy="2888499"/>
+          </a:xfrm>
+          <a:prstGeom prst="rect">
+            <a:avLst/>
+          </a:prstGeom>
+        </p:spPr>
+      </p:pic>
+      <p:sp>
+        <p:nvSpPr>
+          <p:cNvPr id="10" name="직사각형 9">
+            <a:extLst>
+              <a:ext uri="{FF2B5EF4-FFF2-40B4-BE49-F238E27FC236}">
+                <a16:creationId xmlns:a16="http://schemas.microsoft.com/office/drawing/2014/main" id="{70A84873-4054-4D2B-8FB3-C1B8D307D151}"/>
+              </a:ext>
+            </a:extLst>
+          </p:cNvPr>
+          <p:cNvSpPr/>
+          <p:nvPr/>
+        </p:nvSpPr>
+        <p:spPr>
+          <a:xfrm>
+            <a:off x="4257040" y="3058160"/>
+            <a:ext cx="2011680" cy="1981199"/>
+          </a:xfrm>
+          <a:prstGeom prst="rect">
+            <a:avLst/>
+          </a:prstGeom>
+          <a:noFill/>
+          <a:ln w="76200">
+            <a:solidFill>
+              <a:srgbClr val="FF0000"/>
+            </a:solidFill>
+          </a:ln>
+        </p:spPr>
+        <p:style>
+          <a:lnRef idx="2">
+            <a:schemeClr val="accent1">
+              <a:shade val="50000"/>
+            </a:schemeClr>
+          </a:lnRef>
+          <a:fillRef idx="1">
+            <a:schemeClr val="accent1"/>
+          </a:fillRef>
+          <a:effectRef idx="0">
+            <a:schemeClr val="accent1"/>
+          </a:effectRef>
+          <a:fontRef idx="minor">
+            <a:schemeClr val="lt1"/>
+          </a:fontRef>
+        </p:style>
+        <p:txBody>
+          <a:bodyPr rtlCol="0" anchor="ctr"/>
+          <a:lstStyle/>
+          <a:p>
+            <a:pPr algn="ctr"/>
+            <a:endParaRPr lang="ko-KR" altLang="en-US"/>
           </a:p>
         </p:txBody>
       </p:sp>
@@ -12015,7 +13741,12 @@
             <p:ph idx="1"/>
           </p:nvPr>
         </p:nvSpPr>
-        <p:spPr/>
+        <p:spPr>
+          <a:xfrm>
+            <a:off x="1321142" y="864108"/>
+            <a:ext cx="10263986" cy="5993892"/>
+          </a:xfrm>
+        </p:spPr>
         <p:txBody>
           <a:bodyPr>
             <a:normAutofit/>
@@ -12069,7 +13800,7 @@
             </a:r>
             <a:r>
               <a:rPr lang="ko-KR" altLang="en-US" sz="3200" dirty="0"/>
-              <a:t>우회전의 경우 차량 핸들 각도로 측정</a:t>
+              <a:t>우회전의 경우 차량 핸들 각도 기반</a:t>
             </a:r>
             <a:endParaRPr lang="en-US" altLang="ko-KR" sz="3200" dirty="0"/>
           </a:p>
@@ -12085,11 +13816,11 @@
             </a:r>
             <a:r>
               <a:rPr lang="ko-KR" altLang="en-US" sz="3200" dirty="0" err="1"/>
-              <a:t>방향지시등</a:t>
+              <a:t>방향지시등의</a:t>
             </a:r>
             <a:r>
               <a:rPr lang="ko-KR" altLang="en-US" sz="3200" dirty="0"/>
-              <a:t> 점등으로 측정</a:t>
+              <a:t> 점등 여부 기반</a:t>
             </a:r>
             <a:endParaRPr lang="en-US" altLang="ko-KR" sz="3200" dirty="0"/>
           </a:p>
@@ -12105,9 +13836,24 @@
             </a:r>
             <a:r>
               <a:rPr lang="ko-KR" altLang="en-US" sz="3200" dirty="0"/>
-              <a:t>시간 감소</a:t>
+              <a:t>시간 절약</a:t>
             </a:r>
             <a:endParaRPr lang="en-US" altLang="ko-KR" sz="3200" dirty="0"/>
+          </a:p>
+          <a:p>
+            <a:pPr>
+              <a:spcBef>
+                <a:spcPts val="2400"/>
+              </a:spcBef>
+            </a:pPr>
+            <a:r>
+              <a:rPr lang="ko-KR" altLang="en-US" sz="3200" dirty="0"/>
+              <a:t>애매한 경우는 직접 확인 및 </a:t>
+            </a:r>
+            <a:r>
+              <a:rPr lang="en-US" altLang="ko-KR" sz="3200" dirty="0"/>
+              <a:t>Labeling</a:t>
+            </a:r>
           </a:p>
         </p:txBody>
       </p:sp>
@@ -12169,7 +13915,7 @@
           <a:p>
             <a:fld id="{793FA439-1AF0-4114-85D0-94817C2CD7F4}" type="datetime1">
               <a:rPr lang="ko-KR" altLang="en-US" smtClean="0"/>
-              <a:t>2020-07-16</a:t>
+              <a:t>2020-07-17</a:t>
             </a:fld>
             <a:endParaRPr lang="en-US" dirty="0"/>
           </a:p>
@@ -12456,63 +14202,176 @@
             <p:ph idx="1"/>
           </p:nvPr>
         </p:nvSpPr>
-        <p:spPr/>
+        <p:spPr>
+          <a:xfrm>
+            <a:off x="1321142" y="864108"/>
+            <a:ext cx="10263986" cy="5993892"/>
+          </a:xfrm>
+        </p:spPr>
         <p:txBody>
           <a:bodyPr>
             <a:normAutofit/>
           </a:bodyPr>
           <a:lstStyle/>
           <a:p>
-            <a:pPr>
+            <a:pPr marL="0" indent="0">
               <a:spcBef>
                 <a:spcPts val="2400"/>
               </a:spcBef>
+              <a:buNone/>
             </a:pPr>
             <a:r>
-              <a:rPr lang="ko-KR" altLang="en-US" sz="3200" dirty="0"/>
-              <a:t>실제 차량의 센서 데이터 습득</a:t>
-            </a:r>
-            <a:endParaRPr lang="en-US" altLang="ko-KR" sz="3200" dirty="0"/>
-          </a:p>
-          <a:p>
-            <a:pPr>
+              <a:rPr lang="en-US" altLang="ko-KR" sz="3600" dirty="0"/>
+              <a:t>0.</a:t>
+            </a:r>
+            <a:r>
+              <a:rPr lang="ko-KR" altLang="en-US" sz="3600" dirty="0"/>
+              <a:t> 직진</a:t>
+            </a:r>
+            <a:endParaRPr lang="en-US" altLang="ko-KR" sz="3600" dirty="0"/>
+          </a:p>
+          <a:p>
+            <a:pPr marL="0" indent="0">
               <a:spcBef>
                 <a:spcPts val="2400"/>
               </a:spcBef>
+              <a:buNone/>
             </a:pPr>
             <a:r>
-              <a:rPr lang="ko-KR" altLang="en-US" sz="3200" dirty="0"/>
-              <a:t>시뮬레이션 데이터와의 차이점 확인</a:t>
-            </a:r>
-            <a:endParaRPr lang="en-US" altLang="ko-KR" sz="3200" dirty="0"/>
-          </a:p>
-          <a:p>
-            <a:pPr>
+              <a:rPr lang="en-US" altLang="ko-KR" sz="3600" dirty="0"/>
+              <a:t>1. </a:t>
+            </a:r>
+            <a:r>
+              <a:rPr lang="ko-KR" altLang="en-US" sz="3600" dirty="0"/>
+              <a:t>좌회전</a:t>
+            </a:r>
+            <a:r>
+              <a:rPr lang="en-US" altLang="ko-KR" sz="3600" dirty="0"/>
+              <a:t>				2. </a:t>
+            </a:r>
+            <a:r>
+              <a:rPr lang="ko-KR" altLang="en-US" sz="3600" dirty="0"/>
+              <a:t>우회전</a:t>
+            </a:r>
+            <a:endParaRPr lang="en-US" altLang="ko-KR" sz="3600" dirty="0"/>
+          </a:p>
+          <a:p>
+            <a:pPr marL="0" indent="0">
               <a:spcBef>
                 <a:spcPts val="2400"/>
               </a:spcBef>
+              <a:buNone/>
             </a:pPr>
             <a:r>
-              <a:rPr lang="ko-KR" altLang="en-US" sz="3200" dirty="0"/>
-              <a:t>시뮬레이션 데이터를 실제 차량 데이터와 비슷하게 정규화</a:t>
-            </a:r>
-            <a:endParaRPr lang="en-US" altLang="ko-KR" sz="3200" dirty="0"/>
-          </a:p>
-          <a:p>
-            <a:pPr>
+              <a:rPr lang="en-US" altLang="ko-KR" sz="3600" dirty="0"/>
+              <a:t>3. </a:t>
+            </a:r>
+            <a:r>
+              <a:rPr lang="ko-KR" altLang="en-US" sz="3600" dirty="0"/>
+              <a:t>차선 변경</a:t>
+            </a:r>
+            <a:r>
+              <a:rPr lang="en-US" altLang="ko-KR" sz="3600" dirty="0"/>
+              <a:t>(</a:t>
+            </a:r>
+            <a:r>
+              <a:rPr lang="ko-KR" altLang="en-US" sz="3600" dirty="0"/>
+              <a:t>좌</a:t>
+            </a:r>
+            <a:r>
+              <a:rPr lang="en-US" altLang="ko-KR" sz="3600" dirty="0"/>
+              <a:t>)		4. </a:t>
+            </a:r>
+            <a:r>
+              <a:rPr lang="ko-KR" altLang="en-US" sz="3600" dirty="0"/>
+              <a:t>차선 변경</a:t>
+            </a:r>
+            <a:r>
+              <a:rPr lang="en-US" altLang="ko-KR" sz="3600" dirty="0"/>
+              <a:t>(</a:t>
+            </a:r>
+            <a:r>
+              <a:rPr lang="ko-KR" altLang="en-US" sz="3600" dirty="0"/>
+              <a:t>우</a:t>
+            </a:r>
+            <a:r>
+              <a:rPr lang="en-US" altLang="ko-KR" sz="3600" dirty="0"/>
+              <a:t>)</a:t>
+            </a:r>
+          </a:p>
+          <a:p>
+            <a:pPr marL="0" indent="0">
               <a:spcBef>
                 <a:spcPts val="2400"/>
               </a:spcBef>
+              <a:buNone/>
             </a:pPr>
             <a:r>
-              <a:rPr lang="ko-KR" altLang="en-US" sz="3200" dirty="0" err="1"/>
-              <a:t>정규화된</a:t>
-            </a:r>
-            <a:r>
-              <a:rPr lang="ko-KR" altLang="en-US" sz="3200" dirty="0"/>
-              <a:t> 데이터에 맞게 모델 재수정</a:t>
-            </a:r>
-            <a:endParaRPr lang="en-US" altLang="ko-KR" sz="3200" dirty="0"/>
+              <a:rPr lang="en-US" altLang="ko-KR" sz="3600" dirty="0"/>
+              <a:t>5. </a:t>
+            </a:r>
+            <a:r>
+              <a:rPr lang="ko-KR" altLang="en-US" sz="3600" dirty="0"/>
+              <a:t>커브</a:t>
+            </a:r>
+            <a:r>
+              <a:rPr lang="en-US" altLang="ko-KR" sz="3600" dirty="0"/>
+              <a:t>(</a:t>
+            </a:r>
+            <a:r>
+              <a:rPr lang="ko-KR" altLang="en-US" sz="3600" dirty="0"/>
+              <a:t>좌</a:t>
+            </a:r>
+            <a:r>
+              <a:rPr lang="en-US" altLang="ko-KR" sz="3600" dirty="0"/>
+              <a:t>) – </a:t>
+            </a:r>
+            <a:r>
+              <a:rPr lang="ko-KR" altLang="en-US" sz="3600" dirty="0"/>
+              <a:t>예정</a:t>
+            </a:r>
+            <a:r>
+              <a:rPr lang="en-US" altLang="ko-KR" sz="3600" dirty="0"/>
+              <a:t>		6.</a:t>
+            </a:r>
+            <a:r>
+              <a:rPr lang="ko-KR" altLang="en-US" sz="3600" dirty="0"/>
+              <a:t>커브</a:t>
+            </a:r>
+            <a:r>
+              <a:rPr lang="en-US" altLang="ko-KR" sz="3600" dirty="0"/>
+              <a:t>(</a:t>
+            </a:r>
+            <a:r>
+              <a:rPr lang="ko-KR" altLang="en-US" sz="3600" dirty="0"/>
+              <a:t>우</a:t>
+            </a:r>
+            <a:r>
+              <a:rPr lang="en-US" altLang="ko-KR" sz="3600" dirty="0"/>
+              <a:t>) – </a:t>
+            </a:r>
+            <a:r>
+              <a:rPr lang="ko-KR" altLang="en-US" sz="3600" dirty="0"/>
+              <a:t>예정</a:t>
+            </a:r>
+            <a:endParaRPr lang="en-US" altLang="ko-KR" sz="3600" dirty="0"/>
+          </a:p>
+          <a:p>
+            <a:pPr marL="0" indent="0">
+              <a:spcBef>
+                <a:spcPts val="2400"/>
+              </a:spcBef>
+              <a:buNone/>
+            </a:pPr>
+            <a:r>
+              <a:rPr lang="en-US" altLang="ko-KR" sz="3600" dirty="0"/>
+              <a:t>7. </a:t>
+            </a:r>
+            <a:r>
+              <a:rPr lang="ko-KR" altLang="en-US" sz="3600" dirty="0"/>
+              <a:t>정지</a:t>
+            </a:r>
+            <a:endParaRPr lang="en-US" altLang="ko-KR" sz="3600" dirty="0"/>
           </a:p>
         </p:txBody>
       </p:sp>
@@ -12574,7 +14433,7 @@
           <a:p>
             <a:fld id="{793FA439-1AF0-4114-85D0-94817C2CD7F4}" type="datetime1">
               <a:rPr lang="ko-KR" altLang="en-US" smtClean="0"/>
-              <a:t>2020-07-16</a:t>
+              <a:t>2020-07-17</a:t>
             </a:fld>
             <a:endParaRPr lang="en-US" dirty="0"/>
           </a:p>
@@ -12758,8 +14617,8 @@
         </p:nvSpPr>
         <p:spPr>
           <a:xfrm>
-            <a:off x="1321141" y="949884"/>
-            <a:ext cx="9312994" cy="707886"/>
+            <a:off x="1321142" y="949884"/>
+            <a:ext cx="6372430" cy="707886"/>
           </a:xfrm>
           <a:prstGeom prst="rect">
             <a:avLst/>
@@ -12774,20 +14633,15 @@
           <a:p>
             <a:r>
               <a:rPr lang="ko-KR" altLang="en-US" sz="4000" dirty="0"/>
-              <a:t>실제 차량 센서 </a:t>
-            </a:r>
-            <a:r>
-              <a:rPr lang="ko-KR" altLang="en-US" sz="4000"/>
-              <a:t>데이터 획득 및 분석 시작 </a:t>
-            </a:r>
-            <a:endParaRPr lang="ko-KR" altLang="en-US" sz="4000" dirty="0"/>
+              <a:t>분석 차량 상태</a:t>
+            </a:r>
           </a:p>
         </p:txBody>
       </p:sp>
     </p:spTree>
     <p:extLst>
       <p:ext uri="{BB962C8B-B14F-4D97-AF65-F5344CB8AC3E}">
-        <p14:creationId xmlns:p14="http://schemas.microsoft.com/office/powerpoint/2010/main" val="1834372175"/>
+        <p14:creationId xmlns:p14="http://schemas.microsoft.com/office/powerpoint/2010/main" val="3808676551"/>
       </p:ext>
     </p:extLst>
   </p:cSld>
@@ -12814,306 +14668,12 @@
           <a:chExt cx="0" cy="0"/>
         </a:xfrm>
       </p:grpSpPr>
-      <p:sp>
-        <p:nvSpPr>
-          <p:cNvPr id="2" name="제목 1">
+      <p:pic>
+        <p:nvPicPr>
+          <p:cNvPr id="13" name="그림 12" descr="스크린샷이(가) 표시된 사진&#10;&#10;자동 생성된 설명">
             <a:extLst>
               <a:ext uri="{FF2B5EF4-FFF2-40B4-BE49-F238E27FC236}">
-                <a16:creationId xmlns:a16="http://schemas.microsoft.com/office/drawing/2014/main" id="{F527D3A4-2476-4C9D-B594-1FA1ED3CFA2B}"/>
-              </a:ext>
-            </a:extLst>
-          </p:cNvPr>
-          <p:cNvSpPr>
-            <a:spLocks noGrp="1"/>
-          </p:cNvSpPr>
-          <p:nvPr>
-            <p:ph type="title"/>
-          </p:nvPr>
-        </p:nvSpPr>
-        <p:spPr/>
-        <p:txBody>
-          <a:bodyPr>
-            <a:normAutofit/>
-          </a:bodyPr>
-          <a:lstStyle/>
-          <a:p>
-            <a:r>
-              <a:rPr lang="ko-KR" altLang="en-US" sz="3600" b="1" dirty="0"/>
-              <a:t>현재 진행 상황</a:t>
-            </a:r>
-            <a:endParaRPr lang="ko-KR" altLang="en-US" sz="3500" b="1" dirty="0"/>
-          </a:p>
-        </p:txBody>
-      </p:sp>
-      <p:sp>
-        <p:nvSpPr>
-          <p:cNvPr id="5" name="슬라이드 번호 개체 틀 4">
-            <a:extLst>
-              <a:ext uri="{FF2B5EF4-FFF2-40B4-BE49-F238E27FC236}">
-                <a16:creationId xmlns:a16="http://schemas.microsoft.com/office/drawing/2014/main" id="{B94218F4-8846-4E3F-853A-5F8555B0F85A}"/>
-              </a:ext>
-            </a:extLst>
-          </p:cNvPr>
-          <p:cNvSpPr>
-            <a:spLocks noGrp="1"/>
-          </p:cNvSpPr>
-          <p:nvPr>
-            <p:ph type="sldNum" sz="quarter" idx="12"/>
-          </p:nvPr>
-        </p:nvSpPr>
-        <p:spPr/>
-        <p:txBody>
-          <a:bodyPr/>
-          <a:lstStyle/>
-          <a:p>
-            <a:fld id="{4FAB73BC-B049-4115-A692-8D63A059BFB8}" type="slidenum">
-              <a:rPr lang="en-US" smtClean="0"/>
-              <a:pPr/>
-              <a:t>9</a:t>
-            </a:fld>
-            <a:endParaRPr lang="en-US" dirty="0"/>
-          </a:p>
-        </p:txBody>
-      </p:sp>
-      <p:sp>
-        <p:nvSpPr>
-          <p:cNvPr id="4" name="날짜 개체 틀 3">
-            <a:extLst>
-              <a:ext uri="{FF2B5EF4-FFF2-40B4-BE49-F238E27FC236}">
-                <a16:creationId xmlns:a16="http://schemas.microsoft.com/office/drawing/2014/main" id="{4BB7EE5D-927A-4CCF-A1D8-4B1D0DBF2832}"/>
-              </a:ext>
-            </a:extLst>
-          </p:cNvPr>
-          <p:cNvSpPr>
-            <a:spLocks noGrp="1"/>
-          </p:cNvSpPr>
-          <p:nvPr>
-            <p:ph type="dt" sz="half" idx="10"/>
-          </p:nvPr>
-        </p:nvSpPr>
-        <p:spPr>
-          <a:xfrm>
-            <a:off x="0" y="6492875"/>
-            <a:ext cx="2743200" cy="365125"/>
-          </a:xfrm>
-        </p:spPr>
-        <p:txBody>
-          <a:bodyPr/>
-          <a:lstStyle/>
-          <a:p>
-            <a:fld id="{835A3A55-8703-4404-B685-585B47BF8635}" type="datetime1">
-              <a:rPr lang="ko-KR" altLang="en-US" smtClean="0"/>
-              <a:t>2020-07-16</a:t>
-            </a:fld>
-            <a:endParaRPr lang="en-US" dirty="0"/>
-          </a:p>
-        </p:txBody>
-      </p:sp>
-      <p:sp>
-        <p:nvSpPr>
-          <p:cNvPr id="6" name="바닥글 개체 틀 3">
-            <a:extLst>
-              <a:ext uri="{FF2B5EF4-FFF2-40B4-BE49-F238E27FC236}">
-                <a16:creationId xmlns:a16="http://schemas.microsoft.com/office/drawing/2014/main" id="{A60952EA-DD37-49FE-B649-1749C242F52B}"/>
-              </a:ext>
-            </a:extLst>
-          </p:cNvPr>
-          <p:cNvSpPr txBox="1">
-            <a:spLocks/>
-          </p:cNvSpPr>
-          <p:nvPr/>
-        </p:nvSpPr>
-        <p:spPr>
-          <a:xfrm>
-            <a:off x="3140241" y="150043"/>
-            <a:ext cx="5911517" cy="365125"/>
-          </a:xfrm>
-          <a:prstGeom prst="rect">
-            <a:avLst/>
-          </a:prstGeom>
-        </p:spPr>
-        <p:txBody>
-          <a:bodyPr vert="horz" lIns="91440" tIns="45720" rIns="91440" bIns="45720" rtlCol="0" anchor="ctr"/>
-          <a:lstStyle>
-            <a:defPPr>
-              <a:defRPr lang="en-US"/>
-            </a:defPPr>
-            <a:lvl1pPr marL="0" algn="l" defTabSz="457200" rtl="0" eaLnBrk="1" latinLnBrk="0" hangingPunct="1">
-              <a:defRPr sz="1100" kern="1200">
-                <a:solidFill>
-                  <a:schemeClr val="tx1">
-                    <a:lumMod val="50000"/>
-                    <a:lumOff val="50000"/>
-                  </a:schemeClr>
-                </a:solidFill>
-                <a:latin typeface="+mn-lt"/>
-                <a:ea typeface="+mn-ea"/>
-                <a:cs typeface="+mn-cs"/>
-              </a:defRPr>
-            </a:lvl1pPr>
-            <a:lvl2pPr marL="457200" algn="l" defTabSz="457200" rtl="0" eaLnBrk="1" latinLnBrk="0" hangingPunct="1">
-              <a:defRPr sz="1800" kern="1200">
-                <a:solidFill>
-                  <a:schemeClr val="tx1"/>
-                </a:solidFill>
-                <a:latin typeface="+mn-lt"/>
-                <a:ea typeface="+mn-ea"/>
-                <a:cs typeface="+mn-cs"/>
-              </a:defRPr>
-            </a:lvl2pPr>
-            <a:lvl3pPr marL="914400" algn="l" defTabSz="457200" rtl="0" eaLnBrk="1" latinLnBrk="0" hangingPunct="1">
-              <a:defRPr sz="1800" kern="1200">
-                <a:solidFill>
-                  <a:schemeClr val="tx1"/>
-                </a:solidFill>
-                <a:latin typeface="+mn-lt"/>
-                <a:ea typeface="+mn-ea"/>
-                <a:cs typeface="+mn-cs"/>
-              </a:defRPr>
-            </a:lvl3pPr>
-            <a:lvl4pPr marL="1371600" algn="l" defTabSz="457200" rtl="0" eaLnBrk="1" latinLnBrk="0" hangingPunct="1">
-              <a:defRPr sz="1800" kern="1200">
-                <a:solidFill>
-                  <a:schemeClr val="tx1"/>
-                </a:solidFill>
-                <a:latin typeface="+mn-lt"/>
-                <a:ea typeface="+mn-ea"/>
-                <a:cs typeface="+mn-cs"/>
-              </a:defRPr>
-            </a:lvl4pPr>
-            <a:lvl5pPr marL="1828800" algn="l" defTabSz="457200" rtl="0" eaLnBrk="1" latinLnBrk="0" hangingPunct="1">
-              <a:defRPr sz="1800" kern="1200">
-                <a:solidFill>
-                  <a:schemeClr val="tx1"/>
-                </a:solidFill>
-                <a:latin typeface="+mn-lt"/>
-                <a:ea typeface="+mn-ea"/>
-                <a:cs typeface="+mn-cs"/>
-              </a:defRPr>
-            </a:lvl5pPr>
-            <a:lvl6pPr marL="2286000" algn="l" defTabSz="457200" rtl="0" eaLnBrk="1" latinLnBrk="0" hangingPunct="1">
-              <a:defRPr sz="1800" kern="1200">
-                <a:solidFill>
-                  <a:schemeClr val="tx1"/>
-                </a:solidFill>
-                <a:latin typeface="+mn-lt"/>
-                <a:ea typeface="+mn-ea"/>
-                <a:cs typeface="+mn-cs"/>
-              </a:defRPr>
-            </a:lvl6pPr>
-            <a:lvl7pPr marL="2743200" algn="l" defTabSz="457200" rtl="0" eaLnBrk="1" latinLnBrk="0" hangingPunct="1">
-              <a:defRPr sz="1800" kern="1200">
-                <a:solidFill>
-                  <a:schemeClr val="tx1"/>
-                </a:solidFill>
-                <a:latin typeface="+mn-lt"/>
-                <a:ea typeface="+mn-ea"/>
-                <a:cs typeface="+mn-cs"/>
-              </a:defRPr>
-            </a:lvl7pPr>
-            <a:lvl8pPr marL="3200400" algn="l" defTabSz="457200" rtl="0" eaLnBrk="1" latinLnBrk="0" hangingPunct="1">
-              <a:defRPr sz="1800" kern="1200">
-                <a:solidFill>
-                  <a:schemeClr val="tx1"/>
-                </a:solidFill>
-                <a:latin typeface="+mn-lt"/>
-                <a:ea typeface="+mn-ea"/>
-                <a:cs typeface="+mn-cs"/>
-              </a:defRPr>
-            </a:lvl8pPr>
-            <a:lvl9pPr marL="3657600" algn="l" defTabSz="457200" rtl="0" eaLnBrk="1" latinLnBrk="0" hangingPunct="1">
-              <a:defRPr sz="1800" kern="1200">
-                <a:solidFill>
-                  <a:schemeClr val="tx1"/>
-                </a:solidFill>
-                <a:latin typeface="+mn-lt"/>
-                <a:ea typeface="+mn-ea"/>
-                <a:cs typeface="+mn-cs"/>
-              </a:defRPr>
-            </a:lvl9pPr>
-          </a:lstStyle>
-          <a:p>
-            <a:pPr algn="ctr"/>
-            <a:r>
-              <a:rPr lang="en-US" altLang="ko-KR" dirty="0"/>
-              <a:t>2020 </a:t>
-            </a:r>
-            <a:r>
-              <a:rPr lang="ko-KR" altLang="en-US" dirty="0"/>
-              <a:t>전기 졸업과제 팀 </a:t>
-            </a:r>
-            <a:r>
-              <a:rPr lang="en-US" altLang="ko-KR" dirty="0"/>
-              <a:t>38(ESLAB 2</a:t>
-            </a:r>
-            <a:r>
-              <a:rPr lang="ko-KR" altLang="en-US" dirty="0"/>
-              <a:t>조</a:t>
-            </a:r>
-            <a:r>
-              <a:rPr lang="en-US" altLang="ko-KR" dirty="0"/>
-              <a:t>)</a:t>
-            </a:r>
-          </a:p>
-          <a:p>
-            <a:pPr algn="ctr"/>
-            <a:r>
-              <a:rPr lang="en-US" altLang="ko-KR" dirty="0"/>
-              <a:t>[</a:t>
-            </a:r>
-            <a:r>
-              <a:rPr lang="ko-KR" altLang="en-US" dirty="0"/>
-              <a:t>여기에 팀 이름 입력</a:t>
-            </a:r>
-            <a:r>
-              <a:rPr lang="en-US" altLang="ko-KR" dirty="0"/>
-              <a:t>]</a:t>
-            </a:r>
-            <a:endParaRPr lang="en-US" dirty="0"/>
-          </a:p>
-        </p:txBody>
-      </p:sp>
-      <p:sp>
-        <p:nvSpPr>
-          <p:cNvPr id="7" name="TextBox 6">
-            <a:extLst>
-              <a:ext uri="{FF2B5EF4-FFF2-40B4-BE49-F238E27FC236}">
-                <a16:creationId xmlns:a16="http://schemas.microsoft.com/office/drawing/2014/main" id="{363584E5-9A0C-434C-BB6F-A44FDBA3DBBC}"/>
-              </a:ext>
-            </a:extLst>
-          </p:cNvPr>
-          <p:cNvSpPr txBox="1"/>
-          <p:nvPr/>
-        </p:nvSpPr>
-        <p:spPr>
-          <a:xfrm>
-            <a:off x="1118223" y="729025"/>
-            <a:ext cx="5558076" cy="553998"/>
-          </a:xfrm>
-          <a:prstGeom prst="rect">
-            <a:avLst/>
-          </a:prstGeom>
-          <a:noFill/>
-        </p:spPr>
-        <p:txBody>
-          <a:bodyPr wrap="square" rtlCol="0">
-            <a:spAutoFit/>
-          </a:bodyPr>
-          <a:lstStyle/>
-          <a:p>
-            <a:r>
-              <a:rPr lang="ko-KR" altLang="en-US" sz="3000" dirty="0"/>
-              <a:t>데이터 예측 결과</a:t>
-            </a:r>
-          </a:p>
-        </p:txBody>
-      </p:sp>
-      <p:pic>
-        <p:nvPicPr>
-          <p:cNvPr id="8" name="그림 7" descr="스크린샷, 나이프이(가) 표시된 사진&#10;&#10;자동 생성된 설명">
-            <a:extLst>
-              <a:ext uri="{FF2B5EF4-FFF2-40B4-BE49-F238E27FC236}">
-                <a16:creationId xmlns:a16="http://schemas.microsoft.com/office/drawing/2014/main" id="{CB1E0740-6CDD-4C3A-A06C-66E1864715CE}"/>
+                <a16:creationId xmlns:a16="http://schemas.microsoft.com/office/drawing/2014/main" id="{B32F27EF-E504-4168-8FD9-B416D97F5B02}"/>
               </a:ext>
             </a:extLst>
           </p:cNvPr>
@@ -13130,20 +14690,314 @@
         </p:blipFill>
         <p:spPr>
           <a:xfrm>
-            <a:off x="1371600" y="2171321"/>
-            <a:ext cx="4564776" cy="632515"/>
+            <a:off x="6360160" y="515168"/>
+            <a:ext cx="5377881" cy="5850829"/>
           </a:xfrm>
           <a:prstGeom prst="rect">
             <a:avLst/>
           </a:prstGeom>
         </p:spPr>
       </p:pic>
+      <p:sp>
+        <p:nvSpPr>
+          <p:cNvPr id="2" name="제목 1">
+            <a:extLst>
+              <a:ext uri="{FF2B5EF4-FFF2-40B4-BE49-F238E27FC236}">
+                <a16:creationId xmlns:a16="http://schemas.microsoft.com/office/drawing/2014/main" id="{F527D3A4-2476-4C9D-B594-1FA1ED3CFA2B}"/>
+              </a:ext>
+            </a:extLst>
+          </p:cNvPr>
+          <p:cNvSpPr>
+            <a:spLocks noGrp="1"/>
+          </p:cNvSpPr>
+          <p:nvPr>
+            <p:ph type="title"/>
+          </p:nvPr>
+        </p:nvSpPr>
+        <p:spPr/>
+        <p:txBody>
+          <a:bodyPr>
+            <a:normAutofit/>
+          </a:bodyPr>
+          <a:lstStyle/>
+          <a:p>
+            <a:r>
+              <a:rPr lang="ko-KR" altLang="en-US" sz="3600" b="1" dirty="0"/>
+              <a:t>현재 진행 상황</a:t>
+            </a:r>
+            <a:endParaRPr lang="ko-KR" altLang="en-US" sz="3500" b="1" dirty="0"/>
+          </a:p>
+        </p:txBody>
+      </p:sp>
+      <p:sp>
+        <p:nvSpPr>
+          <p:cNvPr id="5" name="슬라이드 번호 개체 틀 4">
+            <a:extLst>
+              <a:ext uri="{FF2B5EF4-FFF2-40B4-BE49-F238E27FC236}">
+                <a16:creationId xmlns:a16="http://schemas.microsoft.com/office/drawing/2014/main" id="{B94218F4-8846-4E3F-853A-5F8555B0F85A}"/>
+              </a:ext>
+            </a:extLst>
+          </p:cNvPr>
+          <p:cNvSpPr>
+            <a:spLocks noGrp="1"/>
+          </p:cNvSpPr>
+          <p:nvPr>
+            <p:ph type="sldNum" sz="quarter" idx="12"/>
+          </p:nvPr>
+        </p:nvSpPr>
+        <p:spPr/>
+        <p:txBody>
+          <a:bodyPr/>
+          <a:lstStyle/>
+          <a:p>
+            <a:fld id="{4FAB73BC-B049-4115-A692-8D63A059BFB8}" type="slidenum">
+              <a:rPr lang="en-US" smtClean="0"/>
+              <a:pPr/>
+              <a:t>9</a:t>
+            </a:fld>
+            <a:endParaRPr lang="en-US" dirty="0"/>
+          </a:p>
+        </p:txBody>
+      </p:sp>
+      <p:sp>
+        <p:nvSpPr>
+          <p:cNvPr id="4" name="날짜 개체 틀 3">
+            <a:extLst>
+              <a:ext uri="{FF2B5EF4-FFF2-40B4-BE49-F238E27FC236}">
+                <a16:creationId xmlns:a16="http://schemas.microsoft.com/office/drawing/2014/main" id="{4BB7EE5D-927A-4CCF-A1D8-4B1D0DBF2832}"/>
+              </a:ext>
+            </a:extLst>
+          </p:cNvPr>
+          <p:cNvSpPr>
+            <a:spLocks noGrp="1"/>
+          </p:cNvSpPr>
+          <p:nvPr>
+            <p:ph type="dt" sz="half" idx="10"/>
+          </p:nvPr>
+        </p:nvSpPr>
+        <p:spPr>
+          <a:xfrm>
+            <a:off x="0" y="6492875"/>
+            <a:ext cx="2743200" cy="365125"/>
+          </a:xfrm>
+        </p:spPr>
+        <p:txBody>
+          <a:bodyPr/>
+          <a:lstStyle/>
+          <a:p>
+            <a:fld id="{835A3A55-8703-4404-B685-585B47BF8635}" type="datetime1">
+              <a:rPr lang="ko-KR" altLang="en-US" smtClean="0"/>
+              <a:t>2020-07-17</a:t>
+            </a:fld>
+            <a:endParaRPr lang="en-US" dirty="0"/>
+          </a:p>
+        </p:txBody>
+      </p:sp>
+      <p:sp>
+        <p:nvSpPr>
+          <p:cNvPr id="6" name="바닥글 개체 틀 3">
+            <a:extLst>
+              <a:ext uri="{FF2B5EF4-FFF2-40B4-BE49-F238E27FC236}">
+                <a16:creationId xmlns:a16="http://schemas.microsoft.com/office/drawing/2014/main" id="{A60952EA-DD37-49FE-B649-1749C242F52B}"/>
+              </a:ext>
+            </a:extLst>
+          </p:cNvPr>
+          <p:cNvSpPr txBox="1">
+            <a:spLocks/>
+          </p:cNvSpPr>
+          <p:nvPr/>
+        </p:nvSpPr>
+        <p:spPr>
+          <a:xfrm>
+            <a:off x="3140241" y="150043"/>
+            <a:ext cx="5911517" cy="365125"/>
+          </a:xfrm>
+          <a:prstGeom prst="rect">
+            <a:avLst/>
+          </a:prstGeom>
+        </p:spPr>
+        <p:txBody>
+          <a:bodyPr vert="horz" lIns="91440" tIns="45720" rIns="91440" bIns="45720" rtlCol="0" anchor="ctr"/>
+          <a:lstStyle>
+            <a:defPPr>
+              <a:defRPr lang="en-US"/>
+            </a:defPPr>
+            <a:lvl1pPr marL="0" algn="l" defTabSz="457200" rtl="0" eaLnBrk="1" latinLnBrk="0" hangingPunct="1">
+              <a:defRPr sz="1100" kern="1200">
+                <a:solidFill>
+                  <a:schemeClr val="tx1">
+                    <a:lumMod val="50000"/>
+                    <a:lumOff val="50000"/>
+                  </a:schemeClr>
+                </a:solidFill>
+                <a:latin typeface="+mn-lt"/>
+                <a:ea typeface="+mn-ea"/>
+                <a:cs typeface="+mn-cs"/>
+              </a:defRPr>
+            </a:lvl1pPr>
+            <a:lvl2pPr marL="457200" algn="l" defTabSz="457200" rtl="0" eaLnBrk="1" latinLnBrk="0" hangingPunct="1">
+              <a:defRPr sz="1800" kern="1200">
+                <a:solidFill>
+                  <a:schemeClr val="tx1"/>
+                </a:solidFill>
+                <a:latin typeface="+mn-lt"/>
+                <a:ea typeface="+mn-ea"/>
+                <a:cs typeface="+mn-cs"/>
+              </a:defRPr>
+            </a:lvl2pPr>
+            <a:lvl3pPr marL="914400" algn="l" defTabSz="457200" rtl="0" eaLnBrk="1" latinLnBrk="0" hangingPunct="1">
+              <a:defRPr sz="1800" kern="1200">
+                <a:solidFill>
+                  <a:schemeClr val="tx1"/>
+                </a:solidFill>
+                <a:latin typeface="+mn-lt"/>
+                <a:ea typeface="+mn-ea"/>
+                <a:cs typeface="+mn-cs"/>
+              </a:defRPr>
+            </a:lvl3pPr>
+            <a:lvl4pPr marL="1371600" algn="l" defTabSz="457200" rtl="0" eaLnBrk="1" latinLnBrk="0" hangingPunct="1">
+              <a:defRPr sz="1800" kern="1200">
+                <a:solidFill>
+                  <a:schemeClr val="tx1"/>
+                </a:solidFill>
+                <a:latin typeface="+mn-lt"/>
+                <a:ea typeface="+mn-ea"/>
+                <a:cs typeface="+mn-cs"/>
+              </a:defRPr>
+            </a:lvl4pPr>
+            <a:lvl5pPr marL="1828800" algn="l" defTabSz="457200" rtl="0" eaLnBrk="1" latinLnBrk="0" hangingPunct="1">
+              <a:defRPr sz="1800" kern="1200">
+                <a:solidFill>
+                  <a:schemeClr val="tx1"/>
+                </a:solidFill>
+                <a:latin typeface="+mn-lt"/>
+                <a:ea typeface="+mn-ea"/>
+                <a:cs typeface="+mn-cs"/>
+              </a:defRPr>
+            </a:lvl5pPr>
+            <a:lvl6pPr marL="2286000" algn="l" defTabSz="457200" rtl="0" eaLnBrk="1" latinLnBrk="0" hangingPunct="1">
+              <a:defRPr sz="1800" kern="1200">
+                <a:solidFill>
+                  <a:schemeClr val="tx1"/>
+                </a:solidFill>
+                <a:latin typeface="+mn-lt"/>
+                <a:ea typeface="+mn-ea"/>
+                <a:cs typeface="+mn-cs"/>
+              </a:defRPr>
+            </a:lvl6pPr>
+            <a:lvl7pPr marL="2743200" algn="l" defTabSz="457200" rtl="0" eaLnBrk="1" latinLnBrk="0" hangingPunct="1">
+              <a:defRPr sz="1800" kern="1200">
+                <a:solidFill>
+                  <a:schemeClr val="tx1"/>
+                </a:solidFill>
+                <a:latin typeface="+mn-lt"/>
+                <a:ea typeface="+mn-ea"/>
+                <a:cs typeface="+mn-cs"/>
+              </a:defRPr>
+            </a:lvl7pPr>
+            <a:lvl8pPr marL="3200400" algn="l" defTabSz="457200" rtl="0" eaLnBrk="1" latinLnBrk="0" hangingPunct="1">
+              <a:defRPr sz="1800" kern="1200">
+                <a:solidFill>
+                  <a:schemeClr val="tx1"/>
+                </a:solidFill>
+                <a:latin typeface="+mn-lt"/>
+                <a:ea typeface="+mn-ea"/>
+                <a:cs typeface="+mn-cs"/>
+              </a:defRPr>
+            </a:lvl8pPr>
+            <a:lvl9pPr marL="3657600" algn="l" defTabSz="457200" rtl="0" eaLnBrk="1" latinLnBrk="0" hangingPunct="1">
+              <a:defRPr sz="1800" kern="1200">
+                <a:solidFill>
+                  <a:schemeClr val="tx1"/>
+                </a:solidFill>
+                <a:latin typeface="+mn-lt"/>
+                <a:ea typeface="+mn-ea"/>
+                <a:cs typeface="+mn-cs"/>
+              </a:defRPr>
+            </a:lvl9pPr>
+          </a:lstStyle>
+          <a:p>
+            <a:pPr algn="ctr"/>
+            <a:r>
+              <a:rPr lang="en-US" altLang="ko-KR" dirty="0"/>
+              <a:t>2020 </a:t>
+            </a:r>
+            <a:r>
+              <a:rPr lang="ko-KR" altLang="en-US" dirty="0"/>
+              <a:t>전기 졸업과제 팀 </a:t>
+            </a:r>
+            <a:r>
+              <a:rPr lang="en-US" altLang="ko-KR" dirty="0"/>
+              <a:t>38(ESLAB 2</a:t>
+            </a:r>
+            <a:r>
+              <a:rPr lang="ko-KR" altLang="en-US" dirty="0"/>
+              <a:t>조</a:t>
+            </a:r>
+            <a:r>
+              <a:rPr lang="en-US" altLang="ko-KR" dirty="0"/>
+              <a:t>)</a:t>
+            </a:r>
+          </a:p>
+          <a:p>
+            <a:pPr algn="ctr"/>
+            <a:r>
+              <a:rPr lang="en-US" altLang="ko-KR" dirty="0"/>
+              <a:t>[</a:t>
+            </a:r>
+            <a:r>
+              <a:rPr lang="ko-KR" altLang="en-US" dirty="0"/>
+              <a:t>여기에 팀 이름 입력</a:t>
+            </a:r>
+            <a:r>
+              <a:rPr lang="en-US" altLang="ko-KR" dirty="0"/>
+              <a:t>]</a:t>
+            </a:r>
+            <a:endParaRPr lang="en-US" dirty="0"/>
+          </a:p>
+        </p:txBody>
+      </p:sp>
+      <p:sp>
+        <p:nvSpPr>
+          <p:cNvPr id="7" name="TextBox 6">
+            <a:extLst>
+              <a:ext uri="{FF2B5EF4-FFF2-40B4-BE49-F238E27FC236}">
+                <a16:creationId xmlns:a16="http://schemas.microsoft.com/office/drawing/2014/main" id="{363584E5-9A0C-434C-BB6F-A44FDBA3DBBC}"/>
+              </a:ext>
+            </a:extLst>
+          </p:cNvPr>
+          <p:cNvSpPr txBox="1"/>
+          <p:nvPr/>
+        </p:nvSpPr>
+        <p:spPr>
+          <a:xfrm>
+            <a:off x="1118223" y="729025"/>
+            <a:ext cx="5558076" cy="553998"/>
+          </a:xfrm>
+          <a:prstGeom prst="rect">
+            <a:avLst/>
+          </a:prstGeom>
+          <a:noFill/>
+        </p:spPr>
+        <p:txBody>
+          <a:bodyPr wrap="square" rtlCol="0">
+            <a:spAutoFit/>
+          </a:bodyPr>
+          <a:lstStyle/>
+          <a:p>
+            <a:r>
+              <a:rPr lang="ko-KR" altLang="en-US" sz="3000" dirty="0"/>
+              <a:t>데이터 모델</a:t>
+            </a:r>
+          </a:p>
+        </p:txBody>
+      </p:sp>
       <p:pic>
         <p:nvPicPr>
-          <p:cNvPr id="11" name="그림 10">
+          <p:cNvPr id="9" name="그림 8" descr="텍스트, 지도이(가) 표시된 사진&#10;&#10;자동 생성된 설명">
             <a:extLst>
               <a:ext uri="{FF2B5EF4-FFF2-40B4-BE49-F238E27FC236}">
-                <a16:creationId xmlns:a16="http://schemas.microsoft.com/office/drawing/2014/main" id="{BDE57ADB-943C-4F52-BA91-22539F6707B5}"/>
+                <a16:creationId xmlns:a16="http://schemas.microsoft.com/office/drawing/2014/main" id="{65755DFB-0CB1-4F30-A726-6824D03AB510}"/>
               </a:ext>
             </a:extLst>
           </p:cNvPr>
@@ -13160,50 +15014,20 @@
         </p:blipFill>
         <p:spPr>
           <a:xfrm>
-            <a:off x="1371600" y="1710737"/>
-            <a:ext cx="4465707" cy="480102"/>
+            <a:off x="1118224" y="1253592"/>
+            <a:ext cx="5562760" cy="4471428"/>
           </a:xfrm>
           <a:prstGeom prst="rect">
             <a:avLst/>
           </a:prstGeom>
         </p:spPr>
       </p:pic>
-      <p:pic>
-        <p:nvPicPr>
-          <p:cNvPr id="14" name="그림 13">
+      <p:sp>
+        <p:nvSpPr>
+          <p:cNvPr id="10" name="TextBox 9">
             <a:extLst>
               <a:ext uri="{FF2B5EF4-FFF2-40B4-BE49-F238E27FC236}">
-                <a16:creationId xmlns:a16="http://schemas.microsoft.com/office/drawing/2014/main" id="{79ABD62B-1AC6-4FB3-9EF4-95F32EA2FE1D}"/>
-              </a:ext>
-            </a:extLst>
-          </p:cNvPr>
-          <p:cNvPicPr>
-            <a:picLocks noChangeAspect="1"/>
-          </p:cNvPicPr>
-          <p:nvPr/>
-        </p:nvPicPr>
-        <p:blipFill>
-          <a:blip r:embed="rId5"/>
-          <a:stretch>
-            <a:fillRect/>
-          </a:stretch>
-        </p:blipFill>
-        <p:spPr>
-          <a:xfrm>
-            <a:off x="8169602" y="1123837"/>
-            <a:ext cx="3619814" cy="4869602"/>
-          </a:xfrm>
-          <a:prstGeom prst="rect">
-            <a:avLst/>
-          </a:prstGeom>
-        </p:spPr>
-      </p:pic>
-      <p:sp>
-        <p:nvSpPr>
-          <p:cNvPr id="15" name="TextBox 14">
-            <a:extLst>
-              <a:ext uri="{FF2B5EF4-FFF2-40B4-BE49-F238E27FC236}">
-                <a16:creationId xmlns:a16="http://schemas.microsoft.com/office/drawing/2014/main" id="{0E112199-EF7E-4BC3-BA6D-7BC4EB7D57C7}"/>
+                <a16:creationId xmlns:a16="http://schemas.microsoft.com/office/drawing/2014/main" id="{D7C93AB8-9A3C-4195-94AE-08313A911385}"/>
               </a:ext>
             </a:extLst>
           </p:cNvPr>
@@ -13212,8 +15036,8 @@
         </p:nvSpPr>
         <p:spPr>
           <a:xfrm>
-            <a:off x="1371600" y="2958694"/>
-            <a:ext cx="6639959" cy="3046988"/>
+            <a:off x="5582722" y="5725020"/>
+            <a:ext cx="700833" cy="430887"/>
           </a:xfrm>
           <a:prstGeom prst="rect">
             <a:avLst/>
@@ -13227,68 +15051,23 @@
           <a:lstStyle/>
           <a:p>
             <a:r>
-              <a:rPr lang="ko-KR" altLang="en-US" sz="3200" dirty="0"/>
-              <a:t>테스트 데이터에 대해 </a:t>
-            </a:r>
-            <a:r>
-              <a:rPr lang="en-US" altLang="ko-KR" sz="3200" b="1" dirty="0">
-                <a:solidFill>
-                  <a:srgbClr val="FF0000"/>
-                </a:solidFill>
-              </a:rPr>
-              <a:t>86%</a:t>
-            </a:r>
-            <a:r>
-              <a:rPr lang="ko-KR" altLang="en-US" sz="3200" dirty="0"/>
-              <a:t>의 정확도</a:t>
-            </a:r>
-            <a:endParaRPr lang="en-US" altLang="ko-KR" sz="3200" dirty="0"/>
-          </a:p>
-          <a:p>
-            <a:r>
-              <a:rPr lang="ko-KR" altLang="en-US" sz="3200" dirty="0"/>
-              <a:t>손실률 높음</a:t>
-            </a:r>
-            <a:endParaRPr lang="en-US" altLang="ko-KR" sz="3200" dirty="0"/>
-          </a:p>
-          <a:p>
-            <a:r>
-              <a:rPr lang="en-US" altLang="ko-KR" sz="3200" dirty="0"/>
-              <a:t>-&gt; </a:t>
-            </a:r>
-            <a:r>
-              <a:rPr lang="ko-KR" altLang="en-US" sz="3200" dirty="0"/>
-              <a:t>모델이 너무 단순한 모델이어서 </a:t>
-            </a:r>
-            <a:endParaRPr lang="en-US" altLang="ko-KR" sz="3200" dirty="0"/>
-          </a:p>
-          <a:p>
-            <a:r>
-              <a:rPr lang="ko-KR" altLang="en-US" sz="3200" dirty="0"/>
-              <a:t>정확도가 많이 떨어짐</a:t>
-            </a:r>
-            <a:endParaRPr lang="en-US" altLang="ko-KR" sz="3200" dirty="0"/>
-          </a:p>
-          <a:p>
-            <a:endParaRPr lang="en-US" altLang="ko-KR" sz="3200" dirty="0"/>
-          </a:p>
-          <a:p>
-            <a:r>
-              <a:rPr lang="en-US" altLang="ko-KR" sz="3200" dirty="0"/>
-              <a:t>=&gt; </a:t>
-            </a:r>
-            <a:r>
-              <a:rPr lang="ko-KR" altLang="en-US" sz="3200" dirty="0"/>
-              <a:t>그래도 예측이 된다는 점에 의의</a:t>
-            </a:r>
-            <a:endParaRPr lang="en-US" altLang="ko-KR" sz="3200" dirty="0"/>
+              <a:rPr lang="en-US" altLang="ko-KR" sz="1050" b="1" dirty="0"/>
+              <a:t>8-tensor</a:t>
+            </a:r>
+          </a:p>
+          <a:p>
+            <a:r>
+              <a:rPr lang="en-US" altLang="ko-KR" sz="1050" b="1" dirty="0"/>
+              <a:t>  Layer</a:t>
+            </a:r>
+            <a:endParaRPr lang="ko-KR" altLang="en-US" sz="1050" b="1" dirty="0"/>
           </a:p>
         </p:txBody>
       </p:sp>
     </p:spTree>
     <p:extLst>
       <p:ext uri="{BB962C8B-B14F-4D97-AF65-F5344CB8AC3E}">
-        <p14:creationId xmlns:p14="http://schemas.microsoft.com/office/powerpoint/2010/main" val="1024922132"/>
+        <p14:creationId xmlns:p14="http://schemas.microsoft.com/office/powerpoint/2010/main" val="2850760943"/>
       </p:ext>
     </p:extLst>
   </p:cSld>
@@ -13834,12 +15613,6 @@
 </file>
 
 <file path=customXml/item2.xml><?xml version="1.0" encoding="utf-8"?>
-<p:properties xmlns:p="http://schemas.microsoft.com/office/2006/metadata/properties" xmlns:xsi="http://www.w3.org/2001/XMLSchema-instance" xmlns:pc="http://schemas.microsoft.com/office/infopath/2007/PartnerControls">
-  <documentManagement/>
-</p:properties>
-</file>
-
-<file path=customXml/item3.xml><?xml version="1.0" encoding="utf-8"?>
 <ct:contentTypeSchema xmlns:ct="http://schemas.microsoft.com/office/2006/metadata/contentType" xmlns:ma="http://schemas.microsoft.com/office/2006/metadata/properties/metaAttributes" ct:_="" ma:_="" ma:contentTypeName="문서" ma:contentTypeID="0x010100069E9B57EE2795448F0A5E9185979C4D" ma:contentTypeVersion="8" ma:contentTypeDescription="새 문서를 만듭니다." ma:contentTypeScope="" ma:versionID="ebe0296ce44ae013142285ed7e07a224">
   <xsd:schema xmlns:xsd="http://www.w3.org/2001/XMLSchema" xmlns:xs="http://www.w3.org/2001/XMLSchema" xmlns:p="http://schemas.microsoft.com/office/2006/metadata/properties" xmlns:ns3="830c12de-feef-4459-9b5f-ae8f8d246afc" targetNamespace="http://schemas.microsoft.com/office/2006/metadata/properties" ma:root="true" ma:fieldsID="9b81d5a7373f737e47b28cbf5b27ef70" ns3:_="">
     <xsd:import namespace="830c12de-feef-4459-9b5f-ae8f8d246afc"/>
@@ -14009,6 +15782,12 @@
 </ct:contentTypeSchema>
 </file>
 
+<file path=customXml/item3.xml><?xml version="1.0" encoding="utf-8"?>
+<p:properties xmlns:p="http://schemas.microsoft.com/office/2006/metadata/properties" xmlns:xsi="http://www.w3.org/2001/XMLSchema-instance" xmlns:pc="http://schemas.microsoft.com/office/infopath/2007/PartnerControls">
+  <documentManagement/>
+</p:properties>
+</file>
+
 <file path=customXml/itemProps1.xml><?xml version="1.0" encoding="utf-8"?>
 <ds:datastoreItem xmlns:ds="http://schemas.openxmlformats.org/officeDocument/2006/customXml" ds:itemID="{D5BAE4EC-A401-4A94-B3A5-9FF5C310C1D2}">
   <ds:schemaRefs>
@@ -14018,16 +15797,6 @@
 </file>
 
 <file path=customXml/itemProps2.xml><?xml version="1.0" encoding="utf-8"?>
-<ds:datastoreItem xmlns:ds="http://schemas.openxmlformats.org/officeDocument/2006/customXml" ds:itemID="{9063696C-3651-4B20-95C9-9D01E44F83E0}">
-  <ds:schemaRefs>
-    <ds:schemaRef ds:uri="http://schemas.microsoft.com/office/2006/metadata/properties"/>
-    <ds:schemaRef ds:uri="http://www.w3.org/2000/xmlns/"/>
-    <ds:schemaRef ds:uri="http://schemas.microsoft.com/office/infopath/2007/PartnerControls"/>
-  </ds:schemaRefs>
-</ds:datastoreItem>
-</file>
-
-<file path=customXml/itemProps3.xml><?xml version="1.0" encoding="utf-8"?>
 <ds:datastoreItem xmlns:ds="http://schemas.openxmlformats.org/officeDocument/2006/customXml" ds:itemID="{0EC03C6A-0A9D-4AA5-9D9B-E95566FFA593}">
   <ds:schemaRefs>
     <ds:schemaRef ds:uri="http://schemas.microsoft.com/office/2006/metadata/contentType"/>
@@ -14044,4 +15813,14 @@
     <ds:schemaRef ds:uri="http://schemas.microsoft.com/internal/obd"/>
   </ds:schemaRefs>
 </ds:datastoreItem>
+</file>
+
+<file path=customXml/itemProps3.xml><?xml version="1.0" encoding="utf-8"?>
+<ds:datastoreItem xmlns:ds="http://schemas.openxmlformats.org/officeDocument/2006/customXml" ds:itemID="{9063696C-3651-4B20-95C9-9D01E44F83E0}">
+  <ds:schemaRefs>
+    <ds:schemaRef ds:uri="http://schemas.microsoft.com/office/2006/metadata/properties"/>
+    <ds:schemaRef ds:uri="http://www.w3.org/2000/xmlns/"/>
+    <ds:schemaRef ds:uri="http://schemas.microsoft.com/office/infopath/2007/PartnerControls"/>
+  </ds:schemaRefs>
+</ds:datastoreItem>
 </file>
--- a/Reports/졸업과제 네번째 발표 2조.pptx
+++ b/Reports/졸업과제 네번째 발표 2조.pptx
@@ -15,10 +15,10 @@
     <p:sldId id="276" r:id="rId9"/>
     <p:sldId id="275" r:id="rId10"/>
     <p:sldId id="277" r:id="rId11"/>
-    <p:sldId id="281" r:id="rId12"/>
-    <p:sldId id="280" r:id="rId13"/>
-    <p:sldId id="273" r:id="rId14"/>
-    <p:sldId id="278" r:id="rId15"/>
+    <p:sldId id="278" r:id="rId12"/>
+    <p:sldId id="281" r:id="rId13"/>
+    <p:sldId id="280" r:id="rId14"/>
+    <p:sldId id="273" r:id="rId15"/>
     <p:sldId id="279" r:id="rId16"/>
     <p:sldId id="261" r:id="rId17"/>
     <p:sldId id="262" r:id="rId18"/>
@@ -673,7 +673,7 @@
     </p:spTree>
     <p:extLst>
       <p:ext uri="{BB962C8B-B14F-4D97-AF65-F5344CB8AC3E}">
-        <p14:creationId xmlns:p14="http://schemas.microsoft.com/office/powerpoint/2010/main" val="2758900858"/>
+        <p14:creationId xmlns:p14="http://schemas.microsoft.com/office/powerpoint/2010/main" val="4100247203"/>
       </p:ext>
     </p:extLst>
   </p:cSld>
@@ -727,7 +727,7 @@
           <a:bodyPr/>
           <a:lstStyle/>
           <a:p>
-            <a:endParaRPr lang="ko-KR" altLang="en-US" dirty="0"/>
+            <a:endParaRPr lang="en-US" altLang="ko-KR" dirty="0"/>
           </a:p>
         </p:txBody>
       </p:sp>
@@ -738,7 +738,7 @@
             <a:spLocks noGrp="1"/>
           </p:cNvSpPr>
           <p:nvPr>
-            <p:ph type="sldNum" sz="quarter" idx="10"/>
+            <p:ph type="sldNum" sz="quarter" idx="5"/>
           </p:nvPr>
         </p:nvSpPr>
         <p:spPr/>
@@ -757,7 +757,7 @@
     </p:spTree>
     <p:extLst>
       <p:ext uri="{BB962C8B-B14F-4D97-AF65-F5344CB8AC3E}">
-        <p14:creationId xmlns:p14="http://schemas.microsoft.com/office/powerpoint/2010/main" val="2122846067"/>
+        <p14:creationId xmlns:p14="http://schemas.microsoft.com/office/powerpoint/2010/main" val="2758900858"/>
       </p:ext>
     </p:extLst>
   </p:cSld>
@@ -2125,7 +2125,7 @@
     </p:spTree>
     <p:extLst>
       <p:ext uri="{BB962C8B-B14F-4D97-AF65-F5344CB8AC3E}">
-        <p14:creationId xmlns:p14="http://schemas.microsoft.com/office/powerpoint/2010/main" val="3762225479"/>
+        <p14:creationId xmlns:p14="http://schemas.microsoft.com/office/powerpoint/2010/main" val="2122846067"/>
       </p:ext>
     </p:extLst>
   </p:cSld>
@@ -2179,7 +2179,7 @@
           <a:bodyPr/>
           <a:lstStyle/>
           <a:p>
-            <a:endParaRPr lang="en-US" altLang="ko-KR" dirty="0"/>
+            <a:endParaRPr lang="ko-KR" altLang="en-US" dirty="0"/>
           </a:p>
         </p:txBody>
       </p:sp>
@@ -2190,7 +2190,7 @@
             <a:spLocks noGrp="1"/>
           </p:cNvSpPr>
           <p:nvPr>
-            <p:ph type="sldNum" sz="quarter" idx="5"/>
+            <p:ph type="sldNum" sz="quarter" idx="10"/>
           </p:nvPr>
         </p:nvSpPr>
         <p:spPr/>
@@ -2209,7 +2209,7 @@
     </p:spTree>
     <p:extLst>
       <p:ext uri="{BB962C8B-B14F-4D97-AF65-F5344CB8AC3E}">
-        <p14:creationId xmlns:p14="http://schemas.microsoft.com/office/powerpoint/2010/main" val="4100247203"/>
+        <p14:creationId xmlns:p14="http://schemas.microsoft.com/office/powerpoint/2010/main" val="3762225479"/>
       </p:ext>
     </p:extLst>
   </p:cSld>
@@ -5868,6 +5868,36 @@
           <a:chExt cx="0" cy="0"/>
         </a:xfrm>
       </p:grpSpPr>
+      <p:pic>
+        <p:nvPicPr>
+          <p:cNvPr id="13" name="그림 12" descr="스크린샷이(가) 표시된 사진&#10;&#10;자동 생성된 설명">
+            <a:extLst>
+              <a:ext uri="{FF2B5EF4-FFF2-40B4-BE49-F238E27FC236}">
+                <a16:creationId xmlns:a16="http://schemas.microsoft.com/office/drawing/2014/main" id="{B32F27EF-E504-4168-8FD9-B416D97F5B02}"/>
+              </a:ext>
+            </a:extLst>
+          </p:cNvPr>
+          <p:cNvPicPr>
+            <a:picLocks noChangeAspect="1"/>
+          </p:cNvPicPr>
+          <p:nvPr/>
+        </p:nvPicPr>
+        <p:blipFill>
+          <a:blip r:embed="rId3"/>
+          <a:stretch>
+            <a:fillRect/>
+          </a:stretch>
+        </p:blipFill>
+        <p:spPr>
+          <a:xfrm>
+            <a:off x="6360160" y="515168"/>
+            <a:ext cx="5377881" cy="5850829"/>
+          </a:xfrm>
+          <a:prstGeom prst="rect">
+            <a:avLst/>
+          </a:prstGeom>
+        </p:spPr>
+      </p:pic>
       <p:sp>
         <p:nvSpPr>
           <p:cNvPr id="2" name="제목 1">
@@ -5924,6 +5954,402 @@
               <a:rPr lang="en-US" smtClean="0"/>
               <a:pPr/>
               <a:t>10</a:t>
+            </a:fld>
+            <a:endParaRPr lang="en-US" dirty="0"/>
+          </a:p>
+        </p:txBody>
+      </p:sp>
+      <p:sp>
+        <p:nvSpPr>
+          <p:cNvPr id="4" name="날짜 개체 틀 3">
+            <a:extLst>
+              <a:ext uri="{FF2B5EF4-FFF2-40B4-BE49-F238E27FC236}">
+                <a16:creationId xmlns:a16="http://schemas.microsoft.com/office/drawing/2014/main" id="{4BB7EE5D-927A-4CCF-A1D8-4B1D0DBF2832}"/>
+              </a:ext>
+            </a:extLst>
+          </p:cNvPr>
+          <p:cNvSpPr>
+            <a:spLocks noGrp="1"/>
+          </p:cNvSpPr>
+          <p:nvPr>
+            <p:ph type="dt" sz="half" idx="10"/>
+          </p:nvPr>
+        </p:nvSpPr>
+        <p:spPr>
+          <a:xfrm>
+            <a:off x="0" y="6492875"/>
+            <a:ext cx="2743200" cy="365125"/>
+          </a:xfrm>
+        </p:spPr>
+        <p:txBody>
+          <a:bodyPr/>
+          <a:lstStyle/>
+          <a:p>
+            <a:fld id="{835A3A55-8703-4404-B685-585B47BF8635}" type="datetime1">
+              <a:rPr lang="ko-KR" altLang="en-US" smtClean="0"/>
+              <a:t>2020-07-17</a:t>
+            </a:fld>
+            <a:endParaRPr lang="en-US" dirty="0"/>
+          </a:p>
+        </p:txBody>
+      </p:sp>
+      <p:sp>
+        <p:nvSpPr>
+          <p:cNvPr id="6" name="바닥글 개체 틀 3">
+            <a:extLst>
+              <a:ext uri="{FF2B5EF4-FFF2-40B4-BE49-F238E27FC236}">
+                <a16:creationId xmlns:a16="http://schemas.microsoft.com/office/drawing/2014/main" id="{A60952EA-DD37-49FE-B649-1749C242F52B}"/>
+              </a:ext>
+            </a:extLst>
+          </p:cNvPr>
+          <p:cNvSpPr txBox="1">
+            <a:spLocks/>
+          </p:cNvSpPr>
+          <p:nvPr/>
+        </p:nvSpPr>
+        <p:spPr>
+          <a:xfrm>
+            <a:off x="3140241" y="150043"/>
+            <a:ext cx="5911517" cy="365125"/>
+          </a:xfrm>
+          <a:prstGeom prst="rect">
+            <a:avLst/>
+          </a:prstGeom>
+        </p:spPr>
+        <p:txBody>
+          <a:bodyPr vert="horz" lIns="91440" tIns="45720" rIns="91440" bIns="45720" rtlCol="0" anchor="ctr"/>
+          <a:lstStyle>
+            <a:defPPr>
+              <a:defRPr lang="en-US"/>
+            </a:defPPr>
+            <a:lvl1pPr marL="0" algn="l" defTabSz="457200" rtl="0" eaLnBrk="1" latinLnBrk="0" hangingPunct="1">
+              <a:defRPr sz="1100" kern="1200">
+                <a:solidFill>
+                  <a:schemeClr val="tx1">
+                    <a:lumMod val="50000"/>
+                    <a:lumOff val="50000"/>
+                  </a:schemeClr>
+                </a:solidFill>
+                <a:latin typeface="+mn-lt"/>
+                <a:ea typeface="+mn-ea"/>
+                <a:cs typeface="+mn-cs"/>
+              </a:defRPr>
+            </a:lvl1pPr>
+            <a:lvl2pPr marL="457200" algn="l" defTabSz="457200" rtl="0" eaLnBrk="1" latinLnBrk="0" hangingPunct="1">
+              <a:defRPr sz="1800" kern="1200">
+                <a:solidFill>
+                  <a:schemeClr val="tx1"/>
+                </a:solidFill>
+                <a:latin typeface="+mn-lt"/>
+                <a:ea typeface="+mn-ea"/>
+                <a:cs typeface="+mn-cs"/>
+              </a:defRPr>
+            </a:lvl2pPr>
+            <a:lvl3pPr marL="914400" algn="l" defTabSz="457200" rtl="0" eaLnBrk="1" latinLnBrk="0" hangingPunct="1">
+              <a:defRPr sz="1800" kern="1200">
+                <a:solidFill>
+                  <a:schemeClr val="tx1"/>
+                </a:solidFill>
+                <a:latin typeface="+mn-lt"/>
+                <a:ea typeface="+mn-ea"/>
+                <a:cs typeface="+mn-cs"/>
+              </a:defRPr>
+            </a:lvl3pPr>
+            <a:lvl4pPr marL="1371600" algn="l" defTabSz="457200" rtl="0" eaLnBrk="1" latinLnBrk="0" hangingPunct="1">
+              <a:defRPr sz="1800" kern="1200">
+                <a:solidFill>
+                  <a:schemeClr val="tx1"/>
+                </a:solidFill>
+                <a:latin typeface="+mn-lt"/>
+                <a:ea typeface="+mn-ea"/>
+                <a:cs typeface="+mn-cs"/>
+              </a:defRPr>
+            </a:lvl4pPr>
+            <a:lvl5pPr marL="1828800" algn="l" defTabSz="457200" rtl="0" eaLnBrk="1" latinLnBrk="0" hangingPunct="1">
+              <a:defRPr sz="1800" kern="1200">
+                <a:solidFill>
+                  <a:schemeClr val="tx1"/>
+                </a:solidFill>
+                <a:latin typeface="+mn-lt"/>
+                <a:ea typeface="+mn-ea"/>
+                <a:cs typeface="+mn-cs"/>
+              </a:defRPr>
+            </a:lvl5pPr>
+            <a:lvl6pPr marL="2286000" algn="l" defTabSz="457200" rtl="0" eaLnBrk="1" latinLnBrk="0" hangingPunct="1">
+              <a:defRPr sz="1800" kern="1200">
+                <a:solidFill>
+                  <a:schemeClr val="tx1"/>
+                </a:solidFill>
+                <a:latin typeface="+mn-lt"/>
+                <a:ea typeface="+mn-ea"/>
+                <a:cs typeface="+mn-cs"/>
+              </a:defRPr>
+            </a:lvl6pPr>
+            <a:lvl7pPr marL="2743200" algn="l" defTabSz="457200" rtl="0" eaLnBrk="1" latinLnBrk="0" hangingPunct="1">
+              <a:defRPr sz="1800" kern="1200">
+                <a:solidFill>
+                  <a:schemeClr val="tx1"/>
+                </a:solidFill>
+                <a:latin typeface="+mn-lt"/>
+                <a:ea typeface="+mn-ea"/>
+                <a:cs typeface="+mn-cs"/>
+              </a:defRPr>
+            </a:lvl7pPr>
+            <a:lvl8pPr marL="3200400" algn="l" defTabSz="457200" rtl="0" eaLnBrk="1" latinLnBrk="0" hangingPunct="1">
+              <a:defRPr sz="1800" kern="1200">
+                <a:solidFill>
+                  <a:schemeClr val="tx1"/>
+                </a:solidFill>
+                <a:latin typeface="+mn-lt"/>
+                <a:ea typeface="+mn-ea"/>
+                <a:cs typeface="+mn-cs"/>
+              </a:defRPr>
+            </a:lvl8pPr>
+            <a:lvl9pPr marL="3657600" algn="l" defTabSz="457200" rtl="0" eaLnBrk="1" latinLnBrk="0" hangingPunct="1">
+              <a:defRPr sz="1800" kern="1200">
+                <a:solidFill>
+                  <a:schemeClr val="tx1"/>
+                </a:solidFill>
+                <a:latin typeface="+mn-lt"/>
+                <a:ea typeface="+mn-ea"/>
+                <a:cs typeface="+mn-cs"/>
+              </a:defRPr>
+            </a:lvl9pPr>
+          </a:lstStyle>
+          <a:p>
+            <a:pPr algn="ctr"/>
+            <a:r>
+              <a:rPr lang="en-US" altLang="ko-KR" dirty="0"/>
+              <a:t>2020 </a:t>
+            </a:r>
+            <a:r>
+              <a:rPr lang="ko-KR" altLang="en-US" dirty="0"/>
+              <a:t>전기 졸업과제 팀 </a:t>
+            </a:r>
+            <a:r>
+              <a:rPr lang="en-US" altLang="ko-KR" dirty="0"/>
+              <a:t>38(ESLAB 2</a:t>
+            </a:r>
+            <a:r>
+              <a:rPr lang="ko-KR" altLang="en-US" dirty="0"/>
+              <a:t>조</a:t>
+            </a:r>
+            <a:r>
+              <a:rPr lang="en-US" altLang="ko-KR" dirty="0"/>
+              <a:t>)</a:t>
+            </a:r>
+          </a:p>
+          <a:p>
+            <a:pPr algn="ctr"/>
+            <a:r>
+              <a:rPr lang="en-US" altLang="ko-KR" dirty="0"/>
+              <a:t>[</a:t>
+            </a:r>
+            <a:r>
+              <a:rPr lang="ko-KR" altLang="en-US" dirty="0"/>
+              <a:t>여기에 팀 이름 입력</a:t>
+            </a:r>
+            <a:r>
+              <a:rPr lang="en-US" altLang="ko-KR" dirty="0"/>
+              <a:t>]</a:t>
+            </a:r>
+            <a:endParaRPr lang="en-US" dirty="0"/>
+          </a:p>
+        </p:txBody>
+      </p:sp>
+      <p:sp>
+        <p:nvSpPr>
+          <p:cNvPr id="7" name="TextBox 6">
+            <a:extLst>
+              <a:ext uri="{FF2B5EF4-FFF2-40B4-BE49-F238E27FC236}">
+                <a16:creationId xmlns:a16="http://schemas.microsoft.com/office/drawing/2014/main" id="{363584E5-9A0C-434C-BB6F-A44FDBA3DBBC}"/>
+              </a:ext>
+            </a:extLst>
+          </p:cNvPr>
+          <p:cNvSpPr txBox="1"/>
+          <p:nvPr/>
+        </p:nvSpPr>
+        <p:spPr>
+          <a:xfrm>
+            <a:off x="1118223" y="729025"/>
+            <a:ext cx="5558076" cy="553998"/>
+          </a:xfrm>
+          <a:prstGeom prst="rect">
+            <a:avLst/>
+          </a:prstGeom>
+          <a:noFill/>
+        </p:spPr>
+        <p:txBody>
+          <a:bodyPr wrap="square" rtlCol="0">
+            <a:spAutoFit/>
+          </a:bodyPr>
+          <a:lstStyle/>
+          <a:p>
+            <a:r>
+              <a:rPr lang="ko-KR" altLang="en-US" sz="3000" dirty="0"/>
+              <a:t>상태 분석 모델</a:t>
+            </a:r>
+          </a:p>
+        </p:txBody>
+      </p:sp>
+      <p:pic>
+        <p:nvPicPr>
+          <p:cNvPr id="9" name="그림 8" descr="텍스트, 지도이(가) 표시된 사진&#10;&#10;자동 생성된 설명">
+            <a:extLst>
+              <a:ext uri="{FF2B5EF4-FFF2-40B4-BE49-F238E27FC236}">
+                <a16:creationId xmlns:a16="http://schemas.microsoft.com/office/drawing/2014/main" id="{65755DFB-0CB1-4F30-A726-6824D03AB510}"/>
+              </a:ext>
+            </a:extLst>
+          </p:cNvPr>
+          <p:cNvPicPr>
+            <a:picLocks noChangeAspect="1"/>
+          </p:cNvPicPr>
+          <p:nvPr/>
+        </p:nvPicPr>
+        <p:blipFill>
+          <a:blip r:embed="rId4"/>
+          <a:stretch>
+            <a:fillRect/>
+          </a:stretch>
+        </p:blipFill>
+        <p:spPr>
+          <a:xfrm>
+            <a:off x="1118224" y="1253592"/>
+            <a:ext cx="5562760" cy="4471428"/>
+          </a:xfrm>
+          <a:prstGeom prst="rect">
+            <a:avLst/>
+          </a:prstGeom>
+        </p:spPr>
+      </p:pic>
+      <p:sp>
+        <p:nvSpPr>
+          <p:cNvPr id="10" name="TextBox 9">
+            <a:extLst>
+              <a:ext uri="{FF2B5EF4-FFF2-40B4-BE49-F238E27FC236}">
+                <a16:creationId xmlns:a16="http://schemas.microsoft.com/office/drawing/2014/main" id="{D7C93AB8-9A3C-4195-94AE-08313A911385}"/>
+              </a:ext>
+            </a:extLst>
+          </p:cNvPr>
+          <p:cNvSpPr txBox="1"/>
+          <p:nvPr/>
+        </p:nvSpPr>
+        <p:spPr>
+          <a:xfrm>
+            <a:off x="5582722" y="5725020"/>
+            <a:ext cx="700833" cy="430887"/>
+          </a:xfrm>
+          <a:prstGeom prst="rect">
+            <a:avLst/>
+          </a:prstGeom>
+          <a:noFill/>
+        </p:spPr>
+        <p:txBody>
+          <a:bodyPr wrap="none" rtlCol="0">
+            <a:spAutoFit/>
+          </a:bodyPr>
+          <a:lstStyle/>
+          <a:p>
+            <a:r>
+              <a:rPr lang="en-US" altLang="ko-KR" sz="1050" b="1" dirty="0"/>
+              <a:t>8-tensor</a:t>
+            </a:r>
+          </a:p>
+          <a:p>
+            <a:r>
+              <a:rPr lang="en-US" altLang="ko-KR" sz="1050" b="1" dirty="0"/>
+              <a:t>  Layer</a:t>
+            </a:r>
+            <a:endParaRPr lang="ko-KR" altLang="en-US" sz="1050" b="1" dirty="0"/>
+          </a:p>
+        </p:txBody>
+      </p:sp>
+    </p:spTree>
+    <p:extLst>
+      <p:ext uri="{BB962C8B-B14F-4D97-AF65-F5344CB8AC3E}">
+        <p14:creationId xmlns:p14="http://schemas.microsoft.com/office/powerpoint/2010/main" val="2850760943"/>
+      </p:ext>
+    </p:extLst>
+  </p:cSld>
+  <p:clrMapOvr>
+    <a:masterClrMapping/>
+  </p:clrMapOvr>
+</p:sld>
+</file>
+
+<file path=ppt/slides/slide11.xml><?xml version="1.0" encoding="utf-8"?>
+<p:sld xmlns:a="http://schemas.openxmlformats.org/drawingml/2006/main" xmlns:r="http://schemas.openxmlformats.org/officeDocument/2006/relationships" xmlns:p="http://schemas.openxmlformats.org/presentationml/2006/main">
+  <p:cSld>
+    <p:spTree>
+      <p:nvGrpSpPr>
+        <p:cNvPr id="1" name=""/>
+        <p:cNvGrpSpPr/>
+        <p:nvPr/>
+      </p:nvGrpSpPr>
+      <p:grpSpPr>
+        <a:xfrm>
+          <a:off x="0" y="0"/>
+          <a:ext cx="0" cy="0"/>
+          <a:chOff x="0" y="0"/>
+          <a:chExt cx="0" cy="0"/>
+        </a:xfrm>
+      </p:grpSpPr>
+      <p:sp>
+        <p:nvSpPr>
+          <p:cNvPr id="2" name="제목 1">
+            <a:extLst>
+              <a:ext uri="{FF2B5EF4-FFF2-40B4-BE49-F238E27FC236}">
+                <a16:creationId xmlns:a16="http://schemas.microsoft.com/office/drawing/2014/main" id="{F527D3A4-2476-4C9D-B594-1FA1ED3CFA2B}"/>
+              </a:ext>
+            </a:extLst>
+          </p:cNvPr>
+          <p:cNvSpPr>
+            <a:spLocks noGrp="1"/>
+          </p:cNvSpPr>
+          <p:nvPr>
+            <p:ph type="title"/>
+          </p:nvPr>
+        </p:nvSpPr>
+        <p:spPr/>
+        <p:txBody>
+          <a:bodyPr>
+            <a:normAutofit/>
+          </a:bodyPr>
+          <a:lstStyle/>
+          <a:p>
+            <a:r>
+              <a:rPr lang="ko-KR" altLang="en-US" sz="3600" b="1" dirty="0"/>
+              <a:t>현재 진행 상황</a:t>
+            </a:r>
+            <a:endParaRPr lang="ko-KR" altLang="en-US" sz="3500" b="1" dirty="0"/>
+          </a:p>
+        </p:txBody>
+      </p:sp>
+      <p:sp>
+        <p:nvSpPr>
+          <p:cNvPr id="5" name="슬라이드 번호 개체 틀 4">
+            <a:extLst>
+              <a:ext uri="{FF2B5EF4-FFF2-40B4-BE49-F238E27FC236}">
+                <a16:creationId xmlns:a16="http://schemas.microsoft.com/office/drawing/2014/main" id="{B94218F4-8846-4E3F-853A-5F8555B0F85A}"/>
+              </a:ext>
+            </a:extLst>
+          </p:cNvPr>
+          <p:cNvSpPr>
+            <a:spLocks noGrp="1"/>
+          </p:cNvSpPr>
+          <p:nvPr>
+            <p:ph type="sldNum" sz="quarter" idx="12"/>
+          </p:nvPr>
+        </p:nvSpPr>
+        <p:spPr/>
+        <p:txBody>
+          <a:bodyPr/>
+          <a:lstStyle/>
+          <a:p>
+            <a:fld id="{4FAB73BC-B049-4115-A692-8D63A059BFB8}" type="slidenum">
+              <a:rPr lang="en-US" smtClean="0"/>
+              <a:pPr/>
+              <a:t>11</a:t>
             </a:fld>
             <a:endParaRPr lang="en-US" dirty="0"/>
           </a:p>
@@ -6370,412 +6796,6 @@
 </p:sld>
 </file>
 
-<file path=ppt/slides/slide11.xml><?xml version="1.0" encoding="utf-8"?>
-<p:sld xmlns:a="http://schemas.openxmlformats.org/drawingml/2006/main" xmlns:r="http://schemas.openxmlformats.org/officeDocument/2006/relationships" xmlns:p="http://schemas.openxmlformats.org/presentationml/2006/main">
-  <p:cSld>
-    <p:spTree>
-      <p:nvGrpSpPr>
-        <p:cNvPr id="1" name=""/>
-        <p:cNvGrpSpPr/>
-        <p:nvPr/>
-      </p:nvGrpSpPr>
-      <p:grpSpPr>
-        <a:xfrm>
-          <a:off x="0" y="0"/>
-          <a:ext cx="0" cy="0"/>
-          <a:chOff x="0" y="0"/>
-          <a:chExt cx="0" cy="0"/>
-        </a:xfrm>
-      </p:grpSpPr>
-      <p:sp>
-        <p:nvSpPr>
-          <p:cNvPr id="2" name="제목 1">
-            <a:extLst>
-              <a:ext uri="{FF2B5EF4-FFF2-40B4-BE49-F238E27FC236}">
-                <a16:creationId xmlns:a16="http://schemas.microsoft.com/office/drawing/2014/main" id="{DCF95126-78F4-44B0-AA86-107F55589E24}"/>
-              </a:ext>
-            </a:extLst>
-          </p:cNvPr>
-          <p:cNvSpPr>
-            <a:spLocks noGrp="1"/>
-          </p:cNvSpPr>
-          <p:nvPr>
-            <p:ph type="title"/>
-          </p:nvPr>
-        </p:nvSpPr>
-        <p:spPr/>
-        <p:txBody>
-          <a:bodyPr>
-            <a:noAutofit/>
-          </a:bodyPr>
-          <a:lstStyle/>
-          <a:p>
-            <a:pPr algn="ctr"/>
-            <a:r>
-              <a:rPr lang="ko-KR" altLang="en-US" sz="3200" b="1" dirty="0"/>
-              <a:t>현재 진행 상황</a:t>
-            </a:r>
-          </a:p>
-        </p:txBody>
-      </p:sp>
-      <p:sp>
-        <p:nvSpPr>
-          <p:cNvPr id="3" name="내용 개체 틀 2">
-            <a:extLst>
-              <a:ext uri="{FF2B5EF4-FFF2-40B4-BE49-F238E27FC236}">
-                <a16:creationId xmlns:a16="http://schemas.microsoft.com/office/drawing/2014/main" id="{F77CE3EF-26CF-4C89-A463-B0CE7D91F570}"/>
-              </a:ext>
-            </a:extLst>
-          </p:cNvPr>
-          <p:cNvSpPr>
-            <a:spLocks noGrp="1"/>
-          </p:cNvSpPr>
-          <p:nvPr>
-            <p:ph idx="1"/>
-          </p:nvPr>
-        </p:nvSpPr>
-        <p:spPr>
-          <a:xfrm>
-            <a:off x="1085221" y="864108"/>
-            <a:ext cx="10721591" cy="5120640"/>
-          </a:xfrm>
-        </p:spPr>
-        <p:txBody>
-          <a:bodyPr>
-            <a:normAutofit/>
-          </a:bodyPr>
-          <a:lstStyle/>
-          <a:p>
-            <a:pPr>
-              <a:spcBef>
-                <a:spcPts val="2400"/>
-              </a:spcBef>
-            </a:pPr>
-            <a:r>
-              <a:rPr lang="ko-KR" altLang="en-US" sz="3200" dirty="0"/>
-              <a:t>실제 차량의 센서 데이터 습득</a:t>
-            </a:r>
-            <a:endParaRPr lang="en-US" altLang="ko-KR" sz="3200" dirty="0"/>
-          </a:p>
-          <a:p>
-            <a:pPr>
-              <a:spcBef>
-                <a:spcPts val="2400"/>
-              </a:spcBef>
-            </a:pPr>
-            <a:r>
-              <a:rPr lang="ko-KR" altLang="en-US" sz="3200" dirty="0"/>
-              <a:t>시뮬레이션 데이터와의 차이점 확인</a:t>
-            </a:r>
-            <a:endParaRPr lang="en-US" altLang="ko-KR" sz="3200" dirty="0"/>
-          </a:p>
-          <a:p>
-            <a:pPr>
-              <a:spcBef>
-                <a:spcPts val="2400"/>
-              </a:spcBef>
-            </a:pPr>
-            <a:r>
-              <a:rPr lang="ko-KR" altLang="en-US" sz="3200" dirty="0"/>
-              <a:t>시뮬레이션 데이터를 실제 차량 데이터와 비슷하게 정규화</a:t>
-            </a:r>
-            <a:endParaRPr lang="en-US" altLang="ko-KR" sz="3200" dirty="0"/>
-          </a:p>
-          <a:p>
-            <a:pPr>
-              <a:spcBef>
-                <a:spcPts val="2400"/>
-              </a:spcBef>
-            </a:pPr>
-            <a:r>
-              <a:rPr lang="ko-KR" altLang="en-US" sz="3200" dirty="0"/>
-              <a:t>정규화 된 데이터에 맞게 모델 재설계</a:t>
-            </a:r>
-            <a:endParaRPr lang="en-US" altLang="ko-KR" sz="3200" dirty="0"/>
-          </a:p>
-        </p:txBody>
-      </p:sp>
-      <p:sp>
-        <p:nvSpPr>
-          <p:cNvPr id="5" name="슬라이드 번호 개체 틀 4">
-            <a:extLst>
-              <a:ext uri="{FF2B5EF4-FFF2-40B4-BE49-F238E27FC236}">
-                <a16:creationId xmlns:a16="http://schemas.microsoft.com/office/drawing/2014/main" id="{697479EF-A19F-4427-84A0-1ED090411FD0}"/>
-              </a:ext>
-            </a:extLst>
-          </p:cNvPr>
-          <p:cNvSpPr>
-            <a:spLocks noGrp="1"/>
-          </p:cNvSpPr>
-          <p:nvPr>
-            <p:ph type="sldNum" sz="quarter" idx="12"/>
-          </p:nvPr>
-        </p:nvSpPr>
-        <p:spPr/>
-        <p:txBody>
-          <a:bodyPr/>
-          <a:lstStyle/>
-          <a:p>
-            <a:fld id="{4FAB73BC-B049-4115-A692-8D63A059BFB8}" type="slidenum">
-              <a:rPr lang="en-US" smtClean="0"/>
-              <a:pPr/>
-              <a:t>11</a:t>
-            </a:fld>
-            <a:endParaRPr lang="en-US" dirty="0"/>
-          </a:p>
-        </p:txBody>
-      </p:sp>
-      <p:sp>
-        <p:nvSpPr>
-          <p:cNvPr id="4" name="날짜 개체 틀 3">
-            <a:extLst>
-              <a:ext uri="{FF2B5EF4-FFF2-40B4-BE49-F238E27FC236}">
-                <a16:creationId xmlns:a16="http://schemas.microsoft.com/office/drawing/2014/main" id="{97905E41-4DA2-442F-8CC2-64E7A53076B1}"/>
-              </a:ext>
-            </a:extLst>
-          </p:cNvPr>
-          <p:cNvSpPr>
-            <a:spLocks noGrp="1"/>
-          </p:cNvSpPr>
-          <p:nvPr>
-            <p:ph type="dt" sz="half" idx="10"/>
-          </p:nvPr>
-        </p:nvSpPr>
-        <p:spPr>
-          <a:xfrm>
-            <a:off x="0" y="6492875"/>
-            <a:ext cx="2743200" cy="365125"/>
-          </a:xfrm>
-        </p:spPr>
-        <p:txBody>
-          <a:bodyPr/>
-          <a:lstStyle/>
-          <a:p>
-            <a:fld id="{793FA439-1AF0-4114-85D0-94817C2CD7F4}" type="datetime1">
-              <a:rPr lang="ko-KR" altLang="en-US" smtClean="0"/>
-              <a:t>2020-07-17</a:t>
-            </a:fld>
-            <a:endParaRPr lang="en-US" dirty="0"/>
-          </a:p>
-        </p:txBody>
-      </p:sp>
-      <p:sp>
-        <p:nvSpPr>
-          <p:cNvPr id="6" name="바닥글 개체 틀 3">
-            <a:extLst>
-              <a:ext uri="{FF2B5EF4-FFF2-40B4-BE49-F238E27FC236}">
-                <a16:creationId xmlns:a16="http://schemas.microsoft.com/office/drawing/2014/main" id="{29675F6E-AB95-42A8-B21F-DF220282D235}"/>
-              </a:ext>
-            </a:extLst>
-          </p:cNvPr>
-          <p:cNvSpPr txBox="1">
-            <a:spLocks/>
-          </p:cNvSpPr>
-          <p:nvPr/>
-        </p:nvSpPr>
-        <p:spPr>
-          <a:xfrm>
-            <a:off x="3140241" y="150043"/>
-            <a:ext cx="5911517" cy="365125"/>
-          </a:xfrm>
-          <a:prstGeom prst="rect">
-            <a:avLst/>
-          </a:prstGeom>
-        </p:spPr>
-        <p:txBody>
-          <a:bodyPr vert="horz" lIns="91440" tIns="45720" rIns="91440" bIns="45720" rtlCol="0" anchor="ctr"/>
-          <a:lstStyle>
-            <a:defPPr>
-              <a:defRPr lang="en-US"/>
-            </a:defPPr>
-            <a:lvl1pPr marL="0" algn="l" defTabSz="457200" rtl="0" eaLnBrk="1" latinLnBrk="0" hangingPunct="1">
-              <a:defRPr sz="1100" kern="1200">
-                <a:solidFill>
-                  <a:schemeClr val="tx1">
-                    <a:lumMod val="50000"/>
-                    <a:lumOff val="50000"/>
-                  </a:schemeClr>
-                </a:solidFill>
-                <a:latin typeface="+mn-lt"/>
-                <a:ea typeface="+mn-ea"/>
-                <a:cs typeface="+mn-cs"/>
-              </a:defRPr>
-            </a:lvl1pPr>
-            <a:lvl2pPr marL="457200" algn="l" defTabSz="457200" rtl="0" eaLnBrk="1" latinLnBrk="0" hangingPunct="1">
-              <a:defRPr sz="1800" kern="1200">
-                <a:solidFill>
-                  <a:schemeClr val="tx1"/>
-                </a:solidFill>
-                <a:latin typeface="+mn-lt"/>
-                <a:ea typeface="+mn-ea"/>
-                <a:cs typeface="+mn-cs"/>
-              </a:defRPr>
-            </a:lvl2pPr>
-            <a:lvl3pPr marL="914400" algn="l" defTabSz="457200" rtl="0" eaLnBrk="1" latinLnBrk="0" hangingPunct="1">
-              <a:defRPr sz="1800" kern="1200">
-                <a:solidFill>
-                  <a:schemeClr val="tx1"/>
-                </a:solidFill>
-                <a:latin typeface="+mn-lt"/>
-                <a:ea typeface="+mn-ea"/>
-                <a:cs typeface="+mn-cs"/>
-              </a:defRPr>
-            </a:lvl3pPr>
-            <a:lvl4pPr marL="1371600" algn="l" defTabSz="457200" rtl="0" eaLnBrk="1" latinLnBrk="0" hangingPunct="1">
-              <a:defRPr sz="1800" kern="1200">
-                <a:solidFill>
-                  <a:schemeClr val="tx1"/>
-                </a:solidFill>
-                <a:latin typeface="+mn-lt"/>
-                <a:ea typeface="+mn-ea"/>
-                <a:cs typeface="+mn-cs"/>
-              </a:defRPr>
-            </a:lvl4pPr>
-            <a:lvl5pPr marL="1828800" algn="l" defTabSz="457200" rtl="0" eaLnBrk="1" latinLnBrk="0" hangingPunct="1">
-              <a:defRPr sz="1800" kern="1200">
-                <a:solidFill>
-                  <a:schemeClr val="tx1"/>
-                </a:solidFill>
-                <a:latin typeface="+mn-lt"/>
-                <a:ea typeface="+mn-ea"/>
-                <a:cs typeface="+mn-cs"/>
-              </a:defRPr>
-            </a:lvl5pPr>
-            <a:lvl6pPr marL="2286000" algn="l" defTabSz="457200" rtl="0" eaLnBrk="1" latinLnBrk="0" hangingPunct="1">
-              <a:defRPr sz="1800" kern="1200">
-                <a:solidFill>
-                  <a:schemeClr val="tx1"/>
-                </a:solidFill>
-                <a:latin typeface="+mn-lt"/>
-                <a:ea typeface="+mn-ea"/>
-                <a:cs typeface="+mn-cs"/>
-              </a:defRPr>
-            </a:lvl6pPr>
-            <a:lvl7pPr marL="2743200" algn="l" defTabSz="457200" rtl="0" eaLnBrk="1" latinLnBrk="0" hangingPunct="1">
-              <a:defRPr sz="1800" kern="1200">
-                <a:solidFill>
-                  <a:schemeClr val="tx1"/>
-                </a:solidFill>
-                <a:latin typeface="+mn-lt"/>
-                <a:ea typeface="+mn-ea"/>
-                <a:cs typeface="+mn-cs"/>
-              </a:defRPr>
-            </a:lvl7pPr>
-            <a:lvl8pPr marL="3200400" algn="l" defTabSz="457200" rtl="0" eaLnBrk="1" latinLnBrk="0" hangingPunct="1">
-              <a:defRPr sz="1800" kern="1200">
-                <a:solidFill>
-                  <a:schemeClr val="tx1"/>
-                </a:solidFill>
-                <a:latin typeface="+mn-lt"/>
-                <a:ea typeface="+mn-ea"/>
-                <a:cs typeface="+mn-cs"/>
-              </a:defRPr>
-            </a:lvl8pPr>
-            <a:lvl9pPr marL="3657600" algn="l" defTabSz="457200" rtl="0" eaLnBrk="1" latinLnBrk="0" hangingPunct="1">
-              <a:defRPr sz="1800" kern="1200">
-                <a:solidFill>
-                  <a:schemeClr val="tx1"/>
-                </a:solidFill>
-                <a:latin typeface="+mn-lt"/>
-                <a:ea typeface="+mn-ea"/>
-                <a:cs typeface="+mn-cs"/>
-              </a:defRPr>
-            </a:lvl9pPr>
-          </a:lstStyle>
-          <a:p>
-            <a:pPr algn="ctr"/>
-            <a:r>
-              <a:rPr lang="en-US" altLang="ko-KR" dirty="0"/>
-              <a:t>2020 </a:t>
-            </a:r>
-            <a:r>
-              <a:rPr lang="ko-KR" altLang="en-US" dirty="0"/>
-              <a:t>전기 졸업과제 팀 </a:t>
-            </a:r>
-            <a:r>
-              <a:rPr lang="en-US" altLang="ko-KR" dirty="0"/>
-              <a:t>38(ESLAB 2</a:t>
-            </a:r>
-            <a:r>
-              <a:rPr lang="ko-KR" altLang="en-US" dirty="0"/>
-              <a:t>조</a:t>
-            </a:r>
-            <a:r>
-              <a:rPr lang="en-US" altLang="ko-KR" dirty="0"/>
-              <a:t>)</a:t>
-            </a:r>
-          </a:p>
-          <a:p>
-            <a:pPr algn="ctr"/>
-            <a:r>
-              <a:rPr lang="en-US" altLang="ko-KR" dirty="0"/>
-              <a:t>[</a:t>
-            </a:r>
-            <a:r>
-              <a:rPr lang="ko-KR" altLang="en-US" dirty="0"/>
-              <a:t>여기에 팀 이름 입력</a:t>
-            </a:r>
-            <a:r>
-              <a:rPr lang="en-US" altLang="ko-KR" dirty="0"/>
-              <a:t>]</a:t>
-            </a:r>
-            <a:endParaRPr lang="en-US" dirty="0"/>
-          </a:p>
-        </p:txBody>
-      </p:sp>
-      <p:sp>
-        <p:nvSpPr>
-          <p:cNvPr id="7" name="TextBox 6">
-            <a:extLst>
-              <a:ext uri="{FF2B5EF4-FFF2-40B4-BE49-F238E27FC236}">
-                <a16:creationId xmlns:a16="http://schemas.microsoft.com/office/drawing/2014/main" id="{DF921F7D-E495-4662-8CA2-B81784899F14}"/>
-              </a:ext>
-            </a:extLst>
-          </p:cNvPr>
-          <p:cNvSpPr txBox="1"/>
-          <p:nvPr/>
-        </p:nvSpPr>
-        <p:spPr>
-          <a:xfrm>
-            <a:off x="1321141" y="949884"/>
-            <a:ext cx="9312994" cy="707886"/>
-          </a:xfrm>
-          <a:prstGeom prst="rect">
-            <a:avLst/>
-          </a:prstGeom>
-          <a:noFill/>
-        </p:spPr>
-        <p:txBody>
-          <a:bodyPr wrap="square" rtlCol="0">
-            <a:spAutoFit/>
-          </a:bodyPr>
-          <a:lstStyle/>
-          <a:p>
-            <a:r>
-              <a:rPr lang="ko-KR" altLang="en-US" sz="4000" dirty="0"/>
-              <a:t>실제 차량 센서 </a:t>
-            </a:r>
-            <a:r>
-              <a:rPr lang="ko-KR" altLang="en-US" sz="4000"/>
-              <a:t>데이터 획득 및 분석 시작 </a:t>
-            </a:r>
-            <a:endParaRPr lang="ko-KR" altLang="en-US" sz="4000" dirty="0"/>
-          </a:p>
-        </p:txBody>
-      </p:sp>
-    </p:spTree>
-    <p:extLst>
-      <p:ext uri="{BB962C8B-B14F-4D97-AF65-F5344CB8AC3E}">
-        <p14:creationId xmlns:p14="http://schemas.microsoft.com/office/powerpoint/2010/main" val="1834372175"/>
-      </p:ext>
-    </p:extLst>
-  </p:cSld>
-  <p:clrMapOvr>
-    <a:masterClrMapping/>
-  </p:clrMapOvr>
-</p:sld>
-</file>
-
 <file path=ppt/slides/slide12.xml><?xml version="1.0" encoding="utf-8"?>
 <p:sld xmlns:a="http://schemas.openxmlformats.org/drawingml/2006/main" xmlns:r="http://schemas.openxmlformats.org/officeDocument/2006/relationships" xmlns:p="http://schemas.openxmlformats.org/presentationml/2006/main">
   <p:cSld>
@@ -7424,7 +7444,7 @@
             </a:r>
             <a:r>
               <a:rPr lang="ko-KR" altLang="en-US" sz="2400" dirty="0"/>
-              <a:t>우측 커브에 대해 구별 가능한 모델 구현</a:t>
+              <a:t>우측 커브에 대해 구별 가능하도록 모델 학습</a:t>
             </a:r>
             <a:endParaRPr lang="en-US" altLang="ko-KR" sz="2400" dirty="0"/>
           </a:p>
@@ -13313,7 +13333,7 @@
             </a:pPr>
             <a:r>
               <a:rPr lang="ko-KR" altLang="en-US" sz="3200" dirty="0"/>
-              <a:t>실제 테스트 용으로 연속된 주행의 데이터</a:t>
+              <a:t>실제 테스트 용으로 연속된 주행의 데이터 수집</a:t>
             </a:r>
             <a:endParaRPr lang="en-US" altLang="ko-KR" sz="3200" dirty="0"/>
           </a:p>
@@ -14204,8 +14224,8 @@
         </p:nvSpPr>
         <p:spPr>
           <a:xfrm>
-            <a:off x="1321142" y="864108"/>
-            <a:ext cx="10263986" cy="5993892"/>
+            <a:off x="1085221" y="864108"/>
+            <a:ext cx="10721591" cy="5120640"/>
           </a:xfrm>
         </p:spPr>
         <p:txBody>
@@ -14214,164 +14234,52 @@
           </a:bodyPr>
           <a:lstStyle/>
           <a:p>
-            <a:pPr marL="0" indent="0">
+            <a:pPr>
               <a:spcBef>
                 <a:spcPts val="2400"/>
               </a:spcBef>
-              <a:buNone/>
             </a:pPr>
             <a:r>
-              <a:rPr lang="en-US" altLang="ko-KR" sz="3600" dirty="0"/>
-              <a:t>0.</a:t>
-            </a:r>
-            <a:r>
-              <a:rPr lang="ko-KR" altLang="en-US" sz="3600" dirty="0"/>
-              <a:t> 직진</a:t>
-            </a:r>
-            <a:endParaRPr lang="en-US" altLang="ko-KR" sz="3600" dirty="0"/>
-          </a:p>
-          <a:p>
-            <a:pPr marL="0" indent="0">
+              <a:rPr lang="ko-KR" altLang="en-US" sz="3200" dirty="0"/>
+              <a:t>실제 차량의 센서 데이터 습득</a:t>
+            </a:r>
+            <a:endParaRPr lang="en-US" altLang="ko-KR" sz="3200" dirty="0"/>
+          </a:p>
+          <a:p>
+            <a:pPr>
               <a:spcBef>
                 <a:spcPts val="2400"/>
               </a:spcBef>
-              <a:buNone/>
             </a:pPr>
             <a:r>
-              <a:rPr lang="en-US" altLang="ko-KR" sz="3600" dirty="0"/>
-              <a:t>1. </a:t>
-            </a:r>
-            <a:r>
-              <a:rPr lang="ko-KR" altLang="en-US" sz="3600" dirty="0"/>
-              <a:t>좌회전</a:t>
-            </a:r>
-            <a:r>
-              <a:rPr lang="en-US" altLang="ko-KR" sz="3600" dirty="0"/>
-              <a:t>				2. </a:t>
-            </a:r>
-            <a:r>
-              <a:rPr lang="ko-KR" altLang="en-US" sz="3600" dirty="0"/>
-              <a:t>우회전</a:t>
-            </a:r>
-            <a:endParaRPr lang="en-US" altLang="ko-KR" sz="3600" dirty="0"/>
-          </a:p>
-          <a:p>
-            <a:pPr marL="0" indent="0">
+              <a:rPr lang="ko-KR" altLang="en-US" sz="3200" dirty="0"/>
+              <a:t>시뮬레이션 데이터와의 차이점 확인</a:t>
+            </a:r>
+            <a:endParaRPr lang="en-US" altLang="ko-KR" sz="3200" dirty="0"/>
+          </a:p>
+          <a:p>
+            <a:pPr>
               <a:spcBef>
                 <a:spcPts val="2400"/>
               </a:spcBef>
-              <a:buNone/>
             </a:pPr>
             <a:r>
-              <a:rPr lang="en-US" altLang="ko-KR" sz="3600" dirty="0"/>
-              <a:t>3. </a:t>
-            </a:r>
-            <a:r>
-              <a:rPr lang="ko-KR" altLang="en-US" sz="3600" dirty="0"/>
-              <a:t>차선 변경</a:t>
-            </a:r>
-            <a:r>
-              <a:rPr lang="en-US" altLang="ko-KR" sz="3600" dirty="0"/>
-              <a:t>(</a:t>
-            </a:r>
-            <a:r>
-              <a:rPr lang="ko-KR" altLang="en-US" sz="3600" dirty="0"/>
-              <a:t>좌</a:t>
-            </a:r>
-            <a:r>
-              <a:rPr lang="en-US" altLang="ko-KR" sz="3600" dirty="0"/>
-              <a:t>)		4. </a:t>
-            </a:r>
-            <a:r>
-              <a:rPr lang="ko-KR" altLang="en-US" sz="3600" dirty="0"/>
-              <a:t>차선 변경</a:t>
-            </a:r>
-            <a:r>
-              <a:rPr lang="en-US" altLang="ko-KR" sz="3600" dirty="0"/>
-              <a:t>(</a:t>
-            </a:r>
-            <a:r>
-              <a:rPr lang="ko-KR" altLang="en-US" sz="3600" dirty="0"/>
-              <a:t>우</a:t>
-            </a:r>
-            <a:r>
-              <a:rPr lang="en-US" altLang="ko-KR" sz="3600" dirty="0"/>
-              <a:t>)</a:t>
-            </a:r>
-          </a:p>
-          <a:p>
-            <a:pPr marL="0" indent="0">
+              <a:rPr lang="ko-KR" altLang="en-US" sz="3200" dirty="0"/>
+              <a:t>시뮬레이션 데이터를 실제 차량 데이터와 비슷하게 정규화</a:t>
+            </a:r>
+            <a:endParaRPr lang="en-US" altLang="ko-KR" sz="3200" dirty="0"/>
+          </a:p>
+          <a:p>
+            <a:pPr>
               <a:spcBef>
                 <a:spcPts val="2400"/>
               </a:spcBef>
-              <a:buNone/>
             </a:pPr>
             <a:r>
-              <a:rPr lang="en-US" altLang="ko-KR" sz="3600" dirty="0"/>
-              <a:t>5. </a:t>
-            </a:r>
-            <a:r>
-              <a:rPr lang="ko-KR" altLang="en-US" sz="3600" dirty="0"/>
-              <a:t>커브</a:t>
-            </a:r>
-            <a:r>
-              <a:rPr lang="en-US" altLang="ko-KR" sz="3600" dirty="0"/>
-              <a:t>(</a:t>
-            </a:r>
-            <a:r>
-              <a:rPr lang="ko-KR" altLang="en-US" sz="3600" dirty="0"/>
-              <a:t>좌</a:t>
-            </a:r>
-            <a:r>
-              <a:rPr lang="en-US" altLang="ko-KR" sz="3600" dirty="0"/>
-              <a:t>) – </a:t>
-            </a:r>
-            <a:r>
-              <a:rPr lang="ko-KR" altLang="en-US" sz="3600" dirty="0"/>
-              <a:t>예정</a:t>
-            </a:r>
-            <a:r>
-              <a:rPr lang="en-US" altLang="ko-KR" sz="3600" dirty="0"/>
-              <a:t>		6.</a:t>
-            </a:r>
-            <a:r>
-              <a:rPr lang="ko-KR" altLang="en-US" sz="3600" dirty="0"/>
-              <a:t>커브</a:t>
-            </a:r>
-            <a:r>
-              <a:rPr lang="en-US" altLang="ko-KR" sz="3600" dirty="0"/>
-              <a:t>(</a:t>
-            </a:r>
-            <a:r>
-              <a:rPr lang="ko-KR" altLang="en-US" sz="3600" dirty="0"/>
-              <a:t>우</a:t>
-            </a:r>
-            <a:r>
-              <a:rPr lang="en-US" altLang="ko-KR" sz="3600" dirty="0"/>
-              <a:t>) – </a:t>
-            </a:r>
-            <a:r>
-              <a:rPr lang="ko-KR" altLang="en-US" sz="3600" dirty="0"/>
-              <a:t>예정</a:t>
-            </a:r>
-            <a:endParaRPr lang="en-US" altLang="ko-KR" sz="3600" dirty="0"/>
-          </a:p>
-          <a:p>
-            <a:pPr marL="0" indent="0">
-              <a:spcBef>
-                <a:spcPts val="2400"/>
-              </a:spcBef>
-              <a:buNone/>
-            </a:pPr>
-            <a:r>
-              <a:rPr lang="en-US" altLang="ko-KR" sz="3600" dirty="0"/>
-              <a:t>7. </a:t>
-            </a:r>
-            <a:r>
-              <a:rPr lang="ko-KR" altLang="en-US" sz="3600" dirty="0"/>
-              <a:t>정지</a:t>
-            </a:r>
-            <a:endParaRPr lang="en-US" altLang="ko-KR" sz="3600" dirty="0"/>
+              <a:rPr lang="ko-KR" altLang="en-US" sz="3200" dirty="0"/>
+              <a:t>정규화 된 데이터에 맞게 모델 재설계</a:t>
+            </a:r>
+            <a:endParaRPr lang="en-US" altLang="ko-KR" sz="3200" dirty="0"/>
           </a:p>
         </p:txBody>
       </p:sp>
@@ -14617,8 +14525,8 @@
         </p:nvSpPr>
         <p:spPr>
           <a:xfrm>
-            <a:off x="1321142" y="949884"/>
-            <a:ext cx="6372430" cy="707886"/>
+            <a:off x="1321141" y="949884"/>
+            <a:ext cx="9312994" cy="707886"/>
           </a:xfrm>
           <a:prstGeom prst="rect">
             <a:avLst/>
@@ -14633,15 +14541,20 @@
           <a:p>
             <a:r>
               <a:rPr lang="ko-KR" altLang="en-US" sz="4000" dirty="0"/>
-              <a:t>분석 차량 상태</a:t>
-            </a:r>
+              <a:t>실제 차량 센서 </a:t>
+            </a:r>
+            <a:r>
+              <a:rPr lang="ko-KR" altLang="en-US" sz="4000"/>
+              <a:t>데이터 획득 및 분석 시작 </a:t>
+            </a:r>
+            <a:endParaRPr lang="ko-KR" altLang="en-US" sz="4000" dirty="0"/>
           </a:p>
         </p:txBody>
       </p:sp>
     </p:spTree>
     <p:extLst>
       <p:ext uri="{BB962C8B-B14F-4D97-AF65-F5344CB8AC3E}">
-        <p14:creationId xmlns:p14="http://schemas.microsoft.com/office/powerpoint/2010/main" val="3808676551"/>
+        <p14:creationId xmlns:p14="http://schemas.microsoft.com/office/powerpoint/2010/main" val="1834372175"/>
       </p:ext>
     </p:extLst>
   </p:cSld>
@@ -14668,42 +14581,43 @@
           <a:chExt cx="0" cy="0"/>
         </a:xfrm>
       </p:grpSpPr>
-      <p:pic>
-        <p:nvPicPr>
-          <p:cNvPr id="13" name="그림 12" descr="스크린샷이(가) 표시된 사진&#10;&#10;자동 생성된 설명">
+      <p:sp>
+        <p:nvSpPr>
+          <p:cNvPr id="2" name="제목 1">
             <a:extLst>
               <a:ext uri="{FF2B5EF4-FFF2-40B4-BE49-F238E27FC236}">
-                <a16:creationId xmlns:a16="http://schemas.microsoft.com/office/drawing/2014/main" id="{B32F27EF-E504-4168-8FD9-B416D97F5B02}"/>
+                <a16:creationId xmlns:a16="http://schemas.microsoft.com/office/drawing/2014/main" id="{DCF95126-78F4-44B0-AA86-107F55589E24}"/>
               </a:ext>
             </a:extLst>
           </p:cNvPr>
-          <p:cNvPicPr>
-            <a:picLocks noChangeAspect="1"/>
-          </p:cNvPicPr>
-          <p:nvPr/>
-        </p:nvPicPr>
-        <p:blipFill>
-          <a:blip r:embed="rId3"/>
-          <a:stretch>
-            <a:fillRect/>
-          </a:stretch>
-        </p:blipFill>
-        <p:spPr>
-          <a:xfrm>
-            <a:off x="6360160" y="515168"/>
-            <a:ext cx="5377881" cy="5850829"/>
-          </a:xfrm>
-          <a:prstGeom prst="rect">
-            <a:avLst/>
-          </a:prstGeom>
-        </p:spPr>
-      </p:pic>
-      <p:sp>
-        <p:nvSpPr>
-          <p:cNvPr id="2" name="제목 1">
+          <p:cNvSpPr>
+            <a:spLocks noGrp="1"/>
+          </p:cNvSpPr>
+          <p:nvPr>
+            <p:ph type="title"/>
+          </p:nvPr>
+        </p:nvSpPr>
+        <p:spPr/>
+        <p:txBody>
+          <a:bodyPr>
+            <a:noAutofit/>
+          </a:bodyPr>
+          <a:lstStyle/>
+          <a:p>
+            <a:pPr algn="ctr"/>
+            <a:r>
+              <a:rPr lang="ko-KR" altLang="en-US" sz="3200" b="1" dirty="0"/>
+              <a:t>현재 진행 상황</a:t>
+            </a:r>
+          </a:p>
+        </p:txBody>
+      </p:sp>
+      <p:sp>
+        <p:nvSpPr>
+          <p:cNvPr id="3" name="내용 개체 틀 2">
             <a:extLst>
               <a:ext uri="{FF2B5EF4-FFF2-40B4-BE49-F238E27FC236}">
-                <a16:creationId xmlns:a16="http://schemas.microsoft.com/office/drawing/2014/main" id="{F527D3A4-2476-4C9D-B594-1FA1ED3CFA2B}"/>
+                <a16:creationId xmlns:a16="http://schemas.microsoft.com/office/drawing/2014/main" id="{F77CE3EF-26CF-4C89-A463-B0CE7D91F570}"/>
               </a:ext>
             </a:extLst>
           </p:cNvPr>
@@ -14711,21 +14625,179 @@
             <a:spLocks noGrp="1"/>
           </p:cNvSpPr>
           <p:nvPr>
-            <p:ph type="title"/>
-          </p:nvPr>
-        </p:nvSpPr>
-        <p:spPr/>
+            <p:ph idx="1"/>
+          </p:nvPr>
+        </p:nvSpPr>
+        <p:spPr>
+          <a:xfrm>
+            <a:off x="1321142" y="864108"/>
+            <a:ext cx="10263986" cy="5993892"/>
+          </a:xfrm>
+        </p:spPr>
         <p:txBody>
           <a:bodyPr>
             <a:normAutofit/>
           </a:bodyPr>
           <a:lstStyle/>
           <a:p>
-            <a:r>
-              <a:rPr lang="ko-KR" altLang="en-US" sz="3600" b="1" dirty="0"/>
-              <a:t>현재 진행 상황</a:t>
-            </a:r>
-            <a:endParaRPr lang="ko-KR" altLang="en-US" sz="3500" b="1" dirty="0"/>
+            <a:pPr marL="0" indent="0">
+              <a:spcBef>
+                <a:spcPts val="2400"/>
+              </a:spcBef>
+              <a:buNone/>
+            </a:pPr>
+            <a:r>
+              <a:rPr lang="en-US" altLang="ko-KR" sz="3600" dirty="0"/>
+              <a:t>0.</a:t>
+            </a:r>
+            <a:r>
+              <a:rPr lang="ko-KR" altLang="en-US" sz="3600" dirty="0"/>
+              <a:t> 직진</a:t>
+            </a:r>
+            <a:endParaRPr lang="en-US" altLang="ko-KR" sz="3600" dirty="0"/>
+          </a:p>
+          <a:p>
+            <a:pPr marL="0" indent="0">
+              <a:spcBef>
+                <a:spcPts val="2400"/>
+              </a:spcBef>
+              <a:buNone/>
+            </a:pPr>
+            <a:r>
+              <a:rPr lang="en-US" altLang="ko-KR" sz="3600" dirty="0"/>
+              <a:t>1. </a:t>
+            </a:r>
+            <a:r>
+              <a:rPr lang="ko-KR" altLang="en-US" sz="3600" dirty="0"/>
+              <a:t>좌회전</a:t>
+            </a:r>
+            <a:r>
+              <a:rPr lang="en-US" altLang="ko-KR" sz="3600" dirty="0"/>
+              <a:t>				2. </a:t>
+            </a:r>
+            <a:r>
+              <a:rPr lang="ko-KR" altLang="en-US" sz="3600" dirty="0"/>
+              <a:t>우회전</a:t>
+            </a:r>
+            <a:endParaRPr lang="en-US" altLang="ko-KR" sz="3600" dirty="0"/>
+          </a:p>
+          <a:p>
+            <a:pPr marL="0" indent="0">
+              <a:spcBef>
+                <a:spcPts val="2400"/>
+              </a:spcBef>
+              <a:buNone/>
+            </a:pPr>
+            <a:r>
+              <a:rPr lang="en-US" altLang="ko-KR" sz="3600" dirty="0"/>
+              <a:t>3. </a:t>
+            </a:r>
+            <a:r>
+              <a:rPr lang="ko-KR" altLang="en-US" sz="3600" dirty="0"/>
+              <a:t>차선 변경</a:t>
+            </a:r>
+            <a:r>
+              <a:rPr lang="en-US" altLang="ko-KR" sz="3600" dirty="0"/>
+              <a:t>(</a:t>
+            </a:r>
+            <a:r>
+              <a:rPr lang="ko-KR" altLang="en-US" sz="3600" dirty="0"/>
+              <a:t>좌</a:t>
+            </a:r>
+            <a:r>
+              <a:rPr lang="en-US" altLang="ko-KR" sz="3600" dirty="0"/>
+              <a:t>)		4. </a:t>
+            </a:r>
+            <a:r>
+              <a:rPr lang="ko-KR" altLang="en-US" sz="3600" dirty="0"/>
+              <a:t>차선 변경</a:t>
+            </a:r>
+            <a:r>
+              <a:rPr lang="en-US" altLang="ko-KR" sz="3600" dirty="0"/>
+              <a:t>(</a:t>
+            </a:r>
+            <a:r>
+              <a:rPr lang="ko-KR" altLang="en-US" sz="3600" dirty="0"/>
+              <a:t>우</a:t>
+            </a:r>
+            <a:r>
+              <a:rPr lang="en-US" altLang="ko-KR" sz="3600" dirty="0"/>
+              <a:t>)</a:t>
+            </a:r>
+          </a:p>
+          <a:p>
+            <a:pPr marL="0" indent="0">
+              <a:spcBef>
+                <a:spcPts val="2400"/>
+              </a:spcBef>
+              <a:buNone/>
+            </a:pPr>
+            <a:r>
+              <a:rPr lang="en-US" altLang="ko-KR" sz="3600" dirty="0"/>
+              <a:t>5. </a:t>
+            </a:r>
+            <a:r>
+              <a:rPr lang="ko-KR" altLang="en-US" sz="3600" dirty="0"/>
+              <a:t>커브</a:t>
+            </a:r>
+            <a:r>
+              <a:rPr lang="en-US" altLang="ko-KR" sz="3600" dirty="0"/>
+              <a:t>(</a:t>
+            </a:r>
+            <a:r>
+              <a:rPr lang="ko-KR" altLang="en-US" sz="3600" dirty="0"/>
+              <a:t>좌</a:t>
+            </a:r>
+            <a:r>
+              <a:rPr lang="en-US" altLang="ko-KR" sz="3600" dirty="0"/>
+              <a:t>) – </a:t>
+            </a:r>
+            <a:r>
+              <a:rPr lang="ko-KR" altLang="en-US" sz="3600" dirty="0"/>
+              <a:t>예정</a:t>
+            </a:r>
+            <a:r>
+              <a:rPr lang="en-US" altLang="ko-KR" sz="3600" dirty="0"/>
+              <a:t>		6.</a:t>
+            </a:r>
+            <a:r>
+              <a:rPr lang="ko-KR" altLang="en-US" sz="3600" dirty="0"/>
+              <a:t>커브</a:t>
+            </a:r>
+            <a:r>
+              <a:rPr lang="en-US" altLang="ko-KR" sz="3600" dirty="0"/>
+              <a:t>(</a:t>
+            </a:r>
+            <a:r>
+              <a:rPr lang="ko-KR" altLang="en-US" sz="3600" dirty="0"/>
+              <a:t>우</a:t>
+            </a:r>
+            <a:r>
+              <a:rPr lang="en-US" altLang="ko-KR" sz="3600" dirty="0"/>
+              <a:t>) – </a:t>
+            </a:r>
+            <a:r>
+              <a:rPr lang="ko-KR" altLang="en-US" sz="3600" dirty="0"/>
+              <a:t>예정</a:t>
+            </a:r>
+            <a:endParaRPr lang="en-US" altLang="ko-KR" sz="3600" dirty="0"/>
+          </a:p>
+          <a:p>
+            <a:pPr marL="0" indent="0">
+              <a:spcBef>
+                <a:spcPts val="2400"/>
+              </a:spcBef>
+              <a:buNone/>
+            </a:pPr>
+            <a:r>
+              <a:rPr lang="en-US" altLang="ko-KR" sz="3600" dirty="0"/>
+              <a:t>7. </a:t>
+            </a:r>
+            <a:r>
+              <a:rPr lang="ko-KR" altLang="en-US" sz="3600" dirty="0"/>
+              <a:t>정지</a:t>
+            </a:r>
+            <a:endParaRPr lang="en-US" altLang="ko-KR" sz="3600" dirty="0"/>
           </a:p>
         </p:txBody>
       </p:sp>
@@ -14734,7 +14806,7 @@
           <p:cNvPr id="5" name="슬라이드 번호 개체 틀 4">
             <a:extLst>
               <a:ext uri="{FF2B5EF4-FFF2-40B4-BE49-F238E27FC236}">
-                <a16:creationId xmlns:a16="http://schemas.microsoft.com/office/drawing/2014/main" id="{B94218F4-8846-4E3F-853A-5F8555B0F85A}"/>
+                <a16:creationId xmlns:a16="http://schemas.microsoft.com/office/drawing/2014/main" id="{697479EF-A19F-4427-84A0-1ED090411FD0}"/>
               </a:ext>
             </a:extLst>
           </p:cNvPr>
@@ -14764,7 +14836,7 @@
           <p:cNvPr id="4" name="날짜 개체 틀 3">
             <a:extLst>
               <a:ext uri="{FF2B5EF4-FFF2-40B4-BE49-F238E27FC236}">
-                <a16:creationId xmlns:a16="http://schemas.microsoft.com/office/drawing/2014/main" id="{4BB7EE5D-927A-4CCF-A1D8-4B1D0DBF2832}"/>
+                <a16:creationId xmlns:a16="http://schemas.microsoft.com/office/drawing/2014/main" id="{97905E41-4DA2-442F-8CC2-64E7A53076B1}"/>
               </a:ext>
             </a:extLst>
           </p:cNvPr>
@@ -14785,7 +14857,7 @@
           <a:bodyPr/>
           <a:lstStyle/>
           <a:p>
-            <a:fld id="{835A3A55-8703-4404-B685-585B47BF8635}" type="datetime1">
+            <a:fld id="{793FA439-1AF0-4114-85D0-94817C2CD7F4}" type="datetime1">
               <a:rPr lang="ko-KR" altLang="en-US" smtClean="0"/>
               <a:t>2020-07-17</a:t>
             </a:fld>
@@ -14798,7 +14870,7 @@
           <p:cNvPr id="6" name="바닥글 개체 틀 3">
             <a:extLst>
               <a:ext uri="{FF2B5EF4-FFF2-40B4-BE49-F238E27FC236}">
-                <a16:creationId xmlns:a16="http://schemas.microsoft.com/office/drawing/2014/main" id="{A60952EA-DD37-49FE-B649-1749C242F52B}"/>
+                <a16:creationId xmlns:a16="http://schemas.microsoft.com/office/drawing/2014/main" id="{29675F6E-AB95-42A8-B21F-DF220282D235}"/>
               </a:ext>
             </a:extLst>
           </p:cNvPr>
@@ -14962,7 +15034,7 @@
           <p:cNvPr id="7" name="TextBox 6">
             <a:extLst>
               <a:ext uri="{FF2B5EF4-FFF2-40B4-BE49-F238E27FC236}">
-                <a16:creationId xmlns:a16="http://schemas.microsoft.com/office/drawing/2014/main" id="{363584E5-9A0C-434C-BB6F-A44FDBA3DBBC}"/>
+                <a16:creationId xmlns:a16="http://schemas.microsoft.com/office/drawing/2014/main" id="{DF921F7D-E495-4662-8CA2-B81784899F14}"/>
               </a:ext>
             </a:extLst>
           </p:cNvPr>
@@ -14971,8 +15043,8 @@
         </p:nvSpPr>
         <p:spPr>
           <a:xfrm>
-            <a:off x="1118223" y="729025"/>
-            <a:ext cx="5558076" cy="553998"/>
+            <a:off x="1321142" y="949884"/>
+            <a:ext cx="6372430" cy="707886"/>
           </a:xfrm>
           <a:prstGeom prst="rect">
             <a:avLst/>
@@ -14986,88 +15058,16 @@
           <a:lstStyle/>
           <a:p>
             <a:r>
-              <a:rPr lang="ko-KR" altLang="en-US" sz="3000" dirty="0"/>
-              <a:t>데이터 모델</a:t>
-            </a:r>
-          </a:p>
-        </p:txBody>
-      </p:sp>
-      <p:pic>
-        <p:nvPicPr>
-          <p:cNvPr id="9" name="그림 8" descr="텍스트, 지도이(가) 표시된 사진&#10;&#10;자동 생성된 설명">
-            <a:extLst>
-              <a:ext uri="{FF2B5EF4-FFF2-40B4-BE49-F238E27FC236}">
-                <a16:creationId xmlns:a16="http://schemas.microsoft.com/office/drawing/2014/main" id="{65755DFB-0CB1-4F30-A726-6824D03AB510}"/>
-              </a:ext>
-            </a:extLst>
-          </p:cNvPr>
-          <p:cNvPicPr>
-            <a:picLocks noChangeAspect="1"/>
-          </p:cNvPicPr>
-          <p:nvPr/>
-        </p:nvPicPr>
-        <p:blipFill>
-          <a:blip r:embed="rId4"/>
-          <a:stretch>
-            <a:fillRect/>
-          </a:stretch>
-        </p:blipFill>
-        <p:spPr>
-          <a:xfrm>
-            <a:off x="1118224" y="1253592"/>
-            <a:ext cx="5562760" cy="4471428"/>
-          </a:xfrm>
-          <a:prstGeom prst="rect">
-            <a:avLst/>
-          </a:prstGeom>
-        </p:spPr>
-      </p:pic>
-      <p:sp>
-        <p:nvSpPr>
-          <p:cNvPr id="10" name="TextBox 9">
-            <a:extLst>
-              <a:ext uri="{FF2B5EF4-FFF2-40B4-BE49-F238E27FC236}">
-                <a16:creationId xmlns:a16="http://schemas.microsoft.com/office/drawing/2014/main" id="{D7C93AB8-9A3C-4195-94AE-08313A911385}"/>
-              </a:ext>
-            </a:extLst>
-          </p:cNvPr>
-          <p:cNvSpPr txBox="1"/>
-          <p:nvPr/>
-        </p:nvSpPr>
-        <p:spPr>
-          <a:xfrm>
-            <a:off x="5582722" y="5725020"/>
-            <a:ext cx="700833" cy="430887"/>
-          </a:xfrm>
-          <a:prstGeom prst="rect">
-            <a:avLst/>
-          </a:prstGeom>
-          <a:noFill/>
-        </p:spPr>
-        <p:txBody>
-          <a:bodyPr wrap="none" rtlCol="0">
-            <a:spAutoFit/>
-          </a:bodyPr>
-          <a:lstStyle/>
-          <a:p>
-            <a:r>
-              <a:rPr lang="en-US" altLang="ko-KR" sz="1050" b="1" dirty="0"/>
-              <a:t>8-tensor</a:t>
-            </a:r>
-          </a:p>
-          <a:p>
-            <a:r>
-              <a:rPr lang="en-US" altLang="ko-KR" sz="1050" b="1" dirty="0"/>
-              <a:t>  Layer</a:t>
-            </a:r>
-            <a:endParaRPr lang="ko-KR" altLang="en-US" sz="1050" b="1" dirty="0"/>
+              <a:rPr lang="ko-KR" altLang="en-US" sz="4000" dirty="0"/>
+              <a:t>분석 차량 상태</a:t>
+            </a:r>
           </a:p>
         </p:txBody>
       </p:sp>
     </p:spTree>
     <p:extLst>
       <p:ext uri="{BB962C8B-B14F-4D97-AF65-F5344CB8AC3E}">
-        <p14:creationId xmlns:p14="http://schemas.microsoft.com/office/powerpoint/2010/main" val="2850760943"/>
+        <p14:creationId xmlns:p14="http://schemas.microsoft.com/office/powerpoint/2010/main" val="3808676551"/>
       </p:ext>
     </p:extLst>
   </p:cSld>
@@ -15613,6 +15613,12 @@
 </file>
 
 <file path=customXml/item2.xml><?xml version="1.0" encoding="utf-8"?>
+<p:properties xmlns:p="http://schemas.microsoft.com/office/2006/metadata/properties" xmlns:xsi="http://www.w3.org/2001/XMLSchema-instance" xmlns:pc="http://schemas.microsoft.com/office/infopath/2007/PartnerControls">
+  <documentManagement/>
+</p:properties>
+</file>
+
+<file path=customXml/item3.xml><?xml version="1.0" encoding="utf-8"?>
 <ct:contentTypeSchema xmlns:ct="http://schemas.microsoft.com/office/2006/metadata/contentType" xmlns:ma="http://schemas.microsoft.com/office/2006/metadata/properties/metaAttributes" ct:_="" ma:_="" ma:contentTypeName="문서" ma:contentTypeID="0x010100069E9B57EE2795448F0A5E9185979C4D" ma:contentTypeVersion="8" ma:contentTypeDescription="새 문서를 만듭니다." ma:contentTypeScope="" ma:versionID="ebe0296ce44ae013142285ed7e07a224">
   <xsd:schema xmlns:xsd="http://www.w3.org/2001/XMLSchema" xmlns:xs="http://www.w3.org/2001/XMLSchema" xmlns:p="http://schemas.microsoft.com/office/2006/metadata/properties" xmlns:ns3="830c12de-feef-4459-9b5f-ae8f8d246afc" targetNamespace="http://schemas.microsoft.com/office/2006/metadata/properties" ma:root="true" ma:fieldsID="9b81d5a7373f737e47b28cbf5b27ef70" ns3:_="">
     <xsd:import namespace="830c12de-feef-4459-9b5f-ae8f8d246afc"/>
@@ -15782,12 +15788,6 @@
 </ct:contentTypeSchema>
 </file>
 
-<file path=customXml/item3.xml><?xml version="1.0" encoding="utf-8"?>
-<p:properties xmlns:p="http://schemas.microsoft.com/office/2006/metadata/properties" xmlns:xsi="http://www.w3.org/2001/XMLSchema-instance" xmlns:pc="http://schemas.microsoft.com/office/infopath/2007/PartnerControls">
-  <documentManagement/>
-</p:properties>
-</file>
-
 <file path=customXml/itemProps1.xml><?xml version="1.0" encoding="utf-8"?>
 <ds:datastoreItem xmlns:ds="http://schemas.openxmlformats.org/officeDocument/2006/customXml" ds:itemID="{D5BAE4EC-A401-4A94-B3A5-9FF5C310C1D2}">
   <ds:schemaRefs>
@@ -15797,6 +15797,16 @@
 </file>
 
 <file path=customXml/itemProps2.xml><?xml version="1.0" encoding="utf-8"?>
+<ds:datastoreItem xmlns:ds="http://schemas.openxmlformats.org/officeDocument/2006/customXml" ds:itemID="{9063696C-3651-4B20-95C9-9D01E44F83E0}">
+  <ds:schemaRefs>
+    <ds:schemaRef ds:uri="http://schemas.microsoft.com/office/2006/metadata/properties"/>
+    <ds:schemaRef ds:uri="http://www.w3.org/2000/xmlns/"/>
+    <ds:schemaRef ds:uri="http://schemas.microsoft.com/office/infopath/2007/PartnerControls"/>
+  </ds:schemaRefs>
+</ds:datastoreItem>
+</file>
+
+<file path=customXml/itemProps3.xml><?xml version="1.0" encoding="utf-8"?>
 <ds:datastoreItem xmlns:ds="http://schemas.openxmlformats.org/officeDocument/2006/customXml" ds:itemID="{0EC03C6A-0A9D-4AA5-9D9B-E95566FFA593}">
   <ds:schemaRefs>
     <ds:schemaRef ds:uri="http://schemas.microsoft.com/office/2006/metadata/contentType"/>
@@ -15813,14 +15823,4 @@
     <ds:schemaRef ds:uri="http://schemas.microsoft.com/internal/obd"/>
   </ds:schemaRefs>
 </ds:datastoreItem>
-</file>
-
-<file path=customXml/itemProps3.xml><?xml version="1.0" encoding="utf-8"?>
-<ds:datastoreItem xmlns:ds="http://schemas.openxmlformats.org/officeDocument/2006/customXml" ds:itemID="{9063696C-3651-4B20-95C9-9D01E44F83E0}">
-  <ds:schemaRefs>
-    <ds:schemaRef ds:uri="http://schemas.microsoft.com/office/2006/metadata/properties"/>
-    <ds:schemaRef ds:uri="http://www.w3.org/2000/xmlns/"/>
-    <ds:schemaRef ds:uri="http://schemas.microsoft.com/office/infopath/2007/PartnerControls"/>
-  </ds:schemaRefs>
-</ds:datastoreItem>
 </file>